--- a/Project3.pptx
+++ b/Project3.pptx
@@ -18,11 +18,11 @@
     <p:sldId id="265" r:id="rId12"/>
     <p:sldId id="272" r:id="rId13"/>
     <p:sldId id="277" r:id="rId14"/>
-    <p:sldId id="273" r:id="rId15"/>
-    <p:sldId id="270" r:id="rId16"/>
-    <p:sldId id="275" r:id="rId17"/>
-    <p:sldId id="262" r:id="rId18"/>
-    <p:sldId id="268" r:id="rId19"/>
+    <p:sldId id="270" r:id="rId15"/>
+    <p:sldId id="275" r:id="rId16"/>
+    <p:sldId id="262" r:id="rId17"/>
+    <p:sldId id="268" r:id="rId18"/>
+    <p:sldId id="278" r:id="rId19"/>
     <p:sldId id="269" r:id="rId20"/>
   </p:sldIdLst>
   <p:sldSz cx="12192000" cy="6858000"/>
@@ -156,7 +156,7 @@
           <p:cNvPr id="2" name="Title 1">
             <a:extLst>
               <a:ext uri="{FF2B5EF4-FFF2-40B4-BE49-F238E27FC236}">
-                <a16:creationId xmlns:a16="http://schemas.microsoft.com/office/drawing/2014/main" id="{0BD6271A-2C8A-4D76-BD97-92E63109AECE}"/>
+                <a16:creationId xmlns:a16="http://schemas.microsoft.com/office/drawing/2014/main" xmlns="" id="{0BD6271A-2C8A-4D76-BD97-92E63109AECE}"/>
               </a:ext>
             </a:extLst>
           </p:cNvPr>
@@ -193,7 +193,7 @@
           <p:cNvPr id="3" name="Subtitle 2">
             <a:extLst>
               <a:ext uri="{FF2B5EF4-FFF2-40B4-BE49-F238E27FC236}">
-                <a16:creationId xmlns:a16="http://schemas.microsoft.com/office/drawing/2014/main" id="{65427D06-DBD6-49DB-9D35-F0D4B68CBC60}"/>
+                <a16:creationId xmlns:a16="http://schemas.microsoft.com/office/drawing/2014/main" xmlns="" id="{65427D06-DBD6-49DB-9D35-F0D4B68CBC60}"/>
               </a:ext>
             </a:extLst>
           </p:cNvPr>
@@ -263,7 +263,7 @@
           <p:cNvPr id="4" name="Date Placeholder 3">
             <a:extLst>
               <a:ext uri="{FF2B5EF4-FFF2-40B4-BE49-F238E27FC236}">
-                <a16:creationId xmlns:a16="http://schemas.microsoft.com/office/drawing/2014/main" id="{7B9DBCC5-E7D5-49E1-8517-C0C2CBE8B08C}"/>
+                <a16:creationId xmlns:a16="http://schemas.microsoft.com/office/drawing/2014/main" xmlns="" id="{7B9DBCC5-E7D5-49E1-8517-C0C2CBE8B08C}"/>
               </a:ext>
             </a:extLst>
           </p:cNvPr>
@@ -281,7 +281,7 @@
           <a:p>
             <a:fld id="{A76297C3-304A-45D0-BE14-C540426C9B03}" type="datetimeFigureOut">
               <a:rPr lang="en-US" smtClean="0"/>
-              <a:t>2/1/2018</a:t>
+              <a:t>2/1/18</a:t>
             </a:fld>
             <a:endParaRPr lang="en-US"/>
           </a:p>
@@ -292,7 +292,7 @@
           <p:cNvPr id="5" name="Footer Placeholder 4">
             <a:extLst>
               <a:ext uri="{FF2B5EF4-FFF2-40B4-BE49-F238E27FC236}">
-                <a16:creationId xmlns:a16="http://schemas.microsoft.com/office/drawing/2014/main" id="{CC12BA68-5147-4413-8183-CADEEA7A05A4}"/>
+                <a16:creationId xmlns:a16="http://schemas.microsoft.com/office/drawing/2014/main" xmlns="" id="{CC12BA68-5147-4413-8183-CADEEA7A05A4}"/>
               </a:ext>
             </a:extLst>
           </p:cNvPr>
@@ -317,7 +317,7 @@
           <p:cNvPr id="6" name="Slide Number Placeholder 5">
             <a:extLst>
               <a:ext uri="{FF2B5EF4-FFF2-40B4-BE49-F238E27FC236}">
-                <a16:creationId xmlns:a16="http://schemas.microsoft.com/office/drawing/2014/main" id="{A41871E1-3CE4-466F-8671-26A318854275}"/>
+                <a16:creationId xmlns:a16="http://schemas.microsoft.com/office/drawing/2014/main" xmlns="" id="{A41871E1-3CE4-466F-8671-26A318854275}"/>
               </a:ext>
             </a:extLst>
           </p:cNvPr>
@@ -376,7 +376,7 @@
           <p:cNvPr id="2" name="Title 1">
             <a:extLst>
               <a:ext uri="{FF2B5EF4-FFF2-40B4-BE49-F238E27FC236}">
-                <a16:creationId xmlns:a16="http://schemas.microsoft.com/office/drawing/2014/main" id="{56CD0271-2B8C-4094-BD30-9DC4CB03343A}"/>
+                <a16:creationId xmlns:a16="http://schemas.microsoft.com/office/drawing/2014/main" xmlns="" id="{56CD0271-2B8C-4094-BD30-9DC4CB03343A}"/>
               </a:ext>
             </a:extLst>
           </p:cNvPr>
@@ -404,7 +404,7 @@
           <p:cNvPr id="3" name="Vertical Text Placeholder 2">
             <a:extLst>
               <a:ext uri="{FF2B5EF4-FFF2-40B4-BE49-F238E27FC236}">
-                <a16:creationId xmlns:a16="http://schemas.microsoft.com/office/drawing/2014/main" id="{CAA00857-62B6-4FF6-9FEF-FED22C1C2EFD}"/>
+                <a16:creationId xmlns:a16="http://schemas.microsoft.com/office/drawing/2014/main" xmlns="" id="{CAA00857-62B6-4FF6-9FEF-FED22C1C2EFD}"/>
               </a:ext>
             </a:extLst>
           </p:cNvPr>
@@ -461,7 +461,7 @@
           <p:cNvPr id="4" name="Date Placeholder 3">
             <a:extLst>
               <a:ext uri="{FF2B5EF4-FFF2-40B4-BE49-F238E27FC236}">
-                <a16:creationId xmlns:a16="http://schemas.microsoft.com/office/drawing/2014/main" id="{4703EA35-76BD-4EFE-A688-9D30C403E43D}"/>
+                <a16:creationId xmlns:a16="http://schemas.microsoft.com/office/drawing/2014/main" xmlns="" id="{4703EA35-76BD-4EFE-A688-9D30C403E43D}"/>
               </a:ext>
             </a:extLst>
           </p:cNvPr>
@@ -479,7 +479,7 @@
           <a:p>
             <a:fld id="{A76297C3-304A-45D0-BE14-C540426C9B03}" type="datetimeFigureOut">
               <a:rPr lang="en-US" smtClean="0"/>
-              <a:t>2/1/2018</a:t>
+              <a:t>2/1/18</a:t>
             </a:fld>
             <a:endParaRPr lang="en-US"/>
           </a:p>
@@ -490,7 +490,7 @@
           <p:cNvPr id="5" name="Footer Placeholder 4">
             <a:extLst>
               <a:ext uri="{FF2B5EF4-FFF2-40B4-BE49-F238E27FC236}">
-                <a16:creationId xmlns:a16="http://schemas.microsoft.com/office/drawing/2014/main" id="{59C3F2E9-9F62-4FF7-BAEF-6C8D58471509}"/>
+                <a16:creationId xmlns:a16="http://schemas.microsoft.com/office/drawing/2014/main" xmlns="" id="{59C3F2E9-9F62-4FF7-BAEF-6C8D58471509}"/>
               </a:ext>
             </a:extLst>
           </p:cNvPr>
@@ -515,7 +515,7 @@
           <p:cNvPr id="6" name="Slide Number Placeholder 5">
             <a:extLst>
               <a:ext uri="{FF2B5EF4-FFF2-40B4-BE49-F238E27FC236}">
-                <a16:creationId xmlns:a16="http://schemas.microsoft.com/office/drawing/2014/main" id="{2446C530-C1BE-41BB-AC90-A8054B070025}"/>
+                <a16:creationId xmlns:a16="http://schemas.microsoft.com/office/drawing/2014/main" xmlns="" id="{2446C530-C1BE-41BB-AC90-A8054B070025}"/>
               </a:ext>
             </a:extLst>
           </p:cNvPr>
@@ -574,7 +574,7 @@
           <p:cNvPr id="2" name="Vertical Title 1">
             <a:extLst>
               <a:ext uri="{FF2B5EF4-FFF2-40B4-BE49-F238E27FC236}">
-                <a16:creationId xmlns:a16="http://schemas.microsoft.com/office/drawing/2014/main" id="{BC73EC9F-0896-477B-A2AA-D30D84C2DB83}"/>
+                <a16:creationId xmlns:a16="http://schemas.microsoft.com/office/drawing/2014/main" xmlns="" id="{BC73EC9F-0896-477B-A2AA-D30D84C2DB83}"/>
               </a:ext>
             </a:extLst>
           </p:cNvPr>
@@ -607,7 +607,7 @@
           <p:cNvPr id="3" name="Vertical Text Placeholder 2">
             <a:extLst>
               <a:ext uri="{FF2B5EF4-FFF2-40B4-BE49-F238E27FC236}">
-                <a16:creationId xmlns:a16="http://schemas.microsoft.com/office/drawing/2014/main" id="{74E7BC1F-8F64-47CE-990D-CAF125FDB70A}"/>
+                <a16:creationId xmlns:a16="http://schemas.microsoft.com/office/drawing/2014/main" xmlns="" id="{74E7BC1F-8F64-47CE-990D-CAF125FDB70A}"/>
               </a:ext>
             </a:extLst>
           </p:cNvPr>
@@ -669,7 +669,7 @@
           <p:cNvPr id="4" name="Date Placeholder 3">
             <a:extLst>
               <a:ext uri="{FF2B5EF4-FFF2-40B4-BE49-F238E27FC236}">
-                <a16:creationId xmlns:a16="http://schemas.microsoft.com/office/drawing/2014/main" id="{B4372A11-AE32-4110-B7F4-661587800B1D}"/>
+                <a16:creationId xmlns:a16="http://schemas.microsoft.com/office/drawing/2014/main" xmlns="" id="{B4372A11-AE32-4110-B7F4-661587800B1D}"/>
               </a:ext>
             </a:extLst>
           </p:cNvPr>
@@ -687,7 +687,7 @@
           <a:p>
             <a:fld id="{A76297C3-304A-45D0-BE14-C540426C9B03}" type="datetimeFigureOut">
               <a:rPr lang="en-US" smtClean="0"/>
-              <a:t>2/1/2018</a:t>
+              <a:t>2/1/18</a:t>
             </a:fld>
             <a:endParaRPr lang="en-US"/>
           </a:p>
@@ -698,7 +698,7 @@
           <p:cNvPr id="5" name="Footer Placeholder 4">
             <a:extLst>
               <a:ext uri="{FF2B5EF4-FFF2-40B4-BE49-F238E27FC236}">
-                <a16:creationId xmlns:a16="http://schemas.microsoft.com/office/drawing/2014/main" id="{2F9EF58F-9453-463D-BF84-ABBC18CDEE9C}"/>
+                <a16:creationId xmlns:a16="http://schemas.microsoft.com/office/drawing/2014/main" xmlns="" id="{2F9EF58F-9453-463D-BF84-ABBC18CDEE9C}"/>
               </a:ext>
             </a:extLst>
           </p:cNvPr>
@@ -723,7 +723,7 @@
           <p:cNvPr id="6" name="Slide Number Placeholder 5">
             <a:extLst>
               <a:ext uri="{FF2B5EF4-FFF2-40B4-BE49-F238E27FC236}">
-                <a16:creationId xmlns:a16="http://schemas.microsoft.com/office/drawing/2014/main" id="{8D2FA143-3F69-4A75-99D4-34A306FF3261}"/>
+                <a16:creationId xmlns:a16="http://schemas.microsoft.com/office/drawing/2014/main" xmlns="" id="{8D2FA143-3F69-4A75-99D4-34A306FF3261}"/>
               </a:ext>
             </a:extLst>
           </p:cNvPr>
@@ -782,7 +782,7 @@
           <p:cNvPr id="2" name="Title 1">
             <a:extLst>
               <a:ext uri="{FF2B5EF4-FFF2-40B4-BE49-F238E27FC236}">
-                <a16:creationId xmlns:a16="http://schemas.microsoft.com/office/drawing/2014/main" id="{001B2DC2-C24D-484C-B3C3-F4E4D94EBCFF}"/>
+                <a16:creationId xmlns:a16="http://schemas.microsoft.com/office/drawing/2014/main" xmlns="" id="{001B2DC2-C24D-484C-B3C3-F4E4D94EBCFF}"/>
               </a:ext>
             </a:extLst>
           </p:cNvPr>
@@ -810,7 +810,7 @@
           <p:cNvPr id="3" name="Content Placeholder 2">
             <a:extLst>
               <a:ext uri="{FF2B5EF4-FFF2-40B4-BE49-F238E27FC236}">
-                <a16:creationId xmlns:a16="http://schemas.microsoft.com/office/drawing/2014/main" id="{1025EC42-575C-4617-9084-7884AD521CAA}"/>
+                <a16:creationId xmlns:a16="http://schemas.microsoft.com/office/drawing/2014/main" xmlns="" id="{1025EC42-575C-4617-9084-7884AD521CAA}"/>
               </a:ext>
             </a:extLst>
           </p:cNvPr>
@@ -867,7 +867,7 @@
           <p:cNvPr id="4" name="Date Placeholder 3">
             <a:extLst>
               <a:ext uri="{FF2B5EF4-FFF2-40B4-BE49-F238E27FC236}">
-                <a16:creationId xmlns:a16="http://schemas.microsoft.com/office/drawing/2014/main" id="{42E543FC-BF97-40BC-8A64-0198B85B53A5}"/>
+                <a16:creationId xmlns:a16="http://schemas.microsoft.com/office/drawing/2014/main" xmlns="" id="{42E543FC-BF97-40BC-8A64-0198B85B53A5}"/>
               </a:ext>
             </a:extLst>
           </p:cNvPr>
@@ -885,7 +885,7 @@
           <a:p>
             <a:fld id="{A76297C3-304A-45D0-BE14-C540426C9B03}" type="datetimeFigureOut">
               <a:rPr lang="en-US" smtClean="0"/>
-              <a:t>2/1/2018</a:t>
+              <a:t>2/1/18</a:t>
             </a:fld>
             <a:endParaRPr lang="en-US"/>
           </a:p>
@@ -896,7 +896,7 @@
           <p:cNvPr id="5" name="Footer Placeholder 4">
             <a:extLst>
               <a:ext uri="{FF2B5EF4-FFF2-40B4-BE49-F238E27FC236}">
-                <a16:creationId xmlns:a16="http://schemas.microsoft.com/office/drawing/2014/main" id="{CA6BE3E0-3372-49E7-8D37-701C9844E35C}"/>
+                <a16:creationId xmlns:a16="http://schemas.microsoft.com/office/drawing/2014/main" xmlns="" id="{CA6BE3E0-3372-49E7-8D37-701C9844E35C}"/>
               </a:ext>
             </a:extLst>
           </p:cNvPr>
@@ -921,7 +921,7 @@
           <p:cNvPr id="6" name="Slide Number Placeholder 5">
             <a:extLst>
               <a:ext uri="{FF2B5EF4-FFF2-40B4-BE49-F238E27FC236}">
-                <a16:creationId xmlns:a16="http://schemas.microsoft.com/office/drawing/2014/main" id="{B4BBDF27-80DE-43B8-B080-03F3BE2C2124}"/>
+                <a16:creationId xmlns:a16="http://schemas.microsoft.com/office/drawing/2014/main" xmlns="" id="{B4BBDF27-80DE-43B8-B080-03F3BE2C2124}"/>
               </a:ext>
             </a:extLst>
           </p:cNvPr>
@@ -980,7 +980,7 @@
           <p:cNvPr id="2" name="Title 1">
             <a:extLst>
               <a:ext uri="{FF2B5EF4-FFF2-40B4-BE49-F238E27FC236}">
-                <a16:creationId xmlns:a16="http://schemas.microsoft.com/office/drawing/2014/main" id="{9C8DC85D-1C3E-492E-A4F6-E626815A8AAF}"/>
+                <a16:creationId xmlns:a16="http://schemas.microsoft.com/office/drawing/2014/main" xmlns="" id="{9C8DC85D-1C3E-492E-A4F6-E626815A8AAF}"/>
               </a:ext>
             </a:extLst>
           </p:cNvPr>
@@ -1017,7 +1017,7 @@
           <p:cNvPr id="3" name="Text Placeholder 2">
             <a:extLst>
               <a:ext uri="{FF2B5EF4-FFF2-40B4-BE49-F238E27FC236}">
-                <a16:creationId xmlns:a16="http://schemas.microsoft.com/office/drawing/2014/main" id="{C4F0990F-C4D0-41D2-9E78-7B98722A3441}"/>
+                <a16:creationId xmlns:a16="http://schemas.microsoft.com/office/drawing/2014/main" xmlns="" id="{C4F0990F-C4D0-41D2-9E78-7B98722A3441}"/>
               </a:ext>
             </a:extLst>
           </p:cNvPr>
@@ -1142,7 +1142,7 @@
           <p:cNvPr id="4" name="Date Placeholder 3">
             <a:extLst>
               <a:ext uri="{FF2B5EF4-FFF2-40B4-BE49-F238E27FC236}">
-                <a16:creationId xmlns:a16="http://schemas.microsoft.com/office/drawing/2014/main" id="{D26F0D50-ED34-40E1-9A85-3C61AFE225AF}"/>
+                <a16:creationId xmlns:a16="http://schemas.microsoft.com/office/drawing/2014/main" xmlns="" id="{D26F0D50-ED34-40E1-9A85-3C61AFE225AF}"/>
               </a:ext>
             </a:extLst>
           </p:cNvPr>
@@ -1160,7 +1160,7 @@
           <a:p>
             <a:fld id="{A76297C3-304A-45D0-BE14-C540426C9B03}" type="datetimeFigureOut">
               <a:rPr lang="en-US" smtClean="0"/>
-              <a:t>2/1/2018</a:t>
+              <a:t>2/1/18</a:t>
             </a:fld>
             <a:endParaRPr lang="en-US"/>
           </a:p>
@@ -1171,7 +1171,7 @@
           <p:cNvPr id="5" name="Footer Placeholder 4">
             <a:extLst>
               <a:ext uri="{FF2B5EF4-FFF2-40B4-BE49-F238E27FC236}">
-                <a16:creationId xmlns:a16="http://schemas.microsoft.com/office/drawing/2014/main" id="{5A5E8C9D-7D8F-4FC8-A6B6-C52DA12F8C67}"/>
+                <a16:creationId xmlns:a16="http://schemas.microsoft.com/office/drawing/2014/main" xmlns="" id="{5A5E8C9D-7D8F-4FC8-A6B6-C52DA12F8C67}"/>
               </a:ext>
             </a:extLst>
           </p:cNvPr>
@@ -1196,7 +1196,7 @@
           <p:cNvPr id="6" name="Slide Number Placeholder 5">
             <a:extLst>
               <a:ext uri="{FF2B5EF4-FFF2-40B4-BE49-F238E27FC236}">
-                <a16:creationId xmlns:a16="http://schemas.microsoft.com/office/drawing/2014/main" id="{BC65129D-49B8-437D-B552-1A0F1CB37143}"/>
+                <a16:creationId xmlns:a16="http://schemas.microsoft.com/office/drawing/2014/main" xmlns="" id="{BC65129D-49B8-437D-B552-1A0F1CB37143}"/>
               </a:ext>
             </a:extLst>
           </p:cNvPr>
@@ -1255,7 +1255,7 @@
           <p:cNvPr id="2" name="Title 1">
             <a:extLst>
               <a:ext uri="{FF2B5EF4-FFF2-40B4-BE49-F238E27FC236}">
-                <a16:creationId xmlns:a16="http://schemas.microsoft.com/office/drawing/2014/main" id="{A5B3D3E1-7DC1-4061-84D5-B09951343360}"/>
+                <a16:creationId xmlns:a16="http://schemas.microsoft.com/office/drawing/2014/main" xmlns="" id="{A5B3D3E1-7DC1-4061-84D5-B09951343360}"/>
               </a:ext>
             </a:extLst>
           </p:cNvPr>
@@ -1283,7 +1283,7 @@
           <p:cNvPr id="3" name="Content Placeholder 2">
             <a:extLst>
               <a:ext uri="{FF2B5EF4-FFF2-40B4-BE49-F238E27FC236}">
-                <a16:creationId xmlns:a16="http://schemas.microsoft.com/office/drawing/2014/main" id="{3314268D-70CD-44B8-97F3-36D8DC948C7F}"/>
+                <a16:creationId xmlns:a16="http://schemas.microsoft.com/office/drawing/2014/main" xmlns="" id="{3314268D-70CD-44B8-97F3-36D8DC948C7F}"/>
               </a:ext>
             </a:extLst>
           </p:cNvPr>
@@ -1345,7 +1345,7 @@
           <p:cNvPr id="4" name="Content Placeholder 3">
             <a:extLst>
               <a:ext uri="{FF2B5EF4-FFF2-40B4-BE49-F238E27FC236}">
-                <a16:creationId xmlns:a16="http://schemas.microsoft.com/office/drawing/2014/main" id="{114A86CF-1C97-4F51-9512-2E3833A5DE26}"/>
+                <a16:creationId xmlns:a16="http://schemas.microsoft.com/office/drawing/2014/main" xmlns="" id="{114A86CF-1C97-4F51-9512-2E3833A5DE26}"/>
               </a:ext>
             </a:extLst>
           </p:cNvPr>
@@ -1407,7 +1407,7 @@
           <p:cNvPr id="5" name="Date Placeholder 4">
             <a:extLst>
               <a:ext uri="{FF2B5EF4-FFF2-40B4-BE49-F238E27FC236}">
-                <a16:creationId xmlns:a16="http://schemas.microsoft.com/office/drawing/2014/main" id="{2E60F894-FE32-4D80-9991-8C400CF514E9}"/>
+                <a16:creationId xmlns:a16="http://schemas.microsoft.com/office/drawing/2014/main" xmlns="" id="{2E60F894-FE32-4D80-9991-8C400CF514E9}"/>
               </a:ext>
             </a:extLst>
           </p:cNvPr>
@@ -1425,7 +1425,7 @@
           <a:p>
             <a:fld id="{A76297C3-304A-45D0-BE14-C540426C9B03}" type="datetimeFigureOut">
               <a:rPr lang="en-US" smtClean="0"/>
-              <a:t>2/1/2018</a:t>
+              <a:t>2/1/18</a:t>
             </a:fld>
             <a:endParaRPr lang="en-US"/>
           </a:p>
@@ -1436,7 +1436,7 @@
           <p:cNvPr id="6" name="Footer Placeholder 5">
             <a:extLst>
               <a:ext uri="{FF2B5EF4-FFF2-40B4-BE49-F238E27FC236}">
-                <a16:creationId xmlns:a16="http://schemas.microsoft.com/office/drawing/2014/main" id="{05F1280E-34F2-4EB7-A03E-CEF21371D4E9}"/>
+                <a16:creationId xmlns:a16="http://schemas.microsoft.com/office/drawing/2014/main" xmlns="" id="{05F1280E-34F2-4EB7-A03E-CEF21371D4E9}"/>
               </a:ext>
             </a:extLst>
           </p:cNvPr>
@@ -1461,7 +1461,7 @@
           <p:cNvPr id="7" name="Slide Number Placeholder 6">
             <a:extLst>
               <a:ext uri="{FF2B5EF4-FFF2-40B4-BE49-F238E27FC236}">
-                <a16:creationId xmlns:a16="http://schemas.microsoft.com/office/drawing/2014/main" id="{A907D865-FF86-4570-B9F3-F5A43DE8F8CB}"/>
+                <a16:creationId xmlns:a16="http://schemas.microsoft.com/office/drawing/2014/main" xmlns="" id="{A907D865-FF86-4570-B9F3-F5A43DE8F8CB}"/>
               </a:ext>
             </a:extLst>
           </p:cNvPr>
@@ -1520,7 +1520,7 @@
           <p:cNvPr id="2" name="Title 1">
             <a:extLst>
               <a:ext uri="{FF2B5EF4-FFF2-40B4-BE49-F238E27FC236}">
-                <a16:creationId xmlns:a16="http://schemas.microsoft.com/office/drawing/2014/main" id="{E45354B9-2BA8-40BD-BB41-636B6526E764}"/>
+                <a16:creationId xmlns:a16="http://schemas.microsoft.com/office/drawing/2014/main" xmlns="" id="{E45354B9-2BA8-40BD-BB41-636B6526E764}"/>
               </a:ext>
             </a:extLst>
           </p:cNvPr>
@@ -1553,7 +1553,7 @@
           <p:cNvPr id="3" name="Text Placeholder 2">
             <a:extLst>
               <a:ext uri="{FF2B5EF4-FFF2-40B4-BE49-F238E27FC236}">
-                <a16:creationId xmlns:a16="http://schemas.microsoft.com/office/drawing/2014/main" id="{E618E453-7359-4786-948D-8DAD3A31A4FC}"/>
+                <a16:creationId xmlns:a16="http://schemas.microsoft.com/office/drawing/2014/main" xmlns="" id="{E618E453-7359-4786-948D-8DAD3A31A4FC}"/>
               </a:ext>
             </a:extLst>
           </p:cNvPr>
@@ -1624,7 +1624,7 @@
           <p:cNvPr id="4" name="Content Placeholder 3">
             <a:extLst>
               <a:ext uri="{FF2B5EF4-FFF2-40B4-BE49-F238E27FC236}">
-                <a16:creationId xmlns:a16="http://schemas.microsoft.com/office/drawing/2014/main" id="{4A9D9AA7-1567-4707-AB7A-6BAFE11CAB04}"/>
+                <a16:creationId xmlns:a16="http://schemas.microsoft.com/office/drawing/2014/main" xmlns="" id="{4A9D9AA7-1567-4707-AB7A-6BAFE11CAB04}"/>
               </a:ext>
             </a:extLst>
           </p:cNvPr>
@@ -1686,7 +1686,7 @@
           <p:cNvPr id="5" name="Text Placeholder 4">
             <a:extLst>
               <a:ext uri="{FF2B5EF4-FFF2-40B4-BE49-F238E27FC236}">
-                <a16:creationId xmlns:a16="http://schemas.microsoft.com/office/drawing/2014/main" id="{C05661C9-B45A-46EC-A68E-9A2D1C4782FE}"/>
+                <a16:creationId xmlns:a16="http://schemas.microsoft.com/office/drawing/2014/main" xmlns="" id="{C05661C9-B45A-46EC-A68E-9A2D1C4782FE}"/>
               </a:ext>
             </a:extLst>
           </p:cNvPr>
@@ -1757,7 +1757,7 @@
           <p:cNvPr id="6" name="Content Placeholder 5">
             <a:extLst>
               <a:ext uri="{FF2B5EF4-FFF2-40B4-BE49-F238E27FC236}">
-                <a16:creationId xmlns:a16="http://schemas.microsoft.com/office/drawing/2014/main" id="{1B3A09C9-9DA4-4BC6-8863-87B25338FD69}"/>
+                <a16:creationId xmlns:a16="http://schemas.microsoft.com/office/drawing/2014/main" xmlns="" id="{1B3A09C9-9DA4-4BC6-8863-87B25338FD69}"/>
               </a:ext>
             </a:extLst>
           </p:cNvPr>
@@ -1819,7 +1819,7 @@
           <p:cNvPr id="7" name="Date Placeholder 6">
             <a:extLst>
               <a:ext uri="{FF2B5EF4-FFF2-40B4-BE49-F238E27FC236}">
-                <a16:creationId xmlns:a16="http://schemas.microsoft.com/office/drawing/2014/main" id="{5B1F0185-6938-48BD-A3CE-55EA166EAE6E}"/>
+                <a16:creationId xmlns:a16="http://schemas.microsoft.com/office/drawing/2014/main" xmlns="" id="{5B1F0185-6938-48BD-A3CE-55EA166EAE6E}"/>
               </a:ext>
             </a:extLst>
           </p:cNvPr>
@@ -1837,7 +1837,7 @@
           <a:p>
             <a:fld id="{A76297C3-304A-45D0-BE14-C540426C9B03}" type="datetimeFigureOut">
               <a:rPr lang="en-US" smtClean="0"/>
-              <a:t>2/1/2018</a:t>
+              <a:t>2/1/18</a:t>
             </a:fld>
             <a:endParaRPr lang="en-US"/>
           </a:p>
@@ -1848,7 +1848,7 @@
           <p:cNvPr id="8" name="Footer Placeholder 7">
             <a:extLst>
               <a:ext uri="{FF2B5EF4-FFF2-40B4-BE49-F238E27FC236}">
-                <a16:creationId xmlns:a16="http://schemas.microsoft.com/office/drawing/2014/main" id="{F216ACE3-8B7F-477D-90A6-96BA23F5FAD5}"/>
+                <a16:creationId xmlns:a16="http://schemas.microsoft.com/office/drawing/2014/main" xmlns="" id="{F216ACE3-8B7F-477D-90A6-96BA23F5FAD5}"/>
               </a:ext>
             </a:extLst>
           </p:cNvPr>
@@ -1873,7 +1873,7 @@
           <p:cNvPr id="9" name="Slide Number Placeholder 8">
             <a:extLst>
               <a:ext uri="{FF2B5EF4-FFF2-40B4-BE49-F238E27FC236}">
-                <a16:creationId xmlns:a16="http://schemas.microsoft.com/office/drawing/2014/main" id="{6C85EDE5-856D-47C3-B47D-BBBA799A1F6E}"/>
+                <a16:creationId xmlns:a16="http://schemas.microsoft.com/office/drawing/2014/main" xmlns="" id="{6C85EDE5-856D-47C3-B47D-BBBA799A1F6E}"/>
               </a:ext>
             </a:extLst>
           </p:cNvPr>
@@ -1932,7 +1932,7 @@
           <p:cNvPr id="2" name="Title 1">
             <a:extLst>
               <a:ext uri="{FF2B5EF4-FFF2-40B4-BE49-F238E27FC236}">
-                <a16:creationId xmlns:a16="http://schemas.microsoft.com/office/drawing/2014/main" id="{6F2B87EF-B398-489F-83EF-8D79C7096686}"/>
+                <a16:creationId xmlns:a16="http://schemas.microsoft.com/office/drawing/2014/main" xmlns="" id="{6F2B87EF-B398-489F-83EF-8D79C7096686}"/>
               </a:ext>
             </a:extLst>
           </p:cNvPr>
@@ -1960,7 +1960,7 @@
           <p:cNvPr id="3" name="Date Placeholder 2">
             <a:extLst>
               <a:ext uri="{FF2B5EF4-FFF2-40B4-BE49-F238E27FC236}">
-                <a16:creationId xmlns:a16="http://schemas.microsoft.com/office/drawing/2014/main" id="{D940EA99-B8F7-42F4-9AB2-056EC9D4600A}"/>
+                <a16:creationId xmlns:a16="http://schemas.microsoft.com/office/drawing/2014/main" xmlns="" id="{D940EA99-B8F7-42F4-9AB2-056EC9D4600A}"/>
               </a:ext>
             </a:extLst>
           </p:cNvPr>
@@ -1978,7 +1978,7 @@
           <a:p>
             <a:fld id="{A76297C3-304A-45D0-BE14-C540426C9B03}" type="datetimeFigureOut">
               <a:rPr lang="en-US" smtClean="0"/>
-              <a:t>2/1/2018</a:t>
+              <a:t>2/1/18</a:t>
             </a:fld>
             <a:endParaRPr lang="en-US"/>
           </a:p>
@@ -1989,7 +1989,7 @@
           <p:cNvPr id="4" name="Footer Placeholder 3">
             <a:extLst>
               <a:ext uri="{FF2B5EF4-FFF2-40B4-BE49-F238E27FC236}">
-                <a16:creationId xmlns:a16="http://schemas.microsoft.com/office/drawing/2014/main" id="{4D35A952-EACF-49FA-B542-DB17839A5528}"/>
+                <a16:creationId xmlns:a16="http://schemas.microsoft.com/office/drawing/2014/main" xmlns="" id="{4D35A952-EACF-49FA-B542-DB17839A5528}"/>
               </a:ext>
             </a:extLst>
           </p:cNvPr>
@@ -2014,7 +2014,7 @@
           <p:cNvPr id="5" name="Slide Number Placeholder 4">
             <a:extLst>
               <a:ext uri="{FF2B5EF4-FFF2-40B4-BE49-F238E27FC236}">
-                <a16:creationId xmlns:a16="http://schemas.microsoft.com/office/drawing/2014/main" id="{9C905DEB-ABCB-41DC-9379-39954D855F31}"/>
+                <a16:creationId xmlns:a16="http://schemas.microsoft.com/office/drawing/2014/main" xmlns="" id="{9C905DEB-ABCB-41DC-9379-39954D855F31}"/>
               </a:ext>
             </a:extLst>
           </p:cNvPr>
@@ -2073,7 +2073,7 @@
           <p:cNvPr id="2" name="Date Placeholder 1">
             <a:extLst>
               <a:ext uri="{FF2B5EF4-FFF2-40B4-BE49-F238E27FC236}">
-                <a16:creationId xmlns:a16="http://schemas.microsoft.com/office/drawing/2014/main" id="{DEF8A080-7705-4154-882E-06E34C82F7F3}"/>
+                <a16:creationId xmlns:a16="http://schemas.microsoft.com/office/drawing/2014/main" xmlns="" id="{DEF8A080-7705-4154-882E-06E34C82F7F3}"/>
               </a:ext>
             </a:extLst>
           </p:cNvPr>
@@ -2091,7 +2091,7 @@
           <a:p>
             <a:fld id="{A76297C3-304A-45D0-BE14-C540426C9B03}" type="datetimeFigureOut">
               <a:rPr lang="en-US" smtClean="0"/>
-              <a:t>2/1/2018</a:t>
+              <a:t>2/1/18</a:t>
             </a:fld>
             <a:endParaRPr lang="en-US"/>
           </a:p>
@@ -2102,7 +2102,7 @@
           <p:cNvPr id="3" name="Footer Placeholder 2">
             <a:extLst>
               <a:ext uri="{FF2B5EF4-FFF2-40B4-BE49-F238E27FC236}">
-                <a16:creationId xmlns:a16="http://schemas.microsoft.com/office/drawing/2014/main" id="{6E565EB3-E6F5-475C-97FC-EDD825131D00}"/>
+                <a16:creationId xmlns:a16="http://schemas.microsoft.com/office/drawing/2014/main" xmlns="" id="{6E565EB3-E6F5-475C-97FC-EDD825131D00}"/>
               </a:ext>
             </a:extLst>
           </p:cNvPr>
@@ -2127,7 +2127,7 @@
           <p:cNvPr id="4" name="Slide Number Placeholder 3">
             <a:extLst>
               <a:ext uri="{FF2B5EF4-FFF2-40B4-BE49-F238E27FC236}">
-                <a16:creationId xmlns:a16="http://schemas.microsoft.com/office/drawing/2014/main" id="{50065CB3-8BDA-481F-BD46-8A197965CCD4}"/>
+                <a16:creationId xmlns:a16="http://schemas.microsoft.com/office/drawing/2014/main" xmlns="" id="{50065CB3-8BDA-481F-BD46-8A197965CCD4}"/>
               </a:ext>
             </a:extLst>
           </p:cNvPr>
@@ -2186,7 +2186,7 @@
           <p:cNvPr id="2" name="Title 1">
             <a:extLst>
               <a:ext uri="{FF2B5EF4-FFF2-40B4-BE49-F238E27FC236}">
-                <a16:creationId xmlns:a16="http://schemas.microsoft.com/office/drawing/2014/main" id="{DBE11775-3569-4235-B9AC-E8F8456699DB}"/>
+                <a16:creationId xmlns:a16="http://schemas.microsoft.com/office/drawing/2014/main" xmlns="" id="{DBE11775-3569-4235-B9AC-E8F8456699DB}"/>
               </a:ext>
             </a:extLst>
           </p:cNvPr>
@@ -2223,7 +2223,7 @@
           <p:cNvPr id="3" name="Content Placeholder 2">
             <a:extLst>
               <a:ext uri="{FF2B5EF4-FFF2-40B4-BE49-F238E27FC236}">
-                <a16:creationId xmlns:a16="http://schemas.microsoft.com/office/drawing/2014/main" id="{401FE43C-D0EF-4A04-9314-06BFAFFD6106}"/>
+                <a16:creationId xmlns:a16="http://schemas.microsoft.com/office/drawing/2014/main" xmlns="" id="{401FE43C-D0EF-4A04-9314-06BFAFFD6106}"/>
               </a:ext>
             </a:extLst>
           </p:cNvPr>
@@ -2313,7 +2313,7 @@
           <p:cNvPr id="4" name="Text Placeholder 3">
             <a:extLst>
               <a:ext uri="{FF2B5EF4-FFF2-40B4-BE49-F238E27FC236}">
-                <a16:creationId xmlns:a16="http://schemas.microsoft.com/office/drawing/2014/main" id="{CA8CDABC-9A37-4200-A5E2-173A1D2D9469}"/>
+                <a16:creationId xmlns:a16="http://schemas.microsoft.com/office/drawing/2014/main" xmlns="" id="{CA8CDABC-9A37-4200-A5E2-173A1D2D9469}"/>
               </a:ext>
             </a:extLst>
           </p:cNvPr>
@@ -2384,7 +2384,7 @@
           <p:cNvPr id="5" name="Date Placeholder 4">
             <a:extLst>
               <a:ext uri="{FF2B5EF4-FFF2-40B4-BE49-F238E27FC236}">
-                <a16:creationId xmlns:a16="http://schemas.microsoft.com/office/drawing/2014/main" id="{4A1039BC-4D56-4135-85A9-30B496CF88C3}"/>
+                <a16:creationId xmlns:a16="http://schemas.microsoft.com/office/drawing/2014/main" xmlns="" id="{4A1039BC-4D56-4135-85A9-30B496CF88C3}"/>
               </a:ext>
             </a:extLst>
           </p:cNvPr>
@@ -2402,7 +2402,7 @@
           <a:p>
             <a:fld id="{A76297C3-304A-45D0-BE14-C540426C9B03}" type="datetimeFigureOut">
               <a:rPr lang="en-US" smtClean="0"/>
-              <a:t>2/1/2018</a:t>
+              <a:t>2/1/18</a:t>
             </a:fld>
             <a:endParaRPr lang="en-US"/>
           </a:p>
@@ -2413,7 +2413,7 @@
           <p:cNvPr id="6" name="Footer Placeholder 5">
             <a:extLst>
               <a:ext uri="{FF2B5EF4-FFF2-40B4-BE49-F238E27FC236}">
-                <a16:creationId xmlns:a16="http://schemas.microsoft.com/office/drawing/2014/main" id="{96C27AA4-CFDF-4405-B7AE-D2AC3523037A}"/>
+                <a16:creationId xmlns:a16="http://schemas.microsoft.com/office/drawing/2014/main" xmlns="" id="{96C27AA4-CFDF-4405-B7AE-D2AC3523037A}"/>
               </a:ext>
             </a:extLst>
           </p:cNvPr>
@@ -2438,7 +2438,7 @@
           <p:cNvPr id="7" name="Slide Number Placeholder 6">
             <a:extLst>
               <a:ext uri="{FF2B5EF4-FFF2-40B4-BE49-F238E27FC236}">
-                <a16:creationId xmlns:a16="http://schemas.microsoft.com/office/drawing/2014/main" id="{2E750B55-08E8-48F8-B772-5BBDDD70ED7A}"/>
+                <a16:creationId xmlns:a16="http://schemas.microsoft.com/office/drawing/2014/main" xmlns="" id="{2E750B55-08E8-48F8-B772-5BBDDD70ED7A}"/>
               </a:ext>
             </a:extLst>
           </p:cNvPr>
@@ -2497,7 +2497,7 @@
           <p:cNvPr id="2" name="Title 1">
             <a:extLst>
               <a:ext uri="{FF2B5EF4-FFF2-40B4-BE49-F238E27FC236}">
-                <a16:creationId xmlns:a16="http://schemas.microsoft.com/office/drawing/2014/main" id="{54474ED4-AA12-4872-BDB5-C01551DC688B}"/>
+                <a16:creationId xmlns:a16="http://schemas.microsoft.com/office/drawing/2014/main" xmlns="" id="{54474ED4-AA12-4872-BDB5-C01551DC688B}"/>
               </a:ext>
             </a:extLst>
           </p:cNvPr>
@@ -2534,7 +2534,7 @@
           <p:cNvPr id="3" name="Picture Placeholder 2">
             <a:extLst>
               <a:ext uri="{FF2B5EF4-FFF2-40B4-BE49-F238E27FC236}">
-                <a16:creationId xmlns:a16="http://schemas.microsoft.com/office/drawing/2014/main" id="{19F0F6A8-5DD2-4CAA-837E-193CE5A9E7A1}"/>
+                <a16:creationId xmlns:a16="http://schemas.microsoft.com/office/drawing/2014/main" xmlns="" id="{19F0F6A8-5DD2-4CAA-837E-193CE5A9E7A1}"/>
               </a:ext>
             </a:extLst>
           </p:cNvPr>
@@ -2601,7 +2601,7 @@
           <p:cNvPr id="4" name="Text Placeholder 3">
             <a:extLst>
               <a:ext uri="{FF2B5EF4-FFF2-40B4-BE49-F238E27FC236}">
-                <a16:creationId xmlns:a16="http://schemas.microsoft.com/office/drawing/2014/main" id="{749E3560-E335-4FD8-AE81-942916721BC3}"/>
+                <a16:creationId xmlns:a16="http://schemas.microsoft.com/office/drawing/2014/main" xmlns="" id="{749E3560-E335-4FD8-AE81-942916721BC3}"/>
               </a:ext>
             </a:extLst>
           </p:cNvPr>
@@ -2672,7 +2672,7 @@
           <p:cNvPr id="5" name="Date Placeholder 4">
             <a:extLst>
               <a:ext uri="{FF2B5EF4-FFF2-40B4-BE49-F238E27FC236}">
-                <a16:creationId xmlns:a16="http://schemas.microsoft.com/office/drawing/2014/main" id="{3D9BBB94-8758-4C8F-8072-EB1CC0562712}"/>
+                <a16:creationId xmlns:a16="http://schemas.microsoft.com/office/drawing/2014/main" xmlns="" id="{3D9BBB94-8758-4C8F-8072-EB1CC0562712}"/>
               </a:ext>
             </a:extLst>
           </p:cNvPr>
@@ -2690,7 +2690,7 @@
           <a:p>
             <a:fld id="{A76297C3-304A-45D0-BE14-C540426C9B03}" type="datetimeFigureOut">
               <a:rPr lang="en-US" smtClean="0"/>
-              <a:t>2/1/2018</a:t>
+              <a:t>2/1/18</a:t>
             </a:fld>
             <a:endParaRPr lang="en-US"/>
           </a:p>
@@ -2701,7 +2701,7 @@
           <p:cNvPr id="6" name="Footer Placeholder 5">
             <a:extLst>
               <a:ext uri="{FF2B5EF4-FFF2-40B4-BE49-F238E27FC236}">
-                <a16:creationId xmlns:a16="http://schemas.microsoft.com/office/drawing/2014/main" id="{9EA50375-7B3E-41BF-9493-1C4A5E379CDB}"/>
+                <a16:creationId xmlns:a16="http://schemas.microsoft.com/office/drawing/2014/main" xmlns="" id="{9EA50375-7B3E-41BF-9493-1C4A5E379CDB}"/>
               </a:ext>
             </a:extLst>
           </p:cNvPr>
@@ -2726,7 +2726,7 @@
           <p:cNvPr id="7" name="Slide Number Placeholder 6">
             <a:extLst>
               <a:ext uri="{FF2B5EF4-FFF2-40B4-BE49-F238E27FC236}">
-                <a16:creationId xmlns:a16="http://schemas.microsoft.com/office/drawing/2014/main" id="{0E568A6D-457A-426F-971E-8EA556470E9D}"/>
+                <a16:creationId xmlns:a16="http://schemas.microsoft.com/office/drawing/2014/main" xmlns="" id="{0E568A6D-457A-426F-971E-8EA556470E9D}"/>
               </a:ext>
             </a:extLst>
           </p:cNvPr>
@@ -2790,7 +2790,7 @@
           <p:cNvPr id="2" name="Title Placeholder 1">
             <a:extLst>
               <a:ext uri="{FF2B5EF4-FFF2-40B4-BE49-F238E27FC236}">
-                <a16:creationId xmlns:a16="http://schemas.microsoft.com/office/drawing/2014/main" id="{7826F1A5-0985-46E2-ABE3-2EB0E578BD8F}"/>
+                <a16:creationId xmlns:a16="http://schemas.microsoft.com/office/drawing/2014/main" xmlns="" id="{7826F1A5-0985-46E2-ABE3-2EB0E578BD8F}"/>
               </a:ext>
             </a:extLst>
           </p:cNvPr>
@@ -2828,7 +2828,7 @@
           <p:cNvPr id="3" name="Text Placeholder 2">
             <a:extLst>
               <a:ext uri="{FF2B5EF4-FFF2-40B4-BE49-F238E27FC236}">
-                <a16:creationId xmlns:a16="http://schemas.microsoft.com/office/drawing/2014/main" id="{D5C38550-323D-4A9C-B8F3-4A5C81B0B95A}"/>
+                <a16:creationId xmlns:a16="http://schemas.microsoft.com/office/drawing/2014/main" xmlns="" id="{D5C38550-323D-4A9C-B8F3-4A5C81B0B95A}"/>
               </a:ext>
             </a:extLst>
           </p:cNvPr>
@@ -2895,7 +2895,7 @@
           <p:cNvPr id="4" name="Date Placeholder 3">
             <a:extLst>
               <a:ext uri="{FF2B5EF4-FFF2-40B4-BE49-F238E27FC236}">
-                <a16:creationId xmlns:a16="http://schemas.microsoft.com/office/drawing/2014/main" id="{EBFE39F5-F178-4E91-B9B9-23F1FAB544F4}"/>
+                <a16:creationId xmlns:a16="http://schemas.microsoft.com/office/drawing/2014/main" xmlns="" id="{EBFE39F5-F178-4E91-B9B9-23F1FAB544F4}"/>
               </a:ext>
             </a:extLst>
           </p:cNvPr>
@@ -2931,7 +2931,7 @@
           <a:p>
             <a:fld id="{A76297C3-304A-45D0-BE14-C540426C9B03}" type="datetimeFigureOut">
               <a:rPr lang="en-US" smtClean="0"/>
-              <a:t>2/1/2018</a:t>
+              <a:t>2/1/18</a:t>
             </a:fld>
             <a:endParaRPr lang="en-US"/>
           </a:p>
@@ -2942,7 +2942,7 @@
           <p:cNvPr id="5" name="Footer Placeholder 4">
             <a:extLst>
               <a:ext uri="{FF2B5EF4-FFF2-40B4-BE49-F238E27FC236}">
-                <a16:creationId xmlns:a16="http://schemas.microsoft.com/office/drawing/2014/main" id="{7ADB9B1E-4716-473A-A3C6-40AB39F0B300}"/>
+                <a16:creationId xmlns:a16="http://schemas.microsoft.com/office/drawing/2014/main" xmlns="" id="{7ADB9B1E-4716-473A-A3C6-40AB39F0B300}"/>
               </a:ext>
             </a:extLst>
           </p:cNvPr>
@@ -2985,7 +2985,7 @@
           <p:cNvPr id="6" name="Slide Number Placeholder 5">
             <a:extLst>
               <a:ext uri="{FF2B5EF4-FFF2-40B4-BE49-F238E27FC236}">
-                <a16:creationId xmlns:a16="http://schemas.microsoft.com/office/drawing/2014/main" id="{0A32D3AF-9B11-4901-8BFE-148EA0912460}"/>
+                <a16:creationId xmlns:a16="http://schemas.microsoft.com/office/drawing/2014/main" xmlns="" id="{0A32D3AF-9B11-4901-8BFE-148EA0912460}"/>
               </a:ext>
             </a:extLst>
           </p:cNvPr>
@@ -3353,7 +3353,7 @@
           <p:cNvPr id="2" name="Title 1">
             <a:extLst>
               <a:ext uri="{FF2B5EF4-FFF2-40B4-BE49-F238E27FC236}">
-                <a16:creationId xmlns:a16="http://schemas.microsoft.com/office/drawing/2014/main" id="{FB4B9DDD-D1D9-4407-9E26-C0E7EE99D832}"/>
+                <a16:creationId xmlns:a16="http://schemas.microsoft.com/office/drawing/2014/main" xmlns="" id="{FB4B9DDD-D1D9-4407-9E26-C0E7EE99D832}"/>
               </a:ext>
             </a:extLst>
           </p:cNvPr>
@@ -3390,7 +3390,7 @@
           <p:cNvPr id="5" name="Content Placeholder 4">
             <a:extLst>
               <a:ext uri="{FF2B5EF4-FFF2-40B4-BE49-F238E27FC236}">
-                <a16:creationId xmlns:a16="http://schemas.microsoft.com/office/drawing/2014/main" id="{9E65C81D-488E-46ED-B70E-C19BE2D54401}"/>
+                <a16:creationId xmlns:a16="http://schemas.microsoft.com/office/drawing/2014/main" xmlns="" id="{9E65C81D-488E-46ED-B70E-C19BE2D54401}"/>
               </a:ext>
             </a:extLst>
           </p:cNvPr>
@@ -3455,7 +3455,7 @@
           <p:cNvPr id="2" name="Title 1">
             <a:extLst>
               <a:ext uri="{FF2B5EF4-FFF2-40B4-BE49-F238E27FC236}">
-                <a16:creationId xmlns:a16="http://schemas.microsoft.com/office/drawing/2014/main" id="{2FFCC724-45B6-4564-B46B-419B55349AA7}"/>
+                <a16:creationId xmlns:a16="http://schemas.microsoft.com/office/drawing/2014/main" xmlns="" id="{2FFCC724-45B6-4564-B46B-419B55349AA7}"/>
               </a:ext>
             </a:extLst>
           </p:cNvPr>
@@ -3492,7 +3492,7 @@
           <p:cNvPr id="3" name="Content Placeholder 2">
             <a:extLst>
               <a:ext uri="{FF2B5EF4-FFF2-40B4-BE49-F238E27FC236}">
-                <a16:creationId xmlns:a16="http://schemas.microsoft.com/office/drawing/2014/main" id="{F6F1A4B6-2980-406A-9341-203FA4375585}"/>
+                <a16:creationId xmlns:a16="http://schemas.microsoft.com/office/drawing/2014/main" xmlns="" id="{F6F1A4B6-2980-406A-9341-203FA4375585}"/>
               </a:ext>
             </a:extLst>
           </p:cNvPr>
@@ -3523,7 +3523,7 @@
           <p:cNvPr id="4" name="Picture 3">
             <a:extLst>
               <a:ext uri="{FF2B5EF4-FFF2-40B4-BE49-F238E27FC236}">
-                <a16:creationId xmlns:a16="http://schemas.microsoft.com/office/drawing/2014/main" id="{D5874439-AD1E-4639-BB60-0716318BEEAB}"/>
+                <a16:creationId xmlns:a16="http://schemas.microsoft.com/office/drawing/2014/main" xmlns="" id="{D5874439-AD1E-4639-BB60-0716318BEEAB}"/>
               </a:ext>
             </a:extLst>
           </p:cNvPr>
@@ -3553,7 +3553,7 @@
           <p:cNvPr id="6" name="Rectangle: Rounded Corners 5">
             <a:extLst>
               <a:ext uri="{FF2B5EF4-FFF2-40B4-BE49-F238E27FC236}">
-                <a16:creationId xmlns:a16="http://schemas.microsoft.com/office/drawing/2014/main" id="{CB24F97A-D73E-4309-AE8A-A00F4C25B223}"/>
+                <a16:creationId xmlns:a16="http://schemas.microsoft.com/office/drawing/2014/main" xmlns="" id="{CB24F97A-D73E-4309-AE8A-A00F4C25B223}"/>
               </a:ext>
             </a:extLst>
           </p:cNvPr>
@@ -3605,7 +3605,7 @@
           <p:cNvPr id="5" name="TextBox 4">
             <a:extLst>
               <a:ext uri="{FF2B5EF4-FFF2-40B4-BE49-F238E27FC236}">
-                <a16:creationId xmlns:a16="http://schemas.microsoft.com/office/drawing/2014/main" id="{5E468FC4-8127-4873-AAAD-711313BFA706}"/>
+                <a16:creationId xmlns:a16="http://schemas.microsoft.com/office/drawing/2014/main" xmlns="" id="{5E468FC4-8127-4873-AAAD-711313BFA706}"/>
               </a:ext>
             </a:extLst>
           </p:cNvPr>
@@ -3645,7 +3645,7 @@
           <p:cNvPr id="7" name="Arrow: Down 6">
             <a:extLst>
               <a:ext uri="{FF2B5EF4-FFF2-40B4-BE49-F238E27FC236}">
-                <a16:creationId xmlns:a16="http://schemas.microsoft.com/office/drawing/2014/main" id="{9E412DDC-1544-45A3-92F1-9882979EDAD5}"/>
+                <a16:creationId xmlns:a16="http://schemas.microsoft.com/office/drawing/2014/main" xmlns="" id="{9E412DDC-1544-45A3-92F1-9882979EDAD5}"/>
               </a:ext>
             </a:extLst>
           </p:cNvPr>
@@ -3724,7 +3724,7 @@
           <p:cNvPr id="2" name="Title 1">
             <a:extLst>
               <a:ext uri="{FF2B5EF4-FFF2-40B4-BE49-F238E27FC236}">
-                <a16:creationId xmlns:a16="http://schemas.microsoft.com/office/drawing/2014/main" id="{B9DCF01F-59E7-4163-9E8B-81008F804125}"/>
+                <a16:creationId xmlns:a16="http://schemas.microsoft.com/office/drawing/2014/main" xmlns="" id="{B9DCF01F-59E7-4163-9E8B-81008F804125}"/>
               </a:ext>
             </a:extLst>
           </p:cNvPr>
@@ -3773,7 +3773,7 @@
           <p:cNvPr id="3" name="Content Placeholder 2">
             <a:extLst>
               <a:ext uri="{FF2B5EF4-FFF2-40B4-BE49-F238E27FC236}">
-                <a16:creationId xmlns:a16="http://schemas.microsoft.com/office/drawing/2014/main" id="{62BEDE32-175B-48DD-BE76-3703281A54AC}"/>
+                <a16:creationId xmlns:a16="http://schemas.microsoft.com/office/drawing/2014/main" xmlns="" id="{62BEDE32-175B-48DD-BE76-3703281A54AC}"/>
               </a:ext>
             </a:extLst>
           </p:cNvPr>
@@ -3809,7 +3809,7 @@
           <p:cNvPr id="4" name="Picture 3">
             <a:extLst>
               <a:ext uri="{FF2B5EF4-FFF2-40B4-BE49-F238E27FC236}">
-                <a16:creationId xmlns:a16="http://schemas.microsoft.com/office/drawing/2014/main" id="{1AA13AC4-D776-41D8-96A2-45689B37A127}"/>
+                <a16:creationId xmlns:a16="http://schemas.microsoft.com/office/drawing/2014/main" xmlns="" id="{1AA13AC4-D776-41D8-96A2-45689B37A127}"/>
               </a:ext>
             </a:extLst>
           </p:cNvPr>
@@ -3839,7 +3839,7 @@
           <p:cNvPr id="6" name="Rectangle: Rounded Corners 5">
             <a:extLst>
               <a:ext uri="{FF2B5EF4-FFF2-40B4-BE49-F238E27FC236}">
-                <a16:creationId xmlns:a16="http://schemas.microsoft.com/office/drawing/2014/main" id="{DB379F25-4A23-4B0B-83CF-75AB5A02872A}"/>
+                <a16:creationId xmlns:a16="http://schemas.microsoft.com/office/drawing/2014/main" xmlns="" id="{DB379F25-4A23-4B0B-83CF-75AB5A02872A}"/>
               </a:ext>
             </a:extLst>
           </p:cNvPr>
@@ -3891,7 +3891,7 @@
           <p:cNvPr id="7" name="Rectangle: Rounded Corners 6">
             <a:extLst>
               <a:ext uri="{FF2B5EF4-FFF2-40B4-BE49-F238E27FC236}">
-                <a16:creationId xmlns:a16="http://schemas.microsoft.com/office/drawing/2014/main" id="{63F754B4-EDDC-4050-BB21-C1DFAF55A2C7}"/>
+                <a16:creationId xmlns:a16="http://schemas.microsoft.com/office/drawing/2014/main" xmlns="" id="{63F754B4-EDDC-4050-BB21-C1DFAF55A2C7}"/>
               </a:ext>
             </a:extLst>
           </p:cNvPr>
@@ -3943,7 +3943,7 @@
           <p:cNvPr id="8" name="Rectangle: Rounded Corners 7">
             <a:extLst>
               <a:ext uri="{FF2B5EF4-FFF2-40B4-BE49-F238E27FC236}">
-                <a16:creationId xmlns:a16="http://schemas.microsoft.com/office/drawing/2014/main" id="{154C4CEE-3B5F-426E-866E-9B8CBED2BA43}"/>
+                <a16:creationId xmlns:a16="http://schemas.microsoft.com/office/drawing/2014/main" xmlns="" id="{154C4CEE-3B5F-426E-866E-9B8CBED2BA43}"/>
               </a:ext>
             </a:extLst>
           </p:cNvPr>
@@ -3995,7 +3995,7 @@
           <p:cNvPr id="10" name="Rectangle: Rounded Corners 9">
             <a:extLst>
               <a:ext uri="{FF2B5EF4-FFF2-40B4-BE49-F238E27FC236}">
-                <a16:creationId xmlns:a16="http://schemas.microsoft.com/office/drawing/2014/main" id="{A708CACB-5627-45C5-8C31-156F787E8666}"/>
+                <a16:creationId xmlns:a16="http://schemas.microsoft.com/office/drawing/2014/main" xmlns="" id="{A708CACB-5627-45C5-8C31-156F787E8666}"/>
               </a:ext>
             </a:extLst>
           </p:cNvPr>
@@ -4077,7 +4077,7 @@
           <p:cNvPr id="2" name="Title 1">
             <a:extLst>
               <a:ext uri="{FF2B5EF4-FFF2-40B4-BE49-F238E27FC236}">
-                <a16:creationId xmlns:a16="http://schemas.microsoft.com/office/drawing/2014/main" id="{BCD56AE7-3D8F-49EC-A85B-F3A1BB6F8202}"/>
+                <a16:creationId xmlns:a16="http://schemas.microsoft.com/office/drawing/2014/main" xmlns="" id="{BCD56AE7-3D8F-49EC-A85B-F3A1BB6F8202}"/>
               </a:ext>
             </a:extLst>
           </p:cNvPr>
@@ -4114,7 +4114,7 @@
           <p:cNvPr id="5" name="Content Placeholder 4">
             <a:extLst>
               <a:ext uri="{FF2B5EF4-FFF2-40B4-BE49-F238E27FC236}">
-                <a16:creationId xmlns:a16="http://schemas.microsoft.com/office/drawing/2014/main" id="{31F6F585-F7C8-4275-8951-53A3C3179472}"/>
+                <a16:creationId xmlns:a16="http://schemas.microsoft.com/office/drawing/2014/main" xmlns="" id="{31F6F585-F7C8-4275-8951-53A3C3179472}"/>
               </a:ext>
             </a:extLst>
           </p:cNvPr>
@@ -4265,7 +4265,7 @@
           <p:cNvPr id="7" name="Picture 6">
             <a:extLst>
               <a:ext uri="{FF2B5EF4-FFF2-40B4-BE49-F238E27FC236}">
-                <a16:creationId xmlns:a16="http://schemas.microsoft.com/office/drawing/2014/main" id="{75DD1299-A12C-4690-BFF0-A8E235D88988}"/>
+                <a16:creationId xmlns:a16="http://schemas.microsoft.com/office/drawing/2014/main" xmlns="" id="{75DD1299-A12C-4690-BFF0-A8E235D88988}"/>
               </a:ext>
             </a:extLst>
           </p:cNvPr>
@@ -4325,7 +4325,7 @@
           <p:cNvPr id="4" name="Picture 3">
             <a:extLst>
               <a:ext uri="{FF2B5EF4-FFF2-40B4-BE49-F238E27FC236}">
-                <a16:creationId xmlns:a16="http://schemas.microsoft.com/office/drawing/2014/main" id="{DC9EE117-94E3-4398-97EE-1BFA39765C82}"/>
+                <a16:creationId xmlns:a16="http://schemas.microsoft.com/office/drawing/2014/main" xmlns="" id="{DC9EE117-94E3-4398-97EE-1BFA39765C82}"/>
               </a:ext>
             </a:extLst>
           </p:cNvPr>
@@ -4342,7 +4342,7 @@
         </p:blipFill>
         <p:spPr>
           <a:xfrm>
-            <a:off x="642937" y="790575"/>
+            <a:off x="642936" y="1437345"/>
             <a:ext cx="11005112" cy="1619250"/>
           </a:xfrm>
           <a:prstGeom prst="rect">
@@ -4355,7 +4355,7 @@
           <p:cNvPr id="5" name="Picture 4">
             <a:extLst>
               <a:ext uri="{FF2B5EF4-FFF2-40B4-BE49-F238E27FC236}">
-                <a16:creationId xmlns:a16="http://schemas.microsoft.com/office/drawing/2014/main" id="{AA9CCC0C-0FE9-4A4C-A0C4-7C763F4377B9}"/>
+                <a16:creationId xmlns:a16="http://schemas.microsoft.com/office/drawing/2014/main" xmlns="" id="{AA9CCC0C-0FE9-4A4C-A0C4-7C763F4377B9}"/>
               </a:ext>
             </a:extLst>
           </p:cNvPr>
@@ -4372,7 +4372,7 @@
         </p:blipFill>
         <p:spPr>
           <a:xfrm>
-            <a:off x="642937" y="2638425"/>
+            <a:off x="642936" y="3184834"/>
             <a:ext cx="11103586" cy="1581150"/>
           </a:xfrm>
           <a:prstGeom prst="rect">
@@ -4385,7 +4385,7 @@
           <p:cNvPr id="8" name="Picture 7">
             <a:extLst>
               <a:ext uri="{FF2B5EF4-FFF2-40B4-BE49-F238E27FC236}">
-                <a16:creationId xmlns:a16="http://schemas.microsoft.com/office/drawing/2014/main" id="{C09FDCB3-4CE9-4C28-8A98-2842CFBF2CC3}"/>
+                <a16:creationId xmlns:a16="http://schemas.microsoft.com/office/drawing/2014/main" xmlns="" id="{C09FDCB3-4CE9-4C28-8A98-2842CFBF2CC3}"/>
               </a:ext>
             </a:extLst>
           </p:cNvPr>
@@ -4402,7 +4402,7 @@
         </p:blipFill>
         <p:spPr>
           <a:xfrm>
-            <a:off x="642936" y="4448175"/>
+            <a:off x="642936" y="4894223"/>
             <a:ext cx="11005113" cy="1590675"/>
           </a:xfrm>
           <a:prstGeom prst="rect">
@@ -4410,6 +4410,71 @@
           </a:prstGeom>
         </p:spPr>
       </p:pic>
+      <p:sp>
+        <p:nvSpPr>
+          <p:cNvPr id="6" name="Title 1">
+            <a:extLst>
+              <a:ext uri="{FF2B5EF4-FFF2-40B4-BE49-F238E27FC236}">
+                <a16:creationId xmlns:a16="http://schemas.microsoft.com/office/drawing/2014/main" xmlns="" id="{BCD56AE7-3D8F-49EC-A85B-F3A1BB6F8202}"/>
+              </a:ext>
+            </a:extLst>
+          </p:cNvPr>
+          <p:cNvSpPr txBox="1">
+            <a:spLocks/>
+          </p:cNvSpPr>
+          <p:nvPr/>
+        </p:nvSpPr>
+        <p:spPr>
+          <a:xfrm>
+            <a:off x="936929" y="-16457"/>
+            <a:ext cx="10515600" cy="1325563"/>
+          </a:xfrm>
+          <a:prstGeom prst="rect">
+            <a:avLst/>
+          </a:prstGeom>
+        </p:spPr>
+        <p:txBody>
+          <a:bodyPr vert="horz" lIns="91440" tIns="45720" rIns="91440" bIns="45720" rtlCol="0" anchor="b">
+            <a:normAutofit/>
+          </a:bodyPr>
+          <a:lstStyle>
+            <a:lvl1pPr algn="ctr" defTabSz="914400" rtl="0" eaLnBrk="1" latinLnBrk="0" hangingPunct="1">
+              <a:lnSpc>
+                <a:spcPct val="90000"/>
+              </a:lnSpc>
+              <a:spcBef>
+                <a:spcPct val="0"/>
+              </a:spcBef>
+              <a:buNone/>
+              <a:defRPr sz="6000" kern="1200">
+                <a:solidFill>
+                  <a:schemeClr val="tx1"/>
+                </a:solidFill>
+                <a:latin typeface="+mj-lt"/>
+                <a:ea typeface="+mj-ea"/>
+                <a:cs typeface="+mj-cs"/>
+              </a:defRPr>
+            </a:lvl1pPr>
+          </a:lstStyle>
+          <a:p>
+            <a:r>
+              <a:rPr lang="en-US" sz="4400" dirty="0" smtClean="0">
+                <a:latin typeface="Open Sans Condensed"/>
+              </a:rPr>
+              <a:t>POSTGRES BEER </a:t>
+            </a:r>
+            <a:r>
+              <a:rPr lang="en-US" sz="4400" b="1" dirty="0" smtClean="0">
+                <a:latin typeface="Open Sans Condensed"/>
+              </a:rPr>
+              <a:t>FEATURE TABLE</a:t>
+            </a:r>
+            <a:endParaRPr lang="en-US" sz="4400" b="1" dirty="0">
+              <a:latin typeface="Open Sans Condensed"/>
+            </a:endParaRPr>
+          </a:p>
+        </p:txBody>
+      </p:sp>
     </p:spTree>
     <p:extLst>
       <p:ext uri="{BB962C8B-B14F-4D97-AF65-F5344CB8AC3E}">
@@ -4445,7 +4510,7 @@
           <p:cNvPr id="2" name="Title 1">
             <a:extLst>
               <a:ext uri="{FF2B5EF4-FFF2-40B4-BE49-F238E27FC236}">
-                <a16:creationId xmlns:a16="http://schemas.microsoft.com/office/drawing/2014/main" id="{5C430C2E-E8C6-4419-B369-B23780C55F52}"/>
+                <a16:creationId xmlns:a16="http://schemas.microsoft.com/office/drawing/2014/main" xmlns="" id="{93E8BA13-7175-4C44-B231-85CFC2D7FA5F}"/>
               </a:ext>
             </a:extLst>
           </p:cNvPr>
@@ -4461,1110 +4526,885 @@
           <a:bodyPr/>
           <a:lstStyle/>
           <a:p>
+            <a:pPr algn="ctr"/>
+            <a:r>
+              <a:rPr lang="en-US" dirty="0">
+                <a:latin typeface="Open Sans Condensed"/>
+              </a:rPr>
+              <a:t>ONE MORE </a:t>
+            </a:r>
+            <a:r>
+              <a:rPr lang="en-US" strike="sngStrike" dirty="0">
+                <a:latin typeface="Open Sans Condensed"/>
+              </a:rPr>
+              <a:t>BEER!</a:t>
+            </a:r>
+            <a:r>
+              <a:rPr lang="en-US" dirty="0">
+                <a:latin typeface="Open Sans Condensed"/>
+              </a:rPr>
+              <a:t> </a:t>
+            </a:r>
+            <a:r>
+              <a:rPr lang="en-US" b="1" dirty="0">
+                <a:latin typeface="Open Sans Condensed"/>
+              </a:rPr>
+              <a:t>SCRAPE</a:t>
+            </a:r>
+            <a:endParaRPr lang="en-US" dirty="0"/>
+          </a:p>
+        </p:txBody>
+      </p:sp>
+      <p:sp>
+        <p:nvSpPr>
+          <p:cNvPr id="3" name="Content Placeholder 2">
+            <a:extLst>
+              <a:ext uri="{FF2B5EF4-FFF2-40B4-BE49-F238E27FC236}">
+                <a16:creationId xmlns:a16="http://schemas.microsoft.com/office/drawing/2014/main" xmlns="" id="{E2F37F05-844C-4D7D-891C-0E38E435603E}"/>
+              </a:ext>
+            </a:extLst>
+          </p:cNvPr>
+          <p:cNvSpPr>
+            <a:spLocks noGrp="1"/>
+          </p:cNvSpPr>
+          <p:nvPr>
+            <p:ph idx="1"/>
+          </p:nvPr>
+        </p:nvSpPr>
+        <p:spPr>
+          <a:xfrm>
+            <a:off x="838200" y="1488526"/>
+            <a:ext cx="10515600" cy="4806403"/>
+          </a:xfrm>
+        </p:spPr>
+        <p:txBody>
+          <a:bodyPr/>
+          <a:lstStyle/>
+          <a:p>
+            <a:pPr marL="0" indent="0">
+              <a:buNone/>
+            </a:pPr>
             <a:r>
               <a:rPr lang="en-US" dirty="0"/>
-              <a:t>JING?</a:t>
-            </a:r>
-          </a:p>
-        </p:txBody>
-      </p:sp>
-      <p:sp>
-        <p:nvSpPr>
-          <p:cNvPr id="3" name="Content Placeholder 2">
-            <a:extLst>
-              <a:ext uri="{FF2B5EF4-FFF2-40B4-BE49-F238E27FC236}">
-                <a16:creationId xmlns:a16="http://schemas.microsoft.com/office/drawing/2014/main" id="{F56DC064-9798-42B9-8178-91640283722F}"/>
-              </a:ext>
-            </a:extLst>
-          </p:cNvPr>
-          <p:cNvSpPr>
-            <a:spLocks noGrp="1"/>
-          </p:cNvSpPr>
-          <p:nvPr>
-            <p:ph idx="1"/>
-          </p:nvPr>
-        </p:nvSpPr>
-        <p:spPr/>
-        <p:txBody>
-          <a:bodyPr>
-            <a:normAutofit fontScale="25000" lnSpcReduction="20000"/>
-          </a:bodyPr>
-          <a:lstStyle/>
+              <a:t>USER RATINGS </a:t>
+            </a:r>
+          </a:p>
           <a:p>
             <a:pPr marL="0" indent="0">
               <a:buNone/>
             </a:pPr>
             <a:r>
-              <a:rPr lang="en-US" dirty="0"/>
-              <a:t>CREATE TABLE </a:t>
-            </a:r>
-            <a:r>
-              <a:rPr lang="en-US" dirty="0" err="1"/>
-              <a:t>beer.beer_feature_all</a:t>
-            </a:r>
-            <a:endParaRPr lang="en-US" dirty="0"/>
-          </a:p>
-          <a:p>
-            <a:pPr marL="0" indent="0">
-              <a:buNone/>
-            </a:pPr>
-            <a:r>
-              <a:rPr lang="en-US" dirty="0"/>
-              <a:t>(</a:t>
-            </a:r>
-          </a:p>
-          <a:p>
-            <a:pPr marL="0" indent="0">
-              <a:buNone/>
-            </a:pPr>
-            <a:r>
-              <a:rPr lang="en-US" dirty="0"/>
-              <a:t>    "ABV" double precision,</a:t>
-            </a:r>
-          </a:p>
-          <a:p>
-            <a:pPr marL="0" indent="0">
-              <a:buNone/>
-            </a:pPr>
-            <a:r>
-              <a:rPr lang="en-US" dirty="0"/>
-              <a:t>    "</a:t>
-            </a:r>
-            <a:r>
-              <a:rPr lang="en-US" dirty="0" err="1"/>
-              <a:t>Availaility</a:t>
-            </a:r>
-            <a:r>
-              <a:rPr lang="en-US" dirty="0"/>
-              <a:t>" text COLLATE </a:t>
-            </a:r>
-            <a:r>
-              <a:rPr lang="en-US" dirty="0" err="1"/>
-              <a:t>pg_catalog."default</a:t>
-            </a:r>
-            <a:r>
-              <a:rPr lang="en-US" dirty="0"/>
-              <a:t>",</a:t>
-            </a:r>
-          </a:p>
-          <a:p>
-            <a:pPr marL="0" indent="0">
-              <a:buNone/>
-            </a:pPr>
-            <a:r>
-              <a:rPr lang="en-US" dirty="0"/>
-              <a:t>    "Brewer" text COLLATE </a:t>
-            </a:r>
-            <a:r>
-              <a:rPr lang="en-US" dirty="0" err="1"/>
-              <a:t>pg_catalog."default</a:t>
-            </a:r>
-            <a:r>
-              <a:rPr lang="en-US" dirty="0"/>
-              <a:t>",</a:t>
-            </a:r>
-          </a:p>
-          <a:p>
-            <a:pPr marL="0" indent="0">
-              <a:buNone/>
-            </a:pPr>
-            <a:r>
-              <a:rPr lang="en-US" dirty="0"/>
-              <a:t>    "</a:t>
-            </a:r>
-            <a:r>
-              <a:rPr lang="en-US" dirty="0" err="1"/>
-              <a:t>BrosScore</a:t>
-            </a:r>
-            <a:r>
-              <a:rPr lang="en-US" dirty="0"/>
-              <a:t>" double precision,</a:t>
-            </a:r>
-          </a:p>
-          <a:p>
-            <a:pPr marL="0" indent="0">
-              <a:buNone/>
-            </a:pPr>
-            <a:r>
-              <a:rPr lang="en-US" dirty="0"/>
-              <a:t>    "</a:t>
-            </a:r>
-            <a:r>
-              <a:rPr lang="en-US" dirty="0" err="1"/>
-              <a:t>ImageLink</a:t>
-            </a:r>
-            <a:r>
-              <a:rPr lang="en-US" dirty="0"/>
-              <a:t>" text COLLATE </a:t>
-            </a:r>
-            <a:r>
-              <a:rPr lang="en-US" dirty="0" err="1"/>
-              <a:t>pg_catalog."default</a:t>
-            </a:r>
-            <a:r>
-              <a:rPr lang="en-US" dirty="0"/>
-              <a:t>",</a:t>
-            </a:r>
-          </a:p>
-          <a:p>
-            <a:pPr marL="0" indent="0">
-              <a:buNone/>
-            </a:pPr>
-            <a:r>
-              <a:rPr lang="en-US" dirty="0"/>
-              <a:t>    "Location" text COLLATE </a:t>
-            </a:r>
-            <a:r>
-              <a:rPr lang="en-US" dirty="0" err="1"/>
-              <a:t>pg_catalog."default</a:t>
-            </a:r>
-            <a:r>
-              <a:rPr lang="en-US" dirty="0"/>
-              <a:t>",</a:t>
-            </a:r>
-          </a:p>
-          <a:p>
-            <a:pPr marL="0" indent="0">
-              <a:buNone/>
-            </a:pPr>
-            <a:r>
-              <a:rPr lang="en-US" dirty="0"/>
-              <a:t>    "Name" text COLLATE </a:t>
-            </a:r>
-            <a:r>
-              <a:rPr lang="en-US" dirty="0" err="1"/>
-              <a:t>pg_catalog."default</a:t>
-            </a:r>
-            <a:r>
-              <a:rPr lang="en-US" dirty="0"/>
-              <a:t>",</a:t>
-            </a:r>
-          </a:p>
-          <a:p>
-            <a:pPr marL="0" indent="0">
-              <a:buNone/>
-            </a:pPr>
-            <a:r>
-              <a:rPr lang="en-US" dirty="0"/>
-              <a:t>    "Ranking" double precision,</a:t>
-            </a:r>
-          </a:p>
-          <a:p>
-            <a:pPr marL="0" indent="0">
-              <a:buNone/>
-            </a:pPr>
-            <a:r>
-              <a:rPr lang="en-US" dirty="0"/>
-              <a:t>    </a:t>
-            </a:r>
-            <a:r>
-              <a:rPr lang="en-US" dirty="0" err="1"/>
-              <a:t>num_ratings</a:t>
-            </a:r>
-            <a:r>
-              <a:rPr lang="en-US" dirty="0"/>
-              <a:t> </a:t>
-            </a:r>
-            <a:r>
-              <a:rPr lang="en-US" dirty="0" err="1"/>
-              <a:t>bigint</a:t>
-            </a:r>
-            <a:r>
-              <a:rPr lang="en-US" dirty="0"/>
-              <a:t>,</a:t>
-            </a:r>
-          </a:p>
-          <a:p>
-            <a:pPr marL="0" indent="0">
-              <a:buNone/>
-            </a:pPr>
-            <a:r>
-              <a:rPr lang="en-US" dirty="0"/>
-              <a:t>    "</a:t>
-            </a:r>
-            <a:r>
-              <a:rPr lang="en-US" dirty="0" err="1"/>
-              <a:t>ReviewCount</a:t>
-            </a:r>
-            <a:r>
-              <a:rPr lang="en-US" dirty="0"/>
-              <a:t>" </a:t>
-            </a:r>
-            <a:r>
-              <a:rPr lang="en-US" dirty="0" err="1"/>
-              <a:t>bigint</a:t>
-            </a:r>
-            <a:r>
-              <a:rPr lang="en-US" dirty="0"/>
-              <a:t>,</a:t>
-            </a:r>
-          </a:p>
-          <a:p>
-            <a:pPr marL="0" indent="0">
-              <a:buNone/>
-            </a:pPr>
-            <a:r>
-              <a:rPr lang="en-US" dirty="0"/>
-              <a:t>    "Score" double precision,</a:t>
-            </a:r>
-          </a:p>
-          <a:p>
-            <a:pPr marL="0" indent="0">
-              <a:buNone/>
-            </a:pPr>
-            <a:r>
-              <a:rPr lang="en-US" dirty="0"/>
-              <a:t>    "</a:t>
-            </a:r>
-            <a:r>
-              <a:rPr lang="en-US" dirty="0" err="1"/>
-              <a:t>ScoreClass</a:t>
-            </a:r>
-            <a:r>
-              <a:rPr lang="en-US" dirty="0"/>
-              <a:t>" text COLLATE </a:t>
-            </a:r>
-            <a:r>
-              <a:rPr lang="en-US" dirty="0" err="1"/>
-              <a:t>pg_catalog."default</a:t>
-            </a:r>
-            <a:r>
-              <a:rPr lang="en-US" dirty="0"/>
-              <a:t>",</a:t>
-            </a:r>
-          </a:p>
-          <a:p>
-            <a:pPr marL="0" indent="0">
-              <a:buNone/>
-            </a:pPr>
-            <a:r>
-              <a:rPr lang="en-US" dirty="0"/>
-              <a:t>    "Style" text COLLATE </a:t>
-            </a:r>
-            <a:r>
-              <a:rPr lang="en-US" dirty="0" err="1"/>
-              <a:t>pg_catalog."default</a:t>
-            </a:r>
-            <a:r>
-              <a:rPr lang="en-US" dirty="0"/>
-              <a:t>",</a:t>
-            </a:r>
-          </a:p>
-          <a:p>
-            <a:pPr marL="0" indent="0">
-              <a:buNone/>
-            </a:pPr>
-            <a:r>
-              <a:rPr lang="en-US" dirty="0"/>
-              <a:t>    "URL" text COLLATE </a:t>
-            </a:r>
-            <a:r>
-              <a:rPr lang="en-US" dirty="0" err="1"/>
-              <a:t>pg_catalog."default</a:t>
-            </a:r>
-            <a:r>
-              <a:rPr lang="en-US" dirty="0"/>
-              <a:t>",</a:t>
-            </a:r>
-          </a:p>
-          <a:p>
-            <a:pPr marL="0" indent="0">
-              <a:buNone/>
-            </a:pPr>
-            <a:r>
-              <a:rPr lang="en-US" dirty="0"/>
-              <a:t>    "</a:t>
-            </a:r>
-            <a:r>
-              <a:rPr lang="en-US" dirty="0" err="1"/>
-              <a:t>pDev</a:t>
-            </a:r>
-            <a:r>
-              <a:rPr lang="en-US" dirty="0"/>
-              <a:t>" double precision,</a:t>
-            </a:r>
-          </a:p>
-          <a:p>
-            <a:pPr marL="0" indent="0">
-              <a:buNone/>
-            </a:pPr>
-            <a:r>
-              <a:rPr lang="en-US" dirty="0"/>
-              <a:t>    "Flavor" </a:t>
-            </a:r>
-            <a:r>
-              <a:rPr lang="en-US" dirty="0" err="1"/>
-              <a:t>bigint</a:t>
-            </a:r>
-            <a:r>
-              <a:rPr lang="en-US" dirty="0"/>
-              <a:t>,</a:t>
-            </a:r>
-          </a:p>
-          <a:p>
-            <a:pPr marL="0" indent="0">
-              <a:buNone/>
-            </a:pPr>
-            <a:r>
-              <a:rPr lang="en-US" dirty="0"/>
-              <a:t>    "</a:t>
-            </a:r>
-            <a:r>
-              <a:rPr lang="en-US" dirty="0" err="1"/>
-              <a:t>Hoppiness</a:t>
-            </a:r>
-            <a:r>
-              <a:rPr lang="en-US" dirty="0"/>
-              <a:t>" </a:t>
-            </a:r>
-            <a:r>
-              <a:rPr lang="en-US" dirty="0" err="1"/>
-              <a:t>bigint</a:t>
-            </a:r>
-            <a:r>
-              <a:rPr lang="en-US" dirty="0"/>
-              <a:t>,</a:t>
-            </a:r>
-          </a:p>
-          <a:p>
-            <a:pPr marL="0" indent="0">
-              <a:buNone/>
-            </a:pPr>
-            <a:r>
-              <a:rPr lang="en-US" dirty="0"/>
-              <a:t>    "</a:t>
-            </a:r>
-            <a:r>
-              <a:rPr lang="en-US" dirty="0" err="1"/>
-              <a:t>Maltiness</a:t>
-            </a:r>
-            <a:r>
-              <a:rPr lang="en-US" dirty="0"/>
-              <a:t>" </a:t>
-            </a:r>
-            <a:r>
-              <a:rPr lang="en-US" dirty="0" err="1"/>
-              <a:t>bigint</a:t>
-            </a:r>
-            <a:r>
-              <a:rPr lang="en-US" dirty="0"/>
-              <a:t>,</a:t>
-            </a:r>
-          </a:p>
-          <a:p>
-            <a:pPr marL="0" indent="0">
-              <a:buNone/>
-            </a:pPr>
-            <a:r>
-              <a:rPr lang="en-US" dirty="0"/>
-              <a:t>    "Fruitiness" </a:t>
-            </a:r>
-            <a:r>
-              <a:rPr lang="en-US" dirty="0" err="1"/>
-              <a:t>bigint</a:t>
-            </a:r>
-            <a:r>
-              <a:rPr lang="en-US" dirty="0"/>
-              <a:t>,</a:t>
-            </a:r>
-          </a:p>
-          <a:p>
-            <a:pPr marL="0" indent="0">
-              <a:buNone/>
-            </a:pPr>
-            <a:r>
-              <a:rPr lang="en-US" dirty="0"/>
-              <a:t>    "Body" </a:t>
-            </a:r>
-            <a:r>
-              <a:rPr lang="en-US" dirty="0" err="1"/>
-              <a:t>bigint</a:t>
-            </a:r>
-            <a:r>
-              <a:rPr lang="en-US" dirty="0"/>
-              <a:t>,</a:t>
-            </a:r>
-          </a:p>
-          <a:p>
-            <a:pPr marL="0" indent="0">
-              <a:buNone/>
-            </a:pPr>
-            <a:r>
-              <a:rPr lang="en-US" dirty="0"/>
-              <a:t>    "Sweetness" </a:t>
-            </a:r>
-            <a:r>
-              <a:rPr lang="en-US" dirty="0" err="1"/>
-              <a:t>bigint</a:t>
-            </a:r>
-            <a:r>
-              <a:rPr lang="en-US" dirty="0"/>
-              <a:t>,</a:t>
-            </a:r>
-          </a:p>
-          <a:p>
-            <a:pPr marL="0" indent="0">
-              <a:buNone/>
-            </a:pPr>
-            <a:r>
-              <a:rPr lang="en-US" dirty="0"/>
-              <a:t>    "Sour" </a:t>
-            </a:r>
-            <a:r>
-              <a:rPr lang="en-US" dirty="0" err="1"/>
-              <a:t>bigint</a:t>
-            </a:r>
-            <a:r>
-              <a:rPr lang="en-US" dirty="0"/>
-              <a:t>,</a:t>
-            </a:r>
-          </a:p>
-          <a:p>
-            <a:pPr marL="0" indent="0">
-              <a:buNone/>
-            </a:pPr>
-            <a:r>
-              <a:rPr lang="en-US" dirty="0"/>
-              <a:t>    spicy </a:t>
-            </a:r>
-            <a:r>
-              <a:rPr lang="en-US" dirty="0" err="1"/>
-              <a:t>bigint</a:t>
-            </a:r>
-            <a:r>
-              <a:rPr lang="en-US" dirty="0"/>
-              <a:t>,</a:t>
-            </a:r>
-          </a:p>
-          <a:p>
-            <a:pPr marL="0" indent="0">
-              <a:buNone/>
-            </a:pPr>
-            <a:r>
-              <a:rPr lang="en-US" dirty="0"/>
-              <a:t>    bitter </a:t>
-            </a:r>
-            <a:r>
-              <a:rPr lang="en-US" dirty="0" err="1"/>
-              <a:t>bigint</a:t>
-            </a:r>
-            <a:r>
-              <a:rPr lang="en-US" dirty="0"/>
-              <a:t>,</a:t>
-            </a:r>
-          </a:p>
-          <a:p>
-            <a:pPr marL="0" indent="0">
-              <a:buNone/>
-            </a:pPr>
-            <a:r>
-              <a:rPr lang="en-US" dirty="0"/>
-              <a:t>    "</a:t>
-            </a:r>
-            <a:r>
-              <a:rPr lang="en-US" dirty="0" err="1"/>
-              <a:t>Aroma_None</a:t>
-            </a:r>
-            <a:r>
-              <a:rPr lang="en-US" dirty="0"/>
-              <a:t>" </a:t>
-            </a:r>
-            <a:r>
-              <a:rPr lang="en-US" dirty="0" err="1"/>
-              <a:t>bigint</a:t>
-            </a:r>
-            <a:r>
-              <a:rPr lang="en-US" dirty="0"/>
-              <a:t>,</a:t>
-            </a:r>
-          </a:p>
-          <a:p>
-            <a:pPr marL="0" indent="0">
-              <a:buNone/>
-            </a:pPr>
-            <a:r>
-              <a:rPr lang="en-US" dirty="0"/>
-              <a:t>    "</a:t>
-            </a:r>
-            <a:r>
-              <a:rPr lang="en-US" dirty="0" err="1"/>
-              <a:t>Aroma_caramel</a:t>
-            </a:r>
-            <a:r>
-              <a:rPr lang="en-US" dirty="0"/>
-              <a:t>" </a:t>
-            </a:r>
-            <a:r>
-              <a:rPr lang="en-US" dirty="0" err="1"/>
-              <a:t>bigint</a:t>
-            </a:r>
-            <a:r>
-              <a:rPr lang="en-US" dirty="0"/>
-              <a:t>,</a:t>
-            </a:r>
-          </a:p>
-          <a:p>
-            <a:pPr marL="0" indent="0">
-              <a:buNone/>
-            </a:pPr>
-            <a:r>
-              <a:rPr lang="en-US" dirty="0"/>
-              <a:t>    "</a:t>
-            </a:r>
-            <a:r>
-              <a:rPr lang="en-US" dirty="0" err="1"/>
-              <a:t>Aroma_floral</a:t>
-            </a:r>
-            <a:r>
-              <a:rPr lang="en-US" dirty="0"/>
-              <a:t>" </a:t>
-            </a:r>
-            <a:r>
-              <a:rPr lang="en-US" dirty="0" err="1"/>
-              <a:t>bigint</a:t>
-            </a:r>
-            <a:r>
-              <a:rPr lang="en-US" dirty="0"/>
-              <a:t>,</a:t>
-            </a:r>
-          </a:p>
-          <a:p>
-            <a:pPr marL="0" indent="0">
-              <a:buNone/>
-            </a:pPr>
-            <a:r>
-              <a:rPr lang="en-US" dirty="0"/>
-              <a:t>    "</a:t>
-            </a:r>
-            <a:r>
-              <a:rPr lang="en-US" dirty="0" err="1"/>
-              <a:t>Aroma_fruit</a:t>
-            </a:r>
-            <a:r>
-              <a:rPr lang="en-US" dirty="0"/>
-              <a:t>" </a:t>
-            </a:r>
-            <a:r>
-              <a:rPr lang="en-US" dirty="0" err="1"/>
-              <a:t>bigint</a:t>
-            </a:r>
-            <a:r>
-              <a:rPr lang="en-US" dirty="0"/>
-              <a:t>,</a:t>
-            </a:r>
-          </a:p>
-          <a:p>
-            <a:pPr marL="0" indent="0">
-              <a:buNone/>
-            </a:pPr>
-            <a:r>
-              <a:rPr lang="en-US" dirty="0"/>
-              <a:t>    "Custom </a:t>
-            </a:r>
-            <a:r>
-              <a:rPr lang="en-US" dirty="0" err="1"/>
-              <a:t>Flavor_None</a:t>
-            </a:r>
-            <a:r>
-              <a:rPr lang="en-US" dirty="0"/>
-              <a:t>" </a:t>
-            </a:r>
-            <a:r>
-              <a:rPr lang="en-US" dirty="0" err="1"/>
-              <a:t>bigint</a:t>
-            </a:r>
-            <a:r>
-              <a:rPr lang="en-US" dirty="0"/>
-              <a:t>,</a:t>
-            </a:r>
-          </a:p>
-          <a:p>
-            <a:pPr marL="0" indent="0">
-              <a:buNone/>
-            </a:pPr>
-            <a:r>
-              <a:rPr lang="en-US" dirty="0"/>
-              <a:t>    "Custom </a:t>
-            </a:r>
-            <a:r>
-              <a:rPr lang="en-US" dirty="0" err="1"/>
-              <a:t>Flavor_banana</a:t>
-            </a:r>
-            <a:r>
-              <a:rPr lang="en-US" dirty="0"/>
-              <a:t>" </a:t>
-            </a:r>
-            <a:r>
-              <a:rPr lang="en-US" dirty="0" err="1"/>
-              <a:t>bigint</a:t>
-            </a:r>
-            <a:r>
-              <a:rPr lang="en-US" dirty="0"/>
-              <a:t>,</a:t>
-            </a:r>
-          </a:p>
-          <a:p>
-            <a:pPr marL="0" indent="0">
-              <a:buNone/>
-            </a:pPr>
-            <a:r>
-              <a:rPr lang="en-US" dirty="0"/>
-              <a:t>    "Custom </a:t>
-            </a:r>
-            <a:r>
-              <a:rPr lang="en-US" dirty="0" err="1"/>
-              <a:t>Flavor_brown</a:t>
-            </a:r>
-            <a:r>
-              <a:rPr lang="en-US" dirty="0"/>
-              <a:t> sugar" </a:t>
-            </a:r>
-            <a:r>
-              <a:rPr lang="en-US" dirty="0" err="1"/>
-              <a:t>bigint</a:t>
-            </a:r>
-            <a:r>
-              <a:rPr lang="en-US" dirty="0"/>
-              <a:t>,</a:t>
-            </a:r>
-          </a:p>
-          <a:p>
-            <a:pPr marL="0" indent="0">
-              <a:buNone/>
-            </a:pPr>
-            <a:r>
-              <a:rPr lang="en-US" dirty="0"/>
-              <a:t>    "Custom </a:t>
-            </a:r>
-            <a:r>
-              <a:rPr lang="en-US" dirty="0" err="1"/>
-              <a:t>Flavor_burnt</a:t>
-            </a:r>
-            <a:r>
-              <a:rPr lang="en-US" dirty="0"/>
-              <a:t>" </a:t>
-            </a:r>
-            <a:r>
-              <a:rPr lang="en-US" dirty="0" err="1"/>
-              <a:t>bigint</a:t>
-            </a:r>
-            <a:r>
-              <a:rPr lang="en-US" dirty="0"/>
-              <a:t>,</a:t>
-            </a:r>
-          </a:p>
-          <a:p>
-            <a:pPr marL="0" indent="0">
-              <a:buNone/>
-            </a:pPr>
-            <a:r>
-              <a:rPr lang="en-US" dirty="0"/>
-              <a:t>    "Custom </a:t>
-            </a:r>
-            <a:r>
-              <a:rPr lang="en-US" dirty="0" err="1"/>
-              <a:t>Flavor_caramel</a:t>
-            </a:r>
-            <a:r>
-              <a:rPr lang="en-US" dirty="0"/>
-              <a:t>" </a:t>
-            </a:r>
-            <a:r>
-              <a:rPr lang="en-US" dirty="0" err="1"/>
-              <a:t>bigint</a:t>
-            </a:r>
-            <a:r>
-              <a:rPr lang="en-US" dirty="0"/>
-              <a:t>,</a:t>
-            </a:r>
-          </a:p>
-          <a:p>
-            <a:pPr marL="0" indent="0">
-              <a:buNone/>
-            </a:pPr>
-            <a:r>
-              <a:rPr lang="en-US" dirty="0"/>
-              <a:t>    "Custom </a:t>
-            </a:r>
-            <a:r>
-              <a:rPr lang="en-US" dirty="0" err="1"/>
-              <a:t>Flavor_chocolate</a:t>
-            </a:r>
-            <a:r>
-              <a:rPr lang="en-US" dirty="0"/>
-              <a:t>" </a:t>
-            </a:r>
-            <a:r>
-              <a:rPr lang="en-US" dirty="0" err="1"/>
-              <a:t>bigint</a:t>
-            </a:r>
-            <a:r>
-              <a:rPr lang="en-US" dirty="0"/>
-              <a:t>,</a:t>
-            </a:r>
-          </a:p>
-          <a:p>
-            <a:pPr marL="0" indent="0">
-              <a:buNone/>
-            </a:pPr>
-            <a:r>
-              <a:rPr lang="en-US" dirty="0"/>
-              <a:t>    "Custom </a:t>
-            </a:r>
-            <a:r>
-              <a:rPr lang="en-US" dirty="0" err="1"/>
-              <a:t>Flavor_earthy</a:t>
-            </a:r>
-            <a:r>
-              <a:rPr lang="en-US" dirty="0"/>
-              <a:t>" </a:t>
-            </a:r>
-            <a:r>
-              <a:rPr lang="en-US" dirty="0" err="1"/>
-              <a:t>bigint</a:t>
-            </a:r>
-            <a:r>
-              <a:rPr lang="en-US" dirty="0"/>
-              <a:t>,</a:t>
-            </a:r>
-          </a:p>
-          <a:p>
-            <a:pPr marL="0" indent="0">
-              <a:buNone/>
-            </a:pPr>
-            <a:r>
-              <a:rPr lang="en-US" dirty="0"/>
-              <a:t>    "Custom </a:t>
-            </a:r>
-            <a:r>
-              <a:rPr lang="en-US" dirty="0" err="1"/>
-              <a:t>Flavor_herbal</a:t>
-            </a:r>
-            <a:r>
-              <a:rPr lang="en-US" dirty="0"/>
-              <a:t>" </a:t>
-            </a:r>
-            <a:r>
-              <a:rPr lang="en-US" dirty="0" err="1"/>
-              <a:t>bigint</a:t>
-            </a:r>
-            <a:r>
-              <a:rPr lang="en-US" dirty="0"/>
-              <a:t>,</a:t>
-            </a:r>
-          </a:p>
-          <a:p>
-            <a:pPr marL="0" indent="0">
-              <a:buNone/>
-            </a:pPr>
-            <a:r>
-              <a:rPr lang="en-US" dirty="0"/>
-              <a:t>    "Custom </a:t>
-            </a:r>
-            <a:r>
-              <a:rPr lang="en-US" dirty="0" err="1"/>
-              <a:t>Flavor_pumpkin</a:t>
-            </a:r>
-            <a:r>
-              <a:rPr lang="en-US" dirty="0"/>
-              <a:t>" </a:t>
-            </a:r>
-            <a:r>
-              <a:rPr lang="en-US" dirty="0" err="1"/>
-              <a:t>bigint</a:t>
-            </a:r>
-            <a:r>
-              <a:rPr lang="en-US" dirty="0"/>
-              <a:t>,</a:t>
-            </a:r>
-          </a:p>
-          <a:p>
-            <a:pPr marL="0" indent="0">
-              <a:buNone/>
-            </a:pPr>
-            <a:r>
-              <a:rPr lang="en-US" dirty="0"/>
-              <a:t>    "Custom </a:t>
-            </a:r>
-            <a:r>
-              <a:rPr lang="en-US" dirty="0" err="1"/>
-              <a:t>Flavor_roasted</a:t>
-            </a:r>
-            <a:r>
-              <a:rPr lang="en-US" dirty="0"/>
-              <a:t>" </a:t>
-            </a:r>
-            <a:r>
-              <a:rPr lang="en-US" dirty="0" err="1"/>
-              <a:t>bigint</a:t>
-            </a:r>
-            <a:r>
-              <a:rPr lang="en-US" dirty="0"/>
-              <a:t>,</a:t>
-            </a:r>
-          </a:p>
-          <a:p>
-            <a:pPr marL="0" indent="0">
-              <a:buNone/>
-            </a:pPr>
-            <a:r>
-              <a:rPr lang="en-US" dirty="0"/>
-              <a:t>    "Custom </a:t>
-            </a:r>
-            <a:r>
-              <a:rPr lang="en-US" dirty="0" err="1"/>
-              <a:t>Flavor_smoke</a:t>
-            </a:r>
-            <a:r>
-              <a:rPr lang="en-US" dirty="0"/>
-              <a:t>" </a:t>
-            </a:r>
-            <a:r>
-              <a:rPr lang="en-US" dirty="0" err="1"/>
-              <a:t>bigint</a:t>
-            </a:r>
-            <a:r>
-              <a:rPr lang="en-US" dirty="0"/>
-              <a:t>,</a:t>
-            </a:r>
-          </a:p>
-          <a:p>
-            <a:pPr marL="0" indent="0">
-              <a:buNone/>
-            </a:pPr>
-            <a:r>
-              <a:rPr lang="en-US" dirty="0"/>
-              <a:t>    "Custom </a:t>
-            </a:r>
-            <a:r>
-              <a:rPr lang="en-US" dirty="0" err="1"/>
-              <a:t>Flavor_toasted</a:t>
-            </a:r>
-            <a:r>
-              <a:rPr lang="en-US" dirty="0"/>
-              <a:t>" </a:t>
-            </a:r>
-            <a:r>
-              <a:rPr lang="en-US" dirty="0" err="1"/>
-              <a:t>bigint</a:t>
-            </a:r>
-            <a:r>
-              <a:rPr lang="en-US" dirty="0"/>
-              <a:t>,</a:t>
-            </a:r>
-          </a:p>
-          <a:p>
-            <a:pPr marL="0" indent="0">
-              <a:buNone/>
-            </a:pPr>
-            <a:r>
-              <a:rPr lang="en-US" dirty="0"/>
-              <a:t>    "Custom </a:t>
-            </a:r>
-            <a:r>
-              <a:rPr lang="en-US" dirty="0" err="1"/>
-              <a:t>Flavor_wheat</a:t>
-            </a:r>
-            <a:r>
-              <a:rPr lang="en-US" dirty="0"/>
-              <a:t>" </a:t>
-            </a:r>
-            <a:r>
-              <a:rPr lang="en-US" dirty="0" err="1"/>
-              <a:t>bigint</a:t>
-            </a:r>
-            <a:r>
-              <a:rPr lang="en-US" dirty="0"/>
-              <a:t>,</a:t>
-            </a:r>
-          </a:p>
-          <a:p>
-            <a:pPr marL="0" indent="0">
-              <a:buNone/>
-            </a:pPr>
-            <a:r>
-              <a:rPr lang="en-US" dirty="0"/>
-              <a:t>    "</a:t>
-            </a:r>
-            <a:r>
-              <a:rPr lang="en-US" dirty="0" err="1"/>
-              <a:t>Color_amber</a:t>
-            </a:r>
-            <a:r>
-              <a:rPr lang="en-US" dirty="0"/>
-              <a:t>" </a:t>
-            </a:r>
-            <a:r>
-              <a:rPr lang="en-US" dirty="0" err="1"/>
-              <a:t>bigint</a:t>
-            </a:r>
-            <a:r>
-              <a:rPr lang="en-US" dirty="0"/>
-              <a:t>,</a:t>
-            </a:r>
-          </a:p>
-          <a:p>
-            <a:pPr marL="0" indent="0">
-              <a:buNone/>
-            </a:pPr>
-            <a:r>
-              <a:rPr lang="en-US" dirty="0"/>
-              <a:t>    "</a:t>
-            </a:r>
-            <a:r>
-              <a:rPr lang="en-US" dirty="0" err="1"/>
-              <a:t>Color_black</a:t>
-            </a:r>
-            <a:r>
-              <a:rPr lang="en-US" dirty="0"/>
-              <a:t>" </a:t>
-            </a:r>
-            <a:r>
-              <a:rPr lang="en-US" dirty="0" err="1"/>
-              <a:t>bigint</a:t>
-            </a:r>
-            <a:r>
-              <a:rPr lang="en-US" dirty="0"/>
-              <a:t>,</a:t>
-            </a:r>
-          </a:p>
-          <a:p>
-            <a:pPr marL="0" indent="0">
-              <a:buNone/>
-            </a:pPr>
-            <a:r>
-              <a:rPr lang="en-US" dirty="0"/>
-              <a:t>    "</a:t>
-            </a:r>
-            <a:r>
-              <a:rPr lang="en-US" dirty="0" err="1"/>
-              <a:t>Color_dark</a:t>
-            </a:r>
-            <a:r>
-              <a:rPr lang="en-US" dirty="0"/>
-              <a:t> " </a:t>
-            </a:r>
-            <a:r>
-              <a:rPr lang="en-US" dirty="0" err="1"/>
-              <a:t>bigint</a:t>
-            </a:r>
-            <a:r>
-              <a:rPr lang="en-US" dirty="0"/>
-              <a:t>,</a:t>
-            </a:r>
-          </a:p>
-          <a:p>
-            <a:pPr marL="0" indent="0">
-              <a:buNone/>
-            </a:pPr>
-            <a:r>
-              <a:rPr lang="en-US" dirty="0"/>
-              <a:t>    "</a:t>
-            </a:r>
-            <a:r>
-              <a:rPr lang="en-US" dirty="0" err="1"/>
-              <a:t>Color_gold</a:t>
-            </a:r>
-            <a:r>
-              <a:rPr lang="en-US" dirty="0"/>
-              <a:t>" </a:t>
-            </a:r>
-            <a:r>
-              <a:rPr lang="en-US" dirty="0" err="1"/>
-              <a:t>bigint</a:t>
-            </a:r>
-            <a:r>
-              <a:rPr lang="en-US" dirty="0"/>
-              <a:t>,</a:t>
-            </a:r>
-          </a:p>
-          <a:p>
-            <a:pPr marL="0" indent="0">
-              <a:buNone/>
-            </a:pPr>
-            <a:r>
-              <a:rPr lang="en-US" dirty="0"/>
-              <a:t>    "</a:t>
-            </a:r>
-            <a:r>
-              <a:rPr lang="en-US" dirty="0" err="1"/>
-              <a:t>Color_pale</a:t>
-            </a:r>
-            <a:r>
-              <a:rPr lang="en-US" dirty="0"/>
-              <a:t>" </a:t>
-            </a:r>
-            <a:r>
-              <a:rPr lang="en-US" dirty="0" err="1"/>
-              <a:t>bigint</a:t>
-            </a:r>
-            <a:endParaRPr lang="en-US" dirty="0"/>
-          </a:p>
-          <a:p>
-            <a:pPr marL="0" indent="0">
-              <a:buNone/>
-            </a:pPr>
-            <a:r>
-              <a:rPr lang="en-US" dirty="0"/>
-              <a:t>)</a:t>
-            </a:r>
-          </a:p>
-          <a:p>
-            <a:pPr marL="0" indent="0">
-              <a:buNone/>
-            </a:pPr>
-            <a:r>
-              <a:rPr lang="en-US" dirty="0"/>
-              <a:t>WITH (</a:t>
-            </a:r>
-          </a:p>
-          <a:p>
-            <a:pPr marL="0" indent="0">
-              <a:buNone/>
-            </a:pPr>
-            <a:r>
-              <a:rPr lang="en-US" dirty="0"/>
-              <a:t>    OIDS = FALSE</a:t>
-            </a:r>
-          </a:p>
-          <a:p>
-            <a:pPr marL="0" indent="0">
-              <a:buNone/>
-            </a:pPr>
-            <a:r>
-              <a:rPr lang="en-US" dirty="0"/>
-              <a:t>)</a:t>
-            </a:r>
-          </a:p>
-          <a:p>
-            <a:pPr marL="0" indent="0">
-              <a:buNone/>
-            </a:pPr>
-            <a:r>
-              <a:rPr lang="en-US" dirty="0"/>
-              <a:t>TABLESPACE </a:t>
-            </a:r>
-            <a:r>
-              <a:rPr lang="en-US" dirty="0" err="1"/>
-              <a:t>pg_default</a:t>
-            </a:r>
-            <a:r>
-              <a:rPr lang="en-US" dirty="0"/>
-              <a:t>;</a:t>
-            </a:r>
-          </a:p>
-          <a:p>
-            <a:pPr marL="0" indent="0">
-              <a:buNone/>
-            </a:pPr>
-            <a:endParaRPr lang="en-US" dirty="0"/>
+              <a:rPr lang="en-US" sz="1800" dirty="0"/>
+              <a:t>https://www.beeradvocate.com/user/beers/?start=</a:t>
+            </a:r>
+            <a:r>
+              <a:rPr lang="en-US" sz="1800" dirty="0">
+                <a:solidFill>
+                  <a:srgbClr val="FF0000"/>
+                </a:solidFill>
+              </a:rPr>
+              <a:t>{ratings_count}</a:t>
+            </a:r>
+            <a:r>
+              <a:rPr lang="en-US" sz="1800" dirty="0"/>
+              <a:t>&amp;ba=</a:t>
+            </a:r>
+            <a:r>
+              <a:rPr lang="en-US" sz="1800" dirty="0">
+                <a:solidFill>
+                  <a:srgbClr val="FF0000"/>
+                </a:solidFill>
+              </a:rPr>
+              <a:t>{username}</a:t>
+            </a:r>
+            <a:r>
+              <a:rPr lang="en-US" sz="1800" dirty="0"/>
+              <a:t>&amp;order=dateD&amp;view=R</a:t>
+            </a:r>
+          </a:p>
+        </p:txBody>
+      </p:sp>
+      <p:pic>
+        <p:nvPicPr>
+          <p:cNvPr id="4" name="Picture 3">
+            <a:extLst>
+              <a:ext uri="{FF2B5EF4-FFF2-40B4-BE49-F238E27FC236}">
+                <a16:creationId xmlns:a16="http://schemas.microsoft.com/office/drawing/2014/main" xmlns="" id="{5D6368E1-368B-4BC9-BF8D-B223FA03067B}"/>
+              </a:ext>
+            </a:extLst>
+          </p:cNvPr>
+          <p:cNvPicPr>
+            <a:picLocks noChangeAspect="1"/>
+          </p:cNvPicPr>
+          <p:nvPr/>
+        </p:nvPicPr>
+        <p:blipFill>
+          <a:blip r:embed="rId2"/>
+          <a:stretch>
+            <a:fillRect/>
+          </a:stretch>
+        </p:blipFill>
+        <p:spPr>
+          <a:xfrm>
+            <a:off x="838200" y="2652142"/>
+            <a:ext cx="10237076" cy="3890331"/>
+          </a:xfrm>
+          <a:prstGeom prst="rect">
+            <a:avLst/>
+          </a:prstGeom>
+          <a:solidFill>
+            <a:srgbClr val="0070C0"/>
+          </a:solidFill>
+        </p:spPr>
+      </p:pic>
+      <p:sp>
+        <p:nvSpPr>
+          <p:cNvPr id="5" name="Rectangle: Rounded Corners 4">
+            <a:extLst>
+              <a:ext uri="{FF2B5EF4-FFF2-40B4-BE49-F238E27FC236}">
+                <a16:creationId xmlns:a16="http://schemas.microsoft.com/office/drawing/2014/main" xmlns="" id="{3ACDC3A3-DAE9-4580-9EF9-E2812A4629BB}"/>
+              </a:ext>
+            </a:extLst>
+          </p:cNvPr>
+          <p:cNvSpPr/>
+          <p:nvPr/>
+        </p:nvSpPr>
+        <p:spPr>
+          <a:xfrm>
+            <a:off x="2963917" y="3704897"/>
+            <a:ext cx="867104" cy="241737"/>
+          </a:xfrm>
+          <a:prstGeom prst="roundRect">
+            <a:avLst/>
+          </a:prstGeom>
+          <a:noFill/>
+          <a:ln w="28575">
+            <a:solidFill>
+              <a:srgbClr val="0070C0"/>
+            </a:solidFill>
+          </a:ln>
+        </p:spPr>
+        <p:style>
+          <a:lnRef idx="2">
+            <a:schemeClr val="accent1">
+              <a:shade val="50000"/>
+            </a:schemeClr>
+          </a:lnRef>
+          <a:fillRef idx="1">
+            <a:schemeClr val="accent1"/>
+          </a:fillRef>
+          <a:effectRef idx="0">
+            <a:schemeClr val="accent1"/>
+          </a:effectRef>
+          <a:fontRef idx="minor">
+            <a:schemeClr val="lt1"/>
+          </a:fontRef>
+        </p:style>
+        <p:txBody>
+          <a:bodyPr rtlCol="0" anchor="ctr"/>
+          <a:lstStyle/>
+          <a:p>
+            <a:pPr algn="ctr"/>
+            <a:endParaRPr lang="en-US"/>
+          </a:p>
+        </p:txBody>
+      </p:sp>
+      <p:sp>
+        <p:nvSpPr>
+          <p:cNvPr id="6" name="Rectangle: Rounded Corners 5">
+            <a:extLst>
+              <a:ext uri="{FF2B5EF4-FFF2-40B4-BE49-F238E27FC236}">
+                <a16:creationId xmlns:a16="http://schemas.microsoft.com/office/drawing/2014/main" xmlns="" id="{A02C625F-D92C-47FB-9507-8EC8BA6E1724}"/>
+              </a:ext>
+            </a:extLst>
+          </p:cNvPr>
+          <p:cNvSpPr/>
+          <p:nvPr/>
+        </p:nvSpPr>
+        <p:spPr>
+          <a:xfrm>
+            <a:off x="4614042" y="3704896"/>
+            <a:ext cx="525517" cy="241737"/>
+          </a:xfrm>
+          <a:prstGeom prst="roundRect">
+            <a:avLst/>
+          </a:prstGeom>
+          <a:noFill/>
+          <a:ln w="28575">
+            <a:solidFill>
+              <a:srgbClr val="FF0000"/>
+            </a:solidFill>
+          </a:ln>
+        </p:spPr>
+        <p:style>
+          <a:lnRef idx="2">
+            <a:schemeClr val="accent1">
+              <a:shade val="50000"/>
+            </a:schemeClr>
+          </a:lnRef>
+          <a:fillRef idx="1">
+            <a:schemeClr val="accent1"/>
+          </a:fillRef>
+          <a:effectRef idx="0">
+            <a:schemeClr val="accent1"/>
+          </a:effectRef>
+          <a:fontRef idx="minor">
+            <a:schemeClr val="lt1"/>
+          </a:fontRef>
+        </p:style>
+        <p:txBody>
+          <a:bodyPr rtlCol="0" anchor="ctr"/>
+          <a:lstStyle/>
+          <a:p>
+            <a:pPr algn="ctr"/>
+            <a:endParaRPr lang="en-US"/>
+          </a:p>
+        </p:txBody>
+      </p:sp>
+      <p:sp>
+        <p:nvSpPr>
+          <p:cNvPr id="7" name="Rectangle: Rounded Corners 6">
+            <a:extLst>
+              <a:ext uri="{FF2B5EF4-FFF2-40B4-BE49-F238E27FC236}">
+                <a16:creationId xmlns:a16="http://schemas.microsoft.com/office/drawing/2014/main" xmlns="" id="{13936BEA-8299-4995-904C-996B8630BED9}"/>
+              </a:ext>
+            </a:extLst>
+          </p:cNvPr>
+          <p:cNvSpPr/>
+          <p:nvPr/>
+        </p:nvSpPr>
+        <p:spPr>
+          <a:xfrm>
+            <a:off x="8723586" y="3704897"/>
+            <a:ext cx="867104" cy="241737"/>
+          </a:xfrm>
+          <a:prstGeom prst="roundRect">
+            <a:avLst/>
+          </a:prstGeom>
+          <a:noFill/>
+          <a:ln w="28575">
+            <a:solidFill>
+              <a:srgbClr val="00B050"/>
+            </a:solidFill>
+          </a:ln>
+        </p:spPr>
+        <p:style>
+          <a:lnRef idx="2">
+            <a:schemeClr val="accent1">
+              <a:shade val="50000"/>
+            </a:schemeClr>
+          </a:lnRef>
+          <a:fillRef idx="1">
+            <a:schemeClr val="accent1"/>
+          </a:fillRef>
+          <a:effectRef idx="0">
+            <a:schemeClr val="accent1"/>
+          </a:effectRef>
+          <a:fontRef idx="minor">
+            <a:schemeClr val="lt1"/>
+          </a:fontRef>
+        </p:style>
+        <p:txBody>
+          <a:bodyPr rtlCol="0" anchor="ctr"/>
+          <a:lstStyle/>
+          <a:p>
+            <a:pPr algn="ctr"/>
+            <a:endParaRPr lang="en-US"/>
+          </a:p>
+        </p:txBody>
+      </p:sp>
+      <p:sp>
+        <p:nvSpPr>
+          <p:cNvPr id="8" name="Arrow: Right 7">
+            <a:extLst>
+              <a:ext uri="{FF2B5EF4-FFF2-40B4-BE49-F238E27FC236}">
+                <a16:creationId xmlns:a16="http://schemas.microsoft.com/office/drawing/2014/main" xmlns="" id="{6498049E-ED5C-4F08-B4A0-E8B662302037}"/>
+              </a:ext>
+            </a:extLst>
+          </p:cNvPr>
+          <p:cNvSpPr/>
+          <p:nvPr/>
+        </p:nvSpPr>
+        <p:spPr>
+          <a:xfrm>
+            <a:off x="2485694" y="4067503"/>
+            <a:ext cx="383627" cy="115614"/>
+          </a:xfrm>
+          <a:prstGeom prst="rightArrow">
+            <a:avLst/>
+          </a:prstGeom>
+          <a:solidFill>
+            <a:srgbClr val="0070C0"/>
+          </a:solidFill>
+        </p:spPr>
+        <p:style>
+          <a:lnRef idx="2">
+            <a:schemeClr val="accent1">
+              <a:shade val="50000"/>
+            </a:schemeClr>
+          </a:lnRef>
+          <a:fillRef idx="1">
+            <a:schemeClr val="accent1"/>
+          </a:fillRef>
+          <a:effectRef idx="0">
+            <a:schemeClr val="accent1"/>
+          </a:effectRef>
+          <a:fontRef idx="minor">
+            <a:schemeClr val="lt1"/>
+          </a:fontRef>
+        </p:style>
+        <p:txBody>
+          <a:bodyPr rtlCol="0" anchor="ctr"/>
+          <a:lstStyle/>
+          <a:p>
+            <a:pPr algn="ctr"/>
+            <a:endParaRPr lang="en-US"/>
+          </a:p>
+        </p:txBody>
+      </p:sp>
+      <p:sp>
+        <p:nvSpPr>
+          <p:cNvPr id="12" name="Arrow: Right 11">
+            <a:extLst>
+              <a:ext uri="{FF2B5EF4-FFF2-40B4-BE49-F238E27FC236}">
+                <a16:creationId xmlns:a16="http://schemas.microsoft.com/office/drawing/2014/main" xmlns="" id="{5439E11C-2488-4745-B140-16932E48FAD8}"/>
+              </a:ext>
+            </a:extLst>
+          </p:cNvPr>
+          <p:cNvSpPr/>
+          <p:nvPr/>
+        </p:nvSpPr>
+        <p:spPr>
+          <a:xfrm>
+            <a:off x="2498835" y="4430110"/>
+            <a:ext cx="383627" cy="115614"/>
+          </a:xfrm>
+          <a:prstGeom prst="rightArrow">
+            <a:avLst/>
+          </a:prstGeom>
+          <a:solidFill>
+            <a:srgbClr val="FF0000"/>
+          </a:solidFill>
+        </p:spPr>
+        <p:style>
+          <a:lnRef idx="2">
+            <a:schemeClr val="accent1">
+              <a:shade val="50000"/>
+            </a:schemeClr>
+          </a:lnRef>
+          <a:fillRef idx="1">
+            <a:schemeClr val="accent1"/>
+          </a:fillRef>
+          <a:effectRef idx="0">
+            <a:schemeClr val="accent1"/>
+          </a:effectRef>
+          <a:fontRef idx="minor">
+            <a:schemeClr val="lt1"/>
+          </a:fontRef>
+        </p:style>
+        <p:txBody>
+          <a:bodyPr rtlCol="0" anchor="ctr"/>
+          <a:lstStyle/>
+          <a:p>
+            <a:pPr algn="ctr"/>
+            <a:endParaRPr lang="en-US"/>
+          </a:p>
+        </p:txBody>
+      </p:sp>
+      <p:sp>
+        <p:nvSpPr>
+          <p:cNvPr id="14" name="Arrow: Right 13">
+            <a:extLst>
+              <a:ext uri="{FF2B5EF4-FFF2-40B4-BE49-F238E27FC236}">
+                <a16:creationId xmlns:a16="http://schemas.microsoft.com/office/drawing/2014/main" xmlns="" id="{EAB9FBC9-3E76-4774-B402-BE5EAAA35264}"/>
+              </a:ext>
+            </a:extLst>
+          </p:cNvPr>
+          <p:cNvSpPr/>
+          <p:nvPr/>
+        </p:nvSpPr>
+        <p:spPr>
+          <a:xfrm>
+            <a:off x="2485694" y="4703379"/>
+            <a:ext cx="383627" cy="115614"/>
+          </a:xfrm>
+          <a:prstGeom prst="rightArrow">
+            <a:avLst/>
+          </a:prstGeom>
+          <a:solidFill>
+            <a:srgbClr val="0070C0"/>
+          </a:solidFill>
+        </p:spPr>
+        <p:style>
+          <a:lnRef idx="2">
+            <a:schemeClr val="accent1">
+              <a:shade val="50000"/>
+            </a:schemeClr>
+          </a:lnRef>
+          <a:fillRef idx="1">
+            <a:schemeClr val="accent1"/>
+          </a:fillRef>
+          <a:effectRef idx="0">
+            <a:schemeClr val="accent1"/>
+          </a:effectRef>
+          <a:fontRef idx="minor">
+            <a:schemeClr val="lt1"/>
+          </a:fontRef>
+        </p:style>
+        <p:txBody>
+          <a:bodyPr rtlCol="0" anchor="ctr"/>
+          <a:lstStyle/>
+          <a:p>
+            <a:pPr algn="ctr"/>
+            <a:endParaRPr lang="en-US"/>
+          </a:p>
+        </p:txBody>
+      </p:sp>
+      <p:sp>
+        <p:nvSpPr>
+          <p:cNvPr id="15" name="Arrow: Right 14">
+            <a:extLst>
+              <a:ext uri="{FF2B5EF4-FFF2-40B4-BE49-F238E27FC236}">
+                <a16:creationId xmlns:a16="http://schemas.microsoft.com/office/drawing/2014/main" xmlns="" id="{FF60F4D5-C2A1-4EC5-862E-40931B043EAB}"/>
+              </a:ext>
+            </a:extLst>
+          </p:cNvPr>
+          <p:cNvSpPr/>
+          <p:nvPr/>
+        </p:nvSpPr>
+        <p:spPr>
+          <a:xfrm>
+            <a:off x="2485694" y="5049726"/>
+            <a:ext cx="383627" cy="115614"/>
+          </a:xfrm>
+          <a:prstGeom prst="rightArrow">
+            <a:avLst/>
+          </a:prstGeom>
+          <a:solidFill>
+            <a:srgbClr val="FF0000"/>
+          </a:solidFill>
+        </p:spPr>
+        <p:style>
+          <a:lnRef idx="2">
+            <a:schemeClr val="accent1">
+              <a:shade val="50000"/>
+            </a:schemeClr>
+          </a:lnRef>
+          <a:fillRef idx="1">
+            <a:schemeClr val="accent1"/>
+          </a:fillRef>
+          <a:effectRef idx="0">
+            <a:schemeClr val="accent1"/>
+          </a:effectRef>
+          <a:fontRef idx="minor">
+            <a:schemeClr val="lt1"/>
+          </a:fontRef>
+        </p:style>
+        <p:txBody>
+          <a:bodyPr rtlCol="0" anchor="ctr"/>
+          <a:lstStyle/>
+          <a:p>
+            <a:pPr algn="ctr"/>
+            <a:endParaRPr lang="en-US"/>
+          </a:p>
+        </p:txBody>
+      </p:sp>
+      <p:sp>
+        <p:nvSpPr>
+          <p:cNvPr id="16" name="Arrow: Right 15">
+            <a:extLst>
+              <a:ext uri="{FF2B5EF4-FFF2-40B4-BE49-F238E27FC236}">
+                <a16:creationId xmlns:a16="http://schemas.microsoft.com/office/drawing/2014/main" xmlns="" id="{6703ABE6-AFD4-4126-9BCF-244B381112EF}"/>
+              </a:ext>
+            </a:extLst>
+          </p:cNvPr>
+          <p:cNvSpPr/>
+          <p:nvPr/>
+        </p:nvSpPr>
+        <p:spPr>
+          <a:xfrm>
+            <a:off x="2485695" y="5333507"/>
+            <a:ext cx="383627" cy="115614"/>
+          </a:xfrm>
+          <a:prstGeom prst="rightArrow">
+            <a:avLst/>
+          </a:prstGeom>
+          <a:solidFill>
+            <a:srgbClr val="0070C0"/>
+          </a:solidFill>
+        </p:spPr>
+        <p:style>
+          <a:lnRef idx="2">
+            <a:schemeClr val="accent1">
+              <a:shade val="50000"/>
+            </a:schemeClr>
+          </a:lnRef>
+          <a:fillRef idx="1">
+            <a:schemeClr val="accent1"/>
+          </a:fillRef>
+          <a:effectRef idx="0">
+            <a:schemeClr val="accent1"/>
+          </a:effectRef>
+          <a:fontRef idx="minor">
+            <a:schemeClr val="lt1"/>
+          </a:fontRef>
+        </p:style>
+        <p:txBody>
+          <a:bodyPr rtlCol="0" anchor="ctr"/>
+          <a:lstStyle/>
+          <a:p>
+            <a:pPr algn="ctr"/>
+            <a:endParaRPr lang="en-US"/>
+          </a:p>
+        </p:txBody>
+      </p:sp>
+      <p:sp>
+        <p:nvSpPr>
+          <p:cNvPr id="17" name="Arrow: Right 16">
+            <a:extLst>
+              <a:ext uri="{FF2B5EF4-FFF2-40B4-BE49-F238E27FC236}">
+                <a16:creationId xmlns:a16="http://schemas.microsoft.com/office/drawing/2014/main" xmlns="" id="{E936D0F6-812B-44C5-ABCC-C5A3B147E737}"/>
+              </a:ext>
+            </a:extLst>
+          </p:cNvPr>
+          <p:cNvSpPr/>
+          <p:nvPr/>
+        </p:nvSpPr>
+        <p:spPr>
+          <a:xfrm>
+            <a:off x="2490951" y="5696114"/>
+            <a:ext cx="383627" cy="115614"/>
+          </a:xfrm>
+          <a:prstGeom prst="rightArrow">
+            <a:avLst/>
+          </a:prstGeom>
+          <a:solidFill>
+            <a:srgbClr val="FF0000"/>
+          </a:solidFill>
+        </p:spPr>
+        <p:style>
+          <a:lnRef idx="2">
+            <a:schemeClr val="accent1">
+              <a:shade val="50000"/>
+            </a:schemeClr>
+          </a:lnRef>
+          <a:fillRef idx="1">
+            <a:schemeClr val="accent1"/>
+          </a:fillRef>
+          <a:effectRef idx="0">
+            <a:schemeClr val="accent1"/>
+          </a:effectRef>
+          <a:fontRef idx="minor">
+            <a:schemeClr val="lt1"/>
+          </a:fontRef>
+        </p:style>
+        <p:txBody>
+          <a:bodyPr rtlCol="0" anchor="ctr"/>
+          <a:lstStyle/>
+          <a:p>
+            <a:pPr algn="ctr"/>
+            <a:endParaRPr lang="en-US"/>
+          </a:p>
+        </p:txBody>
+      </p:sp>
+      <p:sp>
+        <p:nvSpPr>
+          <p:cNvPr id="18" name="Arrow: Right 17">
+            <a:extLst>
+              <a:ext uri="{FF2B5EF4-FFF2-40B4-BE49-F238E27FC236}">
+                <a16:creationId xmlns:a16="http://schemas.microsoft.com/office/drawing/2014/main" xmlns="" id="{EBE7A31A-D2BB-4153-BF7C-6579E97C1E62}"/>
+              </a:ext>
+            </a:extLst>
+          </p:cNvPr>
+          <p:cNvSpPr/>
+          <p:nvPr/>
+        </p:nvSpPr>
+        <p:spPr>
+          <a:xfrm>
+            <a:off x="2485696" y="5995659"/>
+            <a:ext cx="383627" cy="115614"/>
+          </a:xfrm>
+          <a:prstGeom prst="rightArrow">
+            <a:avLst/>
+          </a:prstGeom>
+          <a:solidFill>
+            <a:srgbClr val="0070C0"/>
+          </a:solidFill>
+        </p:spPr>
+        <p:style>
+          <a:lnRef idx="2">
+            <a:schemeClr val="accent1">
+              <a:shade val="50000"/>
+            </a:schemeClr>
+          </a:lnRef>
+          <a:fillRef idx="1">
+            <a:schemeClr val="accent1"/>
+          </a:fillRef>
+          <a:effectRef idx="0">
+            <a:schemeClr val="accent1"/>
+          </a:effectRef>
+          <a:fontRef idx="minor">
+            <a:schemeClr val="lt1"/>
+          </a:fontRef>
+        </p:style>
+        <p:txBody>
+          <a:bodyPr rtlCol="0" anchor="ctr"/>
+          <a:lstStyle/>
+          <a:p>
+            <a:pPr algn="ctr"/>
+            <a:endParaRPr lang="en-US"/>
+          </a:p>
+        </p:txBody>
+      </p:sp>
+      <p:sp>
+        <p:nvSpPr>
+          <p:cNvPr id="19" name="Arrow: Right 18">
+            <a:extLst>
+              <a:ext uri="{FF2B5EF4-FFF2-40B4-BE49-F238E27FC236}">
+                <a16:creationId xmlns:a16="http://schemas.microsoft.com/office/drawing/2014/main" xmlns="" id="{A0D17981-E174-47FE-9F15-1C9E8A1770B0}"/>
+              </a:ext>
+            </a:extLst>
+          </p:cNvPr>
+          <p:cNvSpPr/>
+          <p:nvPr/>
+        </p:nvSpPr>
+        <p:spPr>
+          <a:xfrm>
+            <a:off x="2485697" y="6360894"/>
+            <a:ext cx="383627" cy="115614"/>
+          </a:xfrm>
+          <a:prstGeom prst="rightArrow">
+            <a:avLst/>
+          </a:prstGeom>
+          <a:solidFill>
+            <a:srgbClr val="FF0000"/>
+          </a:solidFill>
+        </p:spPr>
+        <p:style>
+          <a:lnRef idx="2">
+            <a:schemeClr val="accent1">
+              <a:shade val="50000"/>
+            </a:schemeClr>
+          </a:lnRef>
+          <a:fillRef idx="1">
+            <a:schemeClr val="accent1"/>
+          </a:fillRef>
+          <a:effectRef idx="0">
+            <a:schemeClr val="accent1"/>
+          </a:effectRef>
+          <a:fontRef idx="minor">
+            <a:schemeClr val="lt1"/>
+          </a:fontRef>
+        </p:style>
+        <p:txBody>
+          <a:bodyPr rtlCol="0" anchor="ctr"/>
+          <a:lstStyle/>
+          <a:p>
+            <a:pPr algn="ctr"/>
+            <a:endParaRPr lang="en-US"/>
+          </a:p>
+        </p:txBody>
+      </p:sp>
+      <p:sp>
+        <p:nvSpPr>
+          <p:cNvPr id="30" name="Arrow: Right 29">
+            <a:extLst>
+              <a:ext uri="{FF2B5EF4-FFF2-40B4-BE49-F238E27FC236}">
+                <a16:creationId xmlns:a16="http://schemas.microsoft.com/office/drawing/2014/main" xmlns="" id="{6ECCB825-1C5A-4801-BEA6-166D51AED91B}"/>
+              </a:ext>
+            </a:extLst>
+          </p:cNvPr>
+          <p:cNvSpPr/>
+          <p:nvPr/>
+        </p:nvSpPr>
+        <p:spPr>
+          <a:xfrm>
+            <a:off x="8455569" y="4067503"/>
+            <a:ext cx="383627" cy="115614"/>
+          </a:xfrm>
+          <a:prstGeom prst="rightArrow">
+            <a:avLst/>
+          </a:prstGeom>
+          <a:solidFill>
+            <a:srgbClr val="00B050"/>
+          </a:solidFill>
+        </p:spPr>
+        <p:style>
+          <a:lnRef idx="2">
+            <a:schemeClr val="accent1">
+              <a:shade val="50000"/>
+            </a:schemeClr>
+          </a:lnRef>
+          <a:fillRef idx="1">
+            <a:schemeClr val="accent1"/>
+          </a:fillRef>
+          <a:effectRef idx="0">
+            <a:schemeClr val="accent1"/>
+          </a:effectRef>
+          <a:fontRef idx="minor">
+            <a:schemeClr val="lt1"/>
+          </a:fontRef>
+        </p:style>
+        <p:txBody>
+          <a:bodyPr rtlCol="0" anchor="ctr"/>
+          <a:lstStyle/>
+          <a:p>
+            <a:pPr algn="ctr"/>
+            <a:endParaRPr lang="en-US"/>
+          </a:p>
+        </p:txBody>
+      </p:sp>
+      <p:sp>
+        <p:nvSpPr>
+          <p:cNvPr id="31" name="Arrow: Right 30">
+            <a:extLst>
+              <a:ext uri="{FF2B5EF4-FFF2-40B4-BE49-F238E27FC236}">
+                <a16:creationId xmlns:a16="http://schemas.microsoft.com/office/drawing/2014/main" xmlns="" id="{A69291E0-AA74-4595-AF7D-3C8DB5A102DD}"/>
+              </a:ext>
+            </a:extLst>
+          </p:cNvPr>
+          <p:cNvSpPr/>
+          <p:nvPr/>
+        </p:nvSpPr>
+        <p:spPr>
+          <a:xfrm>
+            <a:off x="8455569" y="4703379"/>
+            <a:ext cx="383627" cy="115614"/>
+          </a:xfrm>
+          <a:prstGeom prst="rightArrow">
+            <a:avLst/>
+          </a:prstGeom>
+          <a:solidFill>
+            <a:srgbClr val="00B050"/>
+          </a:solidFill>
+        </p:spPr>
+        <p:style>
+          <a:lnRef idx="2">
+            <a:schemeClr val="accent1">
+              <a:shade val="50000"/>
+            </a:schemeClr>
+          </a:lnRef>
+          <a:fillRef idx="1">
+            <a:schemeClr val="accent1"/>
+          </a:fillRef>
+          <a:effectRef idx="0">
+            <a:schemeClr val="accent1"/>
+          </a:effectRef>
+          <a:fontRef idx="minor">
+            <a:schemeClr val="lt1"/>
+          </a:fontRef>
+        </p:style>
+        <p:txBody>
+          <a:bodyPr rtlCol="0" anchor="ctr"/>
+          <a:lstStyle/>
+          <a:p>
+            <a:pPr algn="ctr"/>
+            <a:endParaRPr lang="en-US"/>
+          </a:p>
+        </p:txBody>
+      </p:sp>
+      <p:sp>
+        <p:nvSpPr>
+          <p:cNvPr id="32" name="Arrow: Right 31">
+            <a:extLst>
+              <a:ext uri="{FF2B5EF4-FFF2-40B4-BE49-F238E27FC236}">
+                <a16:creationId xmlns:a16="http://schemas.microsoft.com/office/drawing/2014/main" xmlns="" id="{56197D27-CEB1-4F4B-9AE7-24E03CD2EC8D}"/>
+              </a:ext>
+            </a:extLst>
+          </p:cNvPr>
+          <p:cNvSpPr/>
+          <p:nvPr/>
+        </p:nvSpPr>
+        <p:spPr>
+          <a:xfrm>
+            <a:off x="8455569" y="5333507"/>
+            <a:ext cx="383627" cy="115614"/>
+          </a:xfrm>
+          <a:prstGeom prst="rightArrow">
+            <a:avLst/>
+          </a:prstGeom>
+          <a:solidFill>
+            <a:srgbClr val="00B050"/>
+          </a:solidFill>
+        </p:spPr>
+        <p:style>
+          <a:lnRef idx="2">
+            <a:schemeClr val="accent1">
+              <a:shade val="50000"/>
+            </a:schemeClr>
+          </a:lnRef>
+          <a:fillRef idx="1">
+            <a:schemeClr val="accent1"/>
+          </a:fillRef>
+          <a:effectRef idx="0">
+            <a:schemeClr val="accent1"/>
+          </a:effectRef>
+          <a:fontRef idx="minor">
+            <a:schemeClr val="lt1"/>
+          </a:fontRef>
+        </p:style>
+        <p:txBody>
+          <a:bodyPr rtlCol="0" anchor="ctr"/>
+          <a:lstStyle/>
+          <a:p>
+            <a:pPr algn="ctr"/>
+            <a:endParaRPr lang="en-US"/>
+          </a:p>
+        </p:txBody>
+      </p:sp>
+      <p:sp>
+        <p:nvSpPr>
+          <p:cNvPr id="33" name="Arrow: Right 32">
+            <a:extLst>
+              <a:ext uri="{FF2B5EF4-FFF2-40B4-BE49-F238E27FC236}">
+                <a16:creationId xmlns:a16="http://schemas.microsoft.com/office/drawing/2014/main" xmlns="" id="{CC1EDB1B-B075-4EBD-A7BA-DBFEE01CA8B0}"/>
+              </a:ext>
+            </a:extLst>
+          </p:cNvPr>
+          <p:cNvSpPr/>
+          <p:nvPr/>
+        </p:nvSpPr>
+        <p:spPr>
+          <a:xfrm>
+            <a:off x="8455569" y="5969383"/>
+            <a:ext cx="383627" cy="115614"/>
+          </a:xfrm>
+          <a:prstGeom prst="rightArrow">
+            <a:avLst/>
+          </a:prstGeom>
+          <a:solidFill>
+            <a:srgbClr val="00B050"/>
+          </a:solidFill>
+        </p:spPr>
+        <p:style>
+          <a:lnRef idx="2">
+            <a:schemeClr val="accent1">
+              <a:shade val="50000"/>
+            </a:schemeClr>
+          </a:lnRef>
+          <a:fillRef idx="1">
+            <a:schemeClr val="accent1"/>
+          </a:fillRef>
+          <a:effectRef idx="0">
+            <a:schemeClr val="accent1"/>
+          </a:effectRef>
+          <a:fontRef idx="minor">
+            <a:schemeClr val="lt1"/>
+          </a:fontRef>
+        </p:style>
+        <p:txBody>
+          <a:bodyPr rtlCol="0" anchor="ctr"/>
+          <a:lstStyle/>
+          <a:p>
+            <a:pPr algn="ctr"/>
+            <a:endParaRPr lang="en-US"/>
           </a:p>
         </p:txBody>
       </p:sp>
     </p:spTree>
     <p:extLst>
       <p:ext uri="{BB962C8B-B14F-4D97-AF65-F5344CB8AC3E}">
-        <p14:creationId xmlns:p14="http://schemas.microsoft.com/office/powerpoint/2010/main" val="2750846095"/>
+        <p14:creationId xmlns:p14="http://schemas.microsoft.com/office/powerpoint/2010/main" val="1334370091"/>
       </p:ext>
     </p:extLst>
   </p:cSld>
@@ -5596,7 +5436,7 @@
           <p:cNvPr id="2" name="Title 1">
             <a:extLst>
               <a:ext uri="{FF2B5EF4-FFF2-40B4-BE49-F238E27FC236}">
-                <a16:creationId xmlns:a16="http://schemas.microsoft.com/office/drawing/2014/main" id="{93E8BA13-7175-4C44-B231-85CFC2D7FA5F}"/>
+                <a16:creationId xmlns:a16="http://schemas.microsoft.com/office/drawing/2014/main" xmlns="" id="{ACAA24D2-4DA4-44AC-A93C-C664BC8C2B07}"/>
               </a:ext>
             </a:extLst>
           </p:cNvPr>
@@ -5614,30 +5454,20 @@
           <a:p>
             <a:pPr algn="ctr"/>
             <a:r>
-              <a:rPr lang="en-US" dirty="0">
+              <a:rPr lang="en-US" dirty="0" smtClean="0">
                 <a:latin typeface="Open Sans Condensed"/>
               </a:rPr>
-              <a:t>ONE MORE </a:t>
-            </a:r>
-            <a:r>
-              <a:rPr lang="en-US" strike="sngStrike" dirty="0">
+              <a:t>INITIAL MODEL </a:t>
+            </a:r>
+            <a:r>
+              <a:rPr lang="en-US" b="1" dirty="0" smtClean="0">
                 <a:latin typeface="Open Sans Condensed"/>
               </a:rPr>
-              <a:t>BEER!</a:t>
-            </a:r>
-            <a:r>
-              <a:rPr lang="en-US" dirty="0">
-                <a:latin typeface="Open Sans Condensed"/>
-              </a:rPr>
-              <a:t> </a:t>
-            </a:r>
-            <a:r>
-              <a:rPr lang="en-US" b="1" dirty="0">
-                <a:latin typeface="Open Sans Condensed"/>
-              </a:rPr>
-              <a:t>SCRAPE</a:t>
-            </a:r>
-            <a:endParaRPr lang="en-US" dirty="0"/>
+              <a:t>TESTING</a:t>
+            </a:r>
+            <a:endParaRPr lang="en-US" b="1" dirty="0">
+              <a:latin typeface="Open Sans Condensed"/>
+            </a:endParaRPr>
           </a:p>
         </p:txBody>
       </p:sp>
@@ -5646,7 +5476,7 @@
           <p:cNvPr id="3" name="Content Placeholder 2">
             <a:extLst>
               <a:ext uri="{FF2B5EF4-FFF2-40B4-BE49-F238E27FC236}">
-                <a16:creationId xmlns:a16="http://schemas.microsoft.com/office/drawing/2014/main" id="{E2F37F05-844C-4D7D-891C-0E38E435603E}"/>
+                <a16:creationId xmlns:a16="http://schemas.microsoft.com/office/drawing/2014/main" xmlns="" id="{D01C9FBD-D3D8-4102-906F-8C5690CD4B76}"/>
               </a:ext>
             </a:extLst>
           </p:cNvPr>
@@ -5657,65 +5487,52 @@
             <p:ph idx="1"/>
           </p:nvPr>
         </p:nvSpPr>
-        <p:spPr>
-          <a:xfrm>
-            <a:off x="838200" y="1488526"/>
-            <a:ext cx="10515600" cy="4806403"/>
-          </a:xfrm>
-        </p:spPr>
+        <p:spPr/>
         <p:txBody>
           <a:bodyPr/>
           <a:lstStyle/>
           <a:p>
-            <a:pPr marL="0" indent="0">
-              <a:buNone/>
+            <a:pPr marL="0" marR="0" lvl="0" indent="0" defTabSz="914400" eaLnBrk="1" fontAlgn="auto" latinLnBrk="0" hangingPunct="1">
+              <a:lnSpc>
+                <a:spcPct val="100000"/>
+              </a:lnSpc>
+              <a:spcBef>
+                <a:spcPts val="0"/>
+              </a:spcBef>
+              <a:spcAft>
+                <a:spcPts val="0"/>
+              </a:spcAft>
+              <a:buClrTx/>
+              <a:buSzTx/>
+              <a:buFontTx/>
+              <a:buNone/>
+              <a:tabLst/>
+              <a:defRPr/>
             </a:pPr>
-            <a:r>
-              <a:rPr lang="en-US" dirty="0"/>
-              <a:t>USER RATINGS </a:t>
-            </a:r>
-          </a:p>
-          <a:p>
-            <a:pPr marL="0" indent="0">
-              <a:buNone/>
+            <a:endParaRPr lang="en-US" dirty="0" smtClean="0"/>
+          </a:p>
+          <a:p>
+            <a:pPr>
+              <a:lnSpc>
+                <a:spcPct val="100000"/>
+              </a:lnSpc>
+              <a:spcBef>
+                <a:spcPts val="0"/>
+              </a:spcBef>
             </a:pPr>
             <a:r>
-              <a:rPr lang="en-US" sz="1800" dirty="0"/>
-              <a:t>https://www.beeradvocate.com/user/beers/?start=</a:t>
-            </a:r>
-            <a:r>
-              <a:rPr lang="en-US" sz="1800" dirty="0">
-                <a:solidFill>
-                  <a:srgbClr val="FF0000"/>
-                </a:solidFill>
-              </a:rPr>
-              <a:t>{ratings_count}</a:t>
-            </a:r>
-            <a:r>
-              <a:rPr lang="en-US" sz="1800" dirty="0"/>
-              <a:t>&amp;ba=</a:t>
-            </a:r>
-            <a:r>
-              <a:rPr lang="en-US" sz="1800" dirty="0">
-                <a:solidFill>
-                  <a:srgbClr val="FF0000"/>
-                </a:solidFill>
-              </a:rPr>
-              <a:t>{username}</a:t>
-            </a:r>
-            <a:r>
-              <a:rPr lang="en-US" sz="1800" dirty="0"/>
-              <a:t>&amp;order=dateD&amp;view=R</a:t>
+              <a:rPr lang="en-US" dirty="0" smtClean="0"/>
+              <a:t>Merged with DB to apply features.</a:t>
             </a:r>
           </a:p>
         </p:txBody>
       </p:sp>
       <p:pic>
         <p:nvPicPr>
-          <p:cNvPr id="4" name="Picture 3">
-            <a:extLst>
-              <a:ext uri="{FF2B5EF4-FFF2-40B4-BE49-F238E27FC236}">
-                <a16:creationId xmlns:a16="http://schemas.microsoft.com/office/drawing/2014/main" id="{5D6368E1-368B-4BC9-BF8D-B223FA03067B}"/>
+          <p:cNvPr id="4" name="Content Placeholder 3">
+            <a:extLst>
+              <a:ext uri="{FF2B5EF4-FFF2-40B4-BE49-F238E27FC236}">
+                <a16:creationId xmlns:a16="http://schemas.microsoft.com/office/drawing/2014/main" xmlns="" id="{EC58DB8C-2117-423A-8567-20DEE6D6BED8}"/>
               </a:ext>
             </a:extLst>
           </p:cNvPr>
@@ -5732,43 +5549,100 @@
         </p:blipFill>
         <p:spPr>
           <a:xfrm>
-            <a:off x="838200" y="2652142"/>
-            <a:ext cx="10237076" cy="3890331"/>
+            <a:off x="7381875" y="2911475"/>
+            <a:ext cx="3971925" cy="3400425"/>
           </a:xfrm>
           <a:prstGeom prst="rect">
             <a:avLst/>
           </a:prstGeom>
-          <a:solidFill>
-            <a:srgbClr val="0070C0"/>
-          </a:solidFill>
         </p:spPr>
       </p:pic>
       <p:sp>
         <p:nvSpPr>
-          <p:cNvPr id="5" name="Rectangle: Rounded Corners 4">
-            <a:extLst>
-              <a:ext uri="{FF2B5EF4-FFF2-40B4-BE49-F238E27FC236}">
-                <a16:creationId xmlns:a16="http://schemas.microsoft.com/office/drawing/2014/main" id="{3ACDC3A3-DAE9-4580-9EF9-E2812A4629BB}"/>
-              </a:ext>
-            </a:extLst>
-          </p:cNvPr>
+          <p:cNvPr id="5" name="Left Brace 4"/>
           <p:cNvSpPr/>
           <p:nvPr/>
         </p:nvSpPr>
         <p:spPr>
           <a:xfrm>
-            <a:off x="2963917" y="3704897"/>
-            <a:ext cx="867104" cy="241737"/>
-          </a:xfrm>
-          <a:prstGeom prst="roundRect">
+            <a:off x="6827520" y="3093720"/>
+            <a:ext cx="426720" cy="1173480"/>
+          </a:xfrm>
+          <a:prstGeom prst="leftBrace">
+            <a:avLst/>
+          </a:prstGeom>
+        </p:spPr>
+        <p:style>
+          <a:lnRef idx="1">
+            <a:schemeClr val="accent1"/>
+          </a:lnRef>
+          <a:fillRef idx="0">
+            <a:schemeClr val="accent1"/>
+          </a:fillRef>
+          <a:effectRef idx="0">
+            <a:schemeClr val="accent1"/>
+          </a:effectRef>
+          <a:fontRef idx="minor">
+            <a:schemeClr val="tx1"/>
+          </a:fontRef>
+        </p:style>
+        <p:txBody>
+          <a:bodyPr rtlCol="0" anchor="ctr"/>
+          <a:lstStyle/>
+          <a:p>
+            <a:pPr algn="ctr"/>
+            <a:endParaRPr lang="en-US"/>
+          </a:p>
+        </p:txBody>
+      </p:sp>
+      <p:cxnSp>
+        <p:nvCxnSpPr>
+          <p:cNvPr id="11" name="Straight Arrow Connector 10"/>
+          <p:cNvCxnSpPr/>
+          <p:nvPr/>
+        </p:nvCxnSpPr>
+        <p:spPr>
+          <a:xfrm>
+            <a:off x="4892040" y="3680460"/>
+            <a:ext cx="1600200" cy="0"/>
+          </a:xfrm>
+          <a:prstGeom prst="straightConnector1">
+            <a:avLst/>
+          </a:prstGeom>
+          <a:ln>
+            <a:tailEnd type="triangle"/>
+          </a:ln>
+        </p:spPr>
+        <p:style>
+          <a:lnRef idx="1">
+            <a:schemeClr val="accent1"/>
+          </a:lnRef>
+          <a:fillRef idx="0">
+            <a:schemeClr val="accent1"/>
+          </a:fillRef>
+          <a:effectRef idx="0">
+            <a:schemeClr val="accent1"/>
+          </a:effectRef>
+          <a:fontRef idx="minor">
+            <a:schemeClr val="tx1"/>
+          </a:fontRef>
+        </p:style>
+      </p:cxnSp>
+      <p:sp>
+        <p:nvSpPr>
+          <p:cNvPr id="12" name="Rectangle 11"/>
+          <p:cNvSpPr/>
+          <p:nvPr/>
+        </p:nvSpPr>
+        <p:spPr>
+          <a:xfrm>
+            <a:off x="2057400" y="3276600"/>
+            <a:ext cx="2438400" cy="762000"/>
+          </a:xfrm>
+          <a:prstGeom prst="rect">
             <a:avLst/>
           </a:prstGeom>
           <a:noFill/>
-          <a:ln w="28575">
-            <a:solidFill>
-              <a:srgbClr val="0070C0"/>
-            </a:solidFill>
-          </a:ln>
         </p:spPr>
         <p:style>
           <a:lnRef idx="2">
@@ -5797,30 +5671,79 @@
       </p:sp>
       <p:sp>
         <p:nvSpPr>
-          <p:cNvPr id="6" name="Rectangle: Rounded Corners 5">
-            <a:extLst>
-              <a:ext uri="{FF2B5EF4-FFF2-40B4-BE49-F238E27FC236}">
-                <a16:creationId xmlns:a16="http://schemas.microsoft.com/office/drawing/2014/main" id="{A02C625F-D92C-47FB-9507-8EC8BA6E1724}"/>
-              </a:ext>
-            </a:extLst>
-          </p:cNvPr>
-          <p:cNvSpPr/>
+          <p:cNvPr id="13" name="TextBox 12"/>
+          <p:cNvSpPr txBox="1"/>
           <p:nvPr/>
         </p:nvSpPr>
         <p:spPr>
           <a:xfrm>
-            <a:off x="4614042" y="3704896"/>
-            <a:ext cx="525517" cy="241737"/>
-          </a:xfrm>
-          <a:prstGeom prst="roundRect">
+            <a:off x="2240280" y="3401874"/>
+            <a:ext cx="2255520" cy="523220"/>
+          </a:xfrm>
+          <a:prstGeom prst="rect">
             <a:avLst/>
           </a:prstGeom>
           <a:noFill/>
-          <a:ln w="28575">
-            <a:solidFill>
-              <a:srgbClr val="FF0000"/>
-            </a:solidFill>
-          </a:ln>
+        </p:spPr>
+        <p:txBody>
+          <a:bodyPr wrap="square" rtlCol="0">
+            <a:spAutoFit/>
+          </a:bodyPr>
+          <a:lstStyle/>
+          <a:p>
+            <a:r>
+              <a:rPr lang="en-US" sz="2800" dirty="0" smtClean="0"/>
+              <a:t>Scores over 4</a:t>
+            </a:r>
+            <a:endParaRPr lang="en-US" sz="2800" dirty="0"/>
+          </a:p>
+        </p:txBody>
+      </p:sp>
+      <p:sp>
+        <p:nvSpPr>
+          <p:cNvPr id="14" name="TextBox 13"/>
+          <p:cNvSpPr txBox="1"/>
+          <p:nvPr/>
+        </p:nvSpPr>
+        <p:spPr>
+          <a:xfrm>
+            <a:off x="3032760" y="4415284"/>
+            <a:ext cx="960120" cy="461665"/>
+          </a:xfrm>
+          <a:prstGeom prst="rect">
+            <a:avLst/>
+          </a:prstGeom>
+          <a:noFill/>
+        </p:spPr>
+        <p:txBody>
+          <a:bodyPr wrap="square" rtlCol="0">
+            <a:spAutoFit/>
+          </a:bodyPr>
+          <a:lstStyle/>
+          <a:p>
+            <a:r>
+              <a:rPr lang="en-US" sz="2400" dirty="0" smtClean="0"/>
+              <a:t>OR</a:t>
+            </a:r>
+            <a:endParaRPr lang="en-US" sz="2400" dirty="0"/>
+          </a:p>
+        </p:txBody>
+      </p:sp>
+      <p:sp>
+        <p:nvSpPr>
+          <p:cNvPr id="15" name="Rectangle 14"/>
+          <p:cNvSpPr/>
+          <p:nvPr/>
+        </p:nvSpPr>
+        <p:spPr>
+          <a:xfrm>
+            <a:off x="1728751" y="5155613"/>
+            <a:ext cx="3278578" cy="759365"/>
+          </a:xfrm>
+          <a:prstGeom prst="rect">
+            <a:avLst/>
+          </a:prstGeom>
+          <a:noFill/>
         </p:spPr>
         <p:style>
           <a:lnRef idx="2">
@@ -5849,648 +5772,38 @@
       </p:sp>
       <p:sp>
         <p:nvSpPr>
-          <p:cNvPr id="7" name="Rectangle: Rounded Corners 6">
-            <a:extLst>
-              <a:ext uri="{FF2B5EF4-FFF2-40B4-BE49-F238E27FC236}">
-                <a16:creationId xmlns:a16="http://schemas.microsoft.com/office/drawing/2014/main" id="{13936BEA-8299-4995-904C-996B8630BED9}"/>
-              </a:ext>
-            </a:extLst>
-          </p:cNvPr>
-          <p:cNvSpPr/>
+          <p:cNvPr id="16" name="TextBox 15"/>
+          <p:cNvSpPr txBox="1"/>
           <p:nvPr/>
         </p:nvSpPr>
         <p:spPr>
           <a:xfrm>
-            <a:off x="8723586" y="3704897"/>
-            <a:ext cx="867104" cy="241737"/>
-          </a:xfrm>
-          <a:prstGeom prst="roundRect">
+            <a:off x="1763728" y="5314343"/>
+            <a:ext cx="3220946" cy="461665"/>
+          </a:xfrm>
+          <a:prstGeom prst="rect">
             <a:avLst/>
           </a:prstGeom>
           <a:noFill/>
-          <a:ln w="28575">
-            <a:solidFill>
-              <a:srgbClr val="00B050"/>
-            </a:solidFill>
-          </a:ln>
-        </p:spPr>
-        <p:style>
-          <a:lnRef idx="2">
-            <a:schemeClr val="accent1">
-              <a:shade val="50000"/>
-            </a:schemeClr>
-          </a:lnRef>
-          <a:fillRef idx="1">
-            <a:schemeClr val="accent1"/>
-          </a:fillRef>
-          <a:effectRef idx="0">
-            <a:schemeClr val="accent1"/>
-          </a:effectRef>
-          <a:fontRef idx="minor">
-            <a:schemeClr val="lt1"/>
-          </a:fontRef>
-        </p:style>
-        <p:txBody>
-          <a:bodyPr rtlCol="0" anchor="ctr"/>
-          <a:lstStyle/>
-          <a:p>
-            <a:pPr algn="ctr"/>
-            <a:endParaRPr lang="en-US"/>
-          </a:p>
-        </p:txBody>
-      </p:sp>
-      <p:sp>
-        <p:nvSpPr>
-          <p:cNvPr id="8" name="Arrow: Right 7">
-            <a:extLst>
-              <a:ext uri="{FF2B5EF4-FFF2-40B4-BE49-F238E27FC236}">
-                <a16:creationId xmlns:a16="http://schemas.microsoft.com/office/drawing/2014/main" id="{6498049E-ED5C-4F08-B4A0-E8B662302037}"/>
-              </a:ext>
-            </a:extLst>
-          </p:cNvPr>
-          <p:cNvSpPr/>
-          <p:nvPr/>
-        </p:nvSpPr>
-        <p:spPr>
-          <a:xfrm>
-            <a:off x="2485694" y="4067503"/>
-            <a:ext cx="383627" cy="115614"/>
-          </a:xfrm>
-          <a:prstGeom prst="rightArrow">
-            <a:avLst/>
-          </a:prstGeom>
-          <a:solidFill>
-            <a:srgbClr val="0070C0"/>
-          </a:solidFill>
-        </p:spPr>
-        <p:style>
-          <a:lnRef idx="2">
-            <a:schemeClr val="accent1">
-              <a:shade val="50000"/>
-            </a:schemeClr>
-          </a:lnRef>
-          <a:fillRef idx="1">
-            <a:schemeClr val="accent1"/>
-          </a:fillRef>
-          <a:effectRef idx="0">
-            <a:schemeClr val="accent1"/>
-          </a:effectRef>
-          <a:fontRef idx="minor">
-            <a:schemeClr val="lt1"/>
-          </a:fontRef>
-        </p:style>
-        <p:txBody>
-          <a:bodyPr rtlCol="0" anchor="ctr"/>
-          <a:lstStyle/>
-          <a:p>
-            <a:pPr algn="ctr"/>
-            <a:endParaRPr lang="en-US"/>
-          </a:p>
-        </p:txBody>
-      </p:sp>
-      <p:sp>
-        <p:nvSpPr>
-          <p:cNvPr id="12" name="Arrow: Right 11">
-            <a:extLst>
-              <a:ext uri="{FF2B5EF4-FFF2-40B4-BE49-F238E27FC236}">
-                <a16:creationId xmlns:a16="http://schemas.microsoft.com/office/drawing/2014/main" id="{5439E11C-2488-4745-B140-16932E48FAD8}"/>
-              </a:ext>
-            </a:extLst>
-          </p:cNvPr>
-          <p:cNvSpPr/>
-          <p:nvPr/>
-        </p:nvSpPr>
-        <p:spPr>
-          <a:xfrm>
-            <a:off x="2498835" y="4430110"/>
-            <a:ext cx="383627" cy="115614"/>
-          </a:xfrm>
-          <a:prstGeom prst="rightArrow">
-            <a:avLst/>
-          </a:prstGeom>
-          <a:solidFill>
-            <a:srgbClr val="FF0000"/>
-          </a:solidFill>
-        </p:spPr>
-        <p:style>
-          <a:lnRef idx="2">
-            <a:schemeClr val="accent1">
-              <a:shade val="50000"/>
-            </a:schemeClr>
-          </a:lnRef>
-          <a:fillRef idx="1">
-            <a:schemeClr val="accent1"/>
-          </a:fillRef>
-          <a:effectRef idx="0">
-            <a:schemeClr val="accent1"/>
-          </a:effectRef>
-          <a:fontRef idx="minor">
-            <a:schemeClr val="lt1"/>
-          </a:fontRef>
-        </p:style>
-        <p:txBody>
-          <a:bodyPr rtlCol="0" anchor="ctr"/>
-          <a:lstStyle/>
-          <a:p>
-            <a:pPr algn="ctr"/>
-            <a:endParaRPr lang="en-US"/>
-          </a:p>
-        </p:txBody>
-      </p:sp>
-      <p:sp>
-        <p:nvSpPr>
-          <p:cNvPr id="14" name="Arrow: Right 13">
-            <a:extLst>
-              <a:ext uri="{FF2B5EF4-FFF2-40B4-BE49-F238E27FC236}">
-                <a16:creationId xmlns:a16="http://schemas.microsoft.com/office/drawing/2014/main" id="{EAB9FBC9-3E76-4774-B402-BE5EAAA35264}"/>
-              </a:ext>
-            </a:extLst>
-          </p:cNvPr>
-          <p:cNvSpPr/>
-          <p:nvPr/>
-        </p:nvSpPr>
-        <p:spPr>
-          <a:xfrm>
-            <a:off x="2485694" y="4703379"/>
-            <a:ext cx="383627" cy="115614"/>
-          </a:xfrm>
-          <a:prstGeom prst="rightArrow">
-            <a:avLst/>
-          </a:prstGeom>
-          <a:solidFill>
-            <a:srgbClr val="0070C0"/>
-          </a:solidFill>
-        </p:spPr>
-        <p:style>
-          <a:lnRef idx="2">
-            <a:schemeClr val="accent1">
-              <a:shade val="50000"/>
-            </a:schemeClr>
-          </a:lnRef>
-          <a:fillRef idx="1">
-            <a:schemeClr val="accent1"/>
-          </a:fillRef>
-          <a:effectRef idx="0">
-            <a:schemeClr val="accent1"/>
-          </a:effectRef>
-          <a:fontRef idx="minor">
-            <a:schemeClr val="lt1"/>
-          </a:fontRef>
-        </p:style>
-        <p:txBody>
-          <a:bodyPr rtlCol="0" anchor="ctr"/>
-          <a:lstStyle/>
-          <a:p>
-            <a:pPr algn="ctr"/>
-            <a:endParaRPr lang="en-US"/>
-          </a:p>
-        </p:txBody>
-      </p:sp>
-      <p:sp>
-        <p:nvSpPr>
-          <p:cNvPr id="15" name="Arrow: Right 14">
-            <a:extLst>
-              <a:ext uri="{FF2B5EF4-FFF2-40B4-BE49-F238E27FC236}">
-                <a16:creationId xmlns:a16="http://schemas.microsoft.com/office/drawing/2014/main" id="{FF60F4D5-C2A1-4EC5-862E-40931B043EAB}"/>
-              </a:ext>
-            </a:extLst>
-          </p:cNvPr>
-          <p:cNvSpPr/>
-          <p:nvPr/>
-        </p:nvSpPr>
-        <p:spPr>
-          <a:xfrm>
-            <a:off x="2485694" y="5049726"/>
-            <a:ext cx="383627" cy="115614"/>
-          </a:xfrm>
-          <a:prstGeom prst="rightArrow">
-            <a:avLst/>
-          </a:prstGeom>
-          <a:solidFill>
-            <a:srgbClr val="FF0000"/>
-          </a:solidFill>
-        </p:spPr>
-        <p:style>
-          <a:lnRef idx="2">
-            <a:schemeClr val="accent1">
-              <a:shade val="50000"/>
-            </a:schemeClr>
-          </a:lnRef>
-          <a:fillRef idx="1">
-            <a:schemeClr val="accent1"/>
-          </a:fillRef>
-          <a:effectRef idx="0">
-            <a:schemeClr val="accent1"/>
-          </a:effectRef>
-          <a:fontRef idx="minor">
-            <a:schemeClr val="lt1"/>
-          </a:fontRef>
-        </p:style>
-        <p:txBody>
-          <a:bodyPr rtlCol="0" anchor="ctr"/>
-          <a:lstStyle/>
-          <a:p>
-            <a:pPr algn="ctr"/>
-            <a:endParaRPr lang="en-US"/>
-          </a:p>
-        </p:txBody>
-      </p:sp>
-      <p:sp>
-        <p:nvSpPr>
-          <p:cNvPr id="16" name="Arrow: Right 15">
-            <a:extLst>
-              <a:ext uri="{FF2B5EF4-FFF2-40B4-BE49-F238E27FC236}">
-                <a16:creationId xmlns:a16="http://schemas.microsoft.com/office/drawing/2014/main" id="{6703ABE6-AFD4-4126-9BCF-244B381112EF}"/>
-              </a:ext>
-            </a:extLst>
-          </p:cNvPr>
-          <p:cNvSpPr/>
-          <p:nvPr/>
-        </p:nvSpPr>
-        <p:spPr>
-          <a:xfrm>
-            <a:off x="2485695" y="5333507"/>
-            <a:ext cx="383627" cy="115614"/>
-          </a:xfrm>
-          <a:prstGeom prst="rightArrow">
-            <a:avLst/>
-          </a:prstGeom>
-          <a:solidFill>
-            <a:srgbClr val="0070C0"/>
-          </a:solidFill>
-        </p:spPr>
-        <p:style>
-          <a:lnRef idx="2">
-            <a:schemeClr val="accent1">
-              <a:shade val="50000"/>
-            </a:schemeClr>
-          </a:lnRef>
-          <a:fillRef idx="1">
-            <a:schemeClr val="accent1"/>
-          </a:fillRef>
-          <a:effectRef idx="0">
-            <a:schemeClr val="accent1"/>
-          </a:effectRef>
-          <a:fontRef idx="minor">
-            <a:schemeClr val="lt1"/>
-          </a:fontRef>
-        </p:style>
-        <p:txBody>
-          <a:bodyPr rtlCol="0" anchor="ctr"/>
-          <a:lstStyle/>
-          <a:p>
-            <a:pPr algn="ctr"/>
-            <a:endParaRPr lang="en-US"/>
-          </a:p>
-        </p:txBody>
-      </p:sp>
-      <p:sp>
-        <p:nvSpPr>
-          <p:cNvPr id="17" name="Arrow: Right 16">
-            <a:extLst>
-              <a:ext uri="{FF2B5EF4-FFF2-40B4-BE49-F238E27FC236}">
-                <a16:creationId xmlns:a16="http://schemas.microsoft.com/office/drawing/2014/main" id="{E936D0F6-812B-44C5-ABCC-C5A3B147E737}"/>
-              </a:ext>
-            </a:extLst>
-          </p:cNvPr>
-          <p:cNvSpPr/>
-          <p:nvPr/>
-        </p:nvSpPr>
-        <p:spPr>
-          <a:xfrm>
-            <a:off x="2490951" y="5696114"/>
-            <a:ext cx="383627" cy="115614"/>
-          </a:xfrm>
-          <a:prstGeom prst="rightArrow">
-            <a:avLst/>
-          </a:prstGeom>
-          <a:solidFill>
-            <a:srgbClr val="FF0000"/>
-          </a:solidFill>
-        </p:spPr>
-        <p:style>
-          <a:lnRef idx="2">
-            <a:schemeClr val="accent1">
-              <a:shade val="50000"/>
-            </a:schemeClr>
-          </a:lnRef>
-          <a:fillRef idx="1">
-            <a:schemeClr val="accent1"/>
-          </a:fillRef>
-          <a:effectRef idx="0">
-            <a:schemeClr val="accent1"/>
-          </a:effectRef>
-          <a:fontRef idx="minor">
-            <a:schemeClr val="lt1"/>
-          </a:fontRef>
-        </p:style>
-        <p:txBody>
-          <a:bodyPr rtlCol="0" anchor="ctr"/>
-          <a:lstStyle/>
-          <a:p>
-            <a:pPr algn="ctr"/>
-            <a:endParaRPr lang="en-US"/>
-          </a:p>
-        </p:txBody>
-      </p:sp>
-      <p:sp>
-        <p:nvSpPr>
-          <p:cNvPr id="18" name="Arrow: Right 17">
-            <a:extLst>
-              <a:ext uri="{FF2B5EF4-FFF2-40B4-BE49-F238E27FC236}">
-                <a16:creationId xmlns:a16="http://schemas.microsoft.com/office/drawing/2014/main" id="{EBE7A31A-D2BB-4153-BF7C-6579E97C1E62}"/>
-              </a:ext>
-            </a:extLst>
-          </p:cNvPr>
-          <p:cNvSpPr/>
-          <p:nvPr/>
-        </p:nvSpPr>
-        <p:spPr>
-          <a:xfrm>
-            <a:off x="2485696" y="5995659"/>
-            <a:ext cx="383627" cy="115614"/>
-          </a:xfrm>
-          <a:prstGeom prst="rightArrow">
-            <a:avLst/>
-          </a:prstGeom>
-          <a:solidFill>
-            <a:srgbClr val="0070C0"/>
-          </a:solidFill>
-        </p:spPr>
-        <p:style>
-          <a:lnRef idx="2">
-            <a:schemeClr val="accent1">
-              <a:shade val="50000"/>
-            </a:schemeClr>
-          </a:lnRef>
-          <a:fillRef idx="1">
-            <a:schemeClr val="accent1"/>
-          </a:fillRef>
-          <a:effectRef idx="0">
-            <a:schemeClr val="accent1"/>
-          </a:effectRef>
-          <a:fontRef idx="minor">
-            <a:schemeClr val="lt1"/>
-          </a:fontRef>
-        </p:style>
-        <p:txBody>
-          <a:bodyPr rtlCol="0" anchor="ctr"/>
-          <a:lstStyle/>
-          <a:p>
-            <a:pPr algn="ctr"/>
-            <a:endParaRPr lang="en-US"/>
-          </a:p>
-        </p:txBody>
-      </p:sp>
-      <p:sp>
-        <p:nvSpPr>
-          <p:cNvPr id="19" name="Arrow: Right 18">
-            <a:extLst>
-              <a:ext uri="{FF2B5EF4-FFF2-40B4-BE49-F238E27FC236}">
-                <a16:creationId xmlns:a16="http://schemas.microsoft.com/office/drawing/2014/main" id="{A0D17981-E174-47FE-9F15-1C9E8A1770B0}"/>
-              </a:ext>
-            </a:extLst>
-          </p:cNvPr>
-          <p:cNvSpPr/>
-          <p:nvPr/>
-        </p:nvSpPr>
-        <p:spPr>
-          <a:xfrm>
-            <a:off x="2485697" y="6360894"/>
-            <a:ext cx="383627" cy="115614"/>
-          </a:xfrm>
-          <a:prstGeom prst="rightArrow">
-            <a:avLst/>
-          </a:prstGeom>
-          <a:solidFill>
-            <a:srgbClr val="FF0000"/>
-          </a:solidFill>
-        </p:spPr>
-        <p:style>
-          <a:lnRef idx="2">
-            <a:schemeClr val="accent1">
-              <a:shade val="50000"/>
-            </a:schemeClr>
-          </a:lnRef>
-          <a:fillRef idx="1">
-            <a:schemeClr val="accent1"/>
-          </a:fillRef>
-          <a:effectRef idx="0">
-            <a:schemeClr val="accent1"/>
-          </a:effectRef>
-          <a:fontRef idx="minor">
-            <a:schemeClr val="lt1"/>
-          </a:fontRef>
-        </p:style>
-        <p:txBody>
-          <a:bodyPr rtlCol="0" anchor="ctr"/>
-          <a:lstStyle/>
-          <a:p>
-            <a:pPr algn="ctr"/>
-            <a:endParaRPr lang="en-US"/>
-          </a:p>
-        </p:txBody>
-      </p:sp>
-      <p:sp>
-        <p:nvSpPr>
-          <p:cNvPr id="30" name="Arrow: Right 29">
-            <a:extLst>
-              <a:ext uri="{FF2B5EF4-FFF2-40B4-BE49-F238E27FC236}">
-                <a16:creationId xmlns:a16="http://schemas.microsoft.com/office/drawing/2014/main" id="{6ECCB825-1C5A-4801-BEA6-166D51AED91B}"/>
-              </a:ext>
-            </a:extLst>
-          </p:cNvPr>
-          <p:cNvSpPr/>
-          <p:nvPr/>
-        </p:nvSpPr>
-        <p:spPr>
-          <a:xfrm>
-            <a:off x="8455569" y="4067503"/>
-            <a:ext cx="383627" cy="115614"/>
-          </a:xfrm>
-          <a:prstGeom prst="rightArrow">
-            <a:avLst/>
-          </a:prstGeom>
-          <a:solidFill>
-            <a:srgbClr val="00B050"/>
-          </a:solidFill>
-        </p:spPr>
-        <p:style>
-          <a:lnRef idx="2">
-            <a:schemeClr val="accent1">
-              <a:shade val="50000"/>
-            </a:schemeClr>
-          </a:lnRef>
-          <a:fillRef idx="1">
-            <a:schemeClr val="accent1"/>
-          </a:fillRef>
-          <a:effectRef idx="0">
-            <a:schemeClr val="accent1"/>
-          </a:effectRef>
-          <a:fontRef idx="minor">
-            <a:schemeClr val="lt1"/>
-          </a:fontRef>
-        </p:style>
-        <p:txBody>
-          <a:bodyPr rtlCol="0" anchor="ctr"/>
-          <a:lstStyle/>
-          <a:p>
-            <a:pPr algn="ctr"/>
-            <a:endParaRPr lang="en-US"/>
-          </a:p>
-        </p:txBody>
-      </p:sp>
-      <p:sp>
-        <p:nvSpPr>
-          <p:cNvPr id="31" name="Arrow: Right 30">
-            <a:extLst>
-              <a:ext uri="{FF2B5EF4-FFF2-40B4-BE49-F238E27FC236}">
-                <a16:creationId xmlns:a16="http://schemas.microsoft.com/office/drawing/2014/main" id="{A69291E0-AA74-4595-AF7D-3C8DB5A102DD}"/>
-              </a:ext>
-            </a:extLst>
-          </p:cNvPr>
-          <p:cNvSpPr/>
-          <p:nvPr/>
-        </p:nvSpPr>
-        <p:spPr>
-          <a:xfrm>
-            <a:off x="8455569" y="4703379"/>
-            <a:ext cx="383627" cy="115614"/>
-          </a:xfrm>
-          <a:prstGeom prst="rightArrow">
-            <a:avLst/>
-          </a:prstGeom>
-          <a:solidFill>
-            <a:srgbClr val="00B050"/>
-          </a:solidFill>
-        </p:spPr>
-        <p:style>
-          <a:lnRef idx="2">
-            <a:schemeClr val="accent1">
-              <a:shade val="50000"/>
-            </a:schemeClr>
-          </a:lnRef>
-          <a:fillRef idx="1">
-            <a:schemeClr val="accent1"/>
-          </a:fillRef>
-          <a:effectRef idx="0">
-            <a:schemeClr val="accent1"/>
-          </a:effectRef>
-          <a:fontRef idx="minor">
-            <a:schemeClr val="lt1"/>
-          </a:fontRef>
-        </p:style>
-        <p:txBody>
-          <a:bodyPr rtlCol="0" anchor="ctr"/>
-          <a:lstStyle/>
-          <a:p>
-            <a:pPr algn="ctr"/>
-            <a:endParaRPr lang="en-US"/>
-          </a:p>
-        </p:txBody>
-      </p:sp>
-      <p:sp>
-        <p:nvSpPr>
-          <p:cNvPr id="32" name="Arrow: Right 31">
-            <a:extLst>
-              <a:ext uri="{FF2B5EF4-FFF2-40B4-BE49-F238E27FC236}">
-                <a16:creationId xmlns:a16="http://schemas.microsoft.com/office/drawing/2014/main" id="{56197D27-CEB1-4F4B-9AE7-24E03CD2EC8D}"/>
-              </a:ext>
-            </a:extLst>
-          </p:cNvPr>
-          <p:cNvSpPr/>
-          <p:nvPr/>
-        </p:nvSpPr>
-        <p:spPr>
-          <a:xfrm>
-            <a:off x="8455569" y="5333507"/>
-            <a:ext cx="383627" cy="115614"/>
-          </a:xfrm>
-          <a:prstGeom prst="rightArrow">
-            <a:avLst/>
-          </a:prstGeom>
-          <a:solidFill>
-            <a:srgbClr val="00B050"/>
-          </a:solidFill>
-        </p:spPr>
-        <p:style>
-          <a:lnRef idx="2">
-            <a:schemeClr val="accent1">
-              <a:shade val="50000"/>
-            </a:schemeClr>
-          </a:lnRef>
-          <a:fillRef idx="1">
-            <a:schemeClr val="accent1"/>
-          </a:fillRef>
-          <a:effectRef idx="0">
-            <a:schemeClr val="accent1"/>
-          </a:effectRef>
-          <a:fontRef idx="minor">
-            <a:schemeClr val="lt1"/>
-          </a:fontRef>
-        </p:style>
-        <p:txBody>
-          <a:bodyPr rtlCol="0" anchor="ctr"/>
-          <a:lstStyle/>
-          <a:p>
-            <a:pPr algn="ctr"/>
-            <a:endParaRPr lang="en-US"/>
-          </a:p>
-        </p:txBody>
-      </p:sp>
-      <p:sp>
-        <p:nvSpPr>
-          <p:cNvPr id="33" name="Arrow: Right 32">
-            <a:extLst>
-              <a:ext uri="{FF2B5EF4-FFF2-40B4-BE49-F238E27FC236}">
-                <a16:creationId xmlns:a16="http://schemas.microsoft.com/office/drawing/2014/main" id="{CC1EDB1B-B075-4EBD-A7BA-DBFEE01CA8B0}"/>
-              </a:ext>
-            </a:extLst>
-          </p:cNvPr>
-          <p:cNvSpPr/>
-          <p:nvPr/>
-        </p:nvSpPr>
-        <p:spPr>
-          <a:xfrm>
-            <a:off x="8455569" y="5969383"/>
-            <a:ext cx="383627" cy="115614"/>
-          </a:xfrm>
-          <a:prstGeom prst="rightArrow">
-            <a:avLst/>
-          </a:prstGeom>
-          <a:solidFill>
-            <a:srgbClr val="00B050"/>
-          </a:solidFill>
-        </p:spPr>
-        <p:style>
-          <a:lnRef idx="2">
-            <a:schemeClr val="accent1">
-              <a:shade val="50000"/>
-            </a:schemeClr>
-          </a:lnRef>
-          <a:fillRef idx="1">
-            <a:schemeClr val="accent1"/>
-          </a:fillRef>
-          <a:effectRef idx="0">
-            <a:schemeClr val="accent1"/>
-          </a:effectRef>
-          <a:fontRef idx="minor">
-            <a:schemeClr val="lt1"/>
-          </a:fontRef>
-        </p:style>
-        <p:txBody>
-          <a:bodyPr rtlCol="0" anchor="ctr"/>
-          <a:lstStyle/>
-          <a:p>
-            <a:pPr algn="ctr"/>
-            <a:endParaRPr lang="en-US"/>
+        </p:spPr>
+        <p:txBody>
+          <a:bodyPr wrap="none" rtlCol="0">
+            <a:spAutoFit/>
+          </a:bodyPr>
+          <a:lstStyle/>
+          <a:p>
+            <a:r>
+              <a:rPr lang="en-US" sz="2400" dirty="0" smtClean="0"/>
+              <a:t>Top 5% of User’s Ratings</a:t>
+            </a:r>
+            <a:endParaRPr lang="en-US" sz="2400" dirty="0"/>
           </a:p>
         </p:txBody>
       </p:sp>
     </p:spTree>
     <p:extLst>
       <p:ext uri="{BB962C8B-B14F-4D97-AF65-F5344CB8AC3E}">
-        <p14:creationId xmlns:p14="http://schemas.microsoft.com/office/powerpoint/2010/main" val="1334370091"/>
+        <p14:creationId xmlns:p14="http://schemas.microsoft.com/office/powerpoint/2010/main" val="3967491246"/>
       </p:ext>
     </p:extLst>
   </p:cSld>
@@ -6522,7 +5835,7 @@
           <p:cNvPr id="2" name="Title 1">
             <a:extLst>
               <a:ext uri="{FF2B5EF4-FFF2-40B4-BE49-F238E27FC236}">
-                <a16:creationId xmlns:a16="http://schemas.microsoft.com/office/drawing/2014/main" id="{ACAA24D2-4DA4-44AC-A93C-C664BC8C2B07}"/>
+                <a16:creationId xmlns:a16="http://schemas.microsoft.com/office/drawing/2014/main" xmlns="" id="{11EE0D42-1CD0-4E7B-9001-DB1AB532AA05}"/>
               </a:ext>
             </a:extLst>
           </p:cNvPr>
@@ -6543,13 +5856,13 @@
               <a:rPr lang="en-US" b="1" dirty="0">
                 <a:latin typeface="Open Sans Condensed"/>
               </a:rPr>
-              <a:t>YES NO </a:t>
+              <a:t>MACHINE LEARNING </a:t>
             </a:r>
             <a:r>
               <a:rPr lang="en-US" dirty="0">
                 <a:latin typeface="Open Sans Condensed"/>
               </a:rPr>
-              <a:t>MAYBE SO - RONESSA</a:t>
+              <a:t>MODELS</a:t>
             </a:r>
           </a:p>
         </p:txBody>
@@ -6559,7 +5872,7 @@
           <p:cNvPr id="3" name="Content Placeholder 2">
             <a:extLst>
               <a:ext uri="{FF2B5EF4-FFF2-40B4-BE49-F238E27FC236}">
-                <a16:creationId xmlns:a16="http://schemas.microsoft.com/office/drawing/2014/main" id="{D01C9FBD-D3D8-4102-906F-8C5690CD4B76}"/>
+                <a16:creationId xmlns:a16="http://schemas.microsoft.com/office/drawing/2014/main" xmlns="" id="{49E18598-0A6C-4E1A-9FCD-1D79B888471E}"/>
               </a:ext>
             </a:extLst>
           </p:cNvPr>
@@ -6578,9 +5891,31 @@
             <a:pPr marL="0" indent="0">
               <a:buNone/>
             </a:pPr>
+            <a:endParaRPr lang="en-US" dirty="0" smtClean="0"/>
+          </a:p>
+          <a:p>
+            <a:pPr marL="0" indent="0">
+              <a:buNone/>
+            </a:pPr>
+            <a:endParaRPr lang="en-US" dirty="0" smtClean="0"/>
+          </a:p>
+          <a:p>
+            <a:pPr marL="0" indent="0">
+              <a:buNone/>
+            </a:pPr>
+            <a:r>
+              <a:rPr lang="en-US" dirty="0" smtClean="0"/>
+              <a:t>KNN</a:t>
+            </a:r>
+            <a:endParaRPr lang="en-US" dirty="0"/>
+          </a:p>
+          <a:p>
+            <a:pPr marL="0" indent="0">
+              <a:buNone/>
+            </a:pPr>
             <a:r>
               <a:rPr lang="en-US" dirty="0"/>
-              <a:t>Top 5% of User Rated beers?</a:t>
+              <a:t>LOGISTIC REGRESSION</a:t>
             </a:r>
           </a:p>
           <a:p>
@@ -6589,7 +5924,7 @@
             </a:pPr>
             <a:r>
               <a:rPr lang="en-US" dirty="0"/>
-              <a:t>Rating over 4? </a:t>
+              <a:t>DECISION TREES</a:t>
             </a:r>
           </a:p>
           <a:p>
@@ -6598,17 +5933,62 @@
             </a:pPr>
             <a:r>
               <a:rPr lang="en-US" dirty="0"/>
-              <a:t>	</a:t>
-            </a:r>
+              <a:t>RANDOM FOREST</a:t>
+            </a:r>
+          </a:p>
+        </p:txBody>
+      </p:sp>
+      <p:sp>
+        <p:nvSpPr>
+          <p:cNvPr id="4" name="AutoShape 2" descr="data:image/png;base64,iVBORw0KGgoAAAANSUhEUgAAAYwAAAEKCAYAAAAB0GKPAAAABHNCSVQICAgIfAhkiAAAAAlwSFlz%0AAAALEgAACxIB0t1+/AAAIABJREFUeJzt3Xl8VeW1//HPNxOEMQwBIQGJqCiiQgyoOLZqHRHFtg61%0AXtHWH71qtYN16P3dtre3vfZq76+2Wi3XOvTqrXVARWtF61hnAgSQSRFQCFMAmYeQZP3+2DtyCBl2%0AwjnZJ8l6v17nxdnzyjGelf08z16PzAznnHOuKRlxB+Ccc65t8IThnHMuEk8YzjnnIvGE4ZxzLhJP%0AGM455yLxhOGccy4STxjOOeci8YThnHMuEk8YzjnnIsmKO4Bk6tu3rw0ZMiTuMJxzrs2YMWPGOjPL%0Aj7JvyhKGpAeA84C1Zjainu0C7gLOAbYDV5rZzHDbWeG2TOB+M7s9yjWHDBlCaWlpkn4C55xr/yR9%0AGnXfVDZJPQSc1cj2s4FDwtc1wL0AkjKBe8Ltw4FLJQ1PYZzOOeciSFnCMLM3gQ2N7DIe+JMF3gPy%0AJA0AxgCLzWyJmVUCj4X7Oueci1Gcnd4FwPKE5RXhuobW10vSNZJKJZVWVFSkJFDnnHPtYJSUmU02%0AsxIzK8nPj9Rv45xzrgXiHCVVDgxKWC4M12U3sN4551yM4kwYU4HrJD0GHAtsMrNVkiqAQyQVESSK%0AS4DLUhXEM7PKuWPaIlZu3MHAvFxuOnMYF4xqsAXMOec6rFQOq/0zcCrQV9IK4CcEdw+Y2X3ACwRD%0AahcTDKudGG6rknQdMI1gWO0DZjYvFTE+M6ucW6fMZcfuagDKN+7g1ilzATxpOOdcHSlLGGZ2aRPb%0ADbi2gW0vECSUlLpj2qIvkkWtHburuWPaIk8YzjlXR5vv9N4fKzfuaNZ655zryDp0whiYl9us9c45%0A15F16IRx05nDyM3O3GtdbnYmN505LKaInHMufbWr4oPNVdtPcce0RZRv3EF2pviPCUd6/4VzztWj%0AQ99hQJA03r7ly/zLuYezu9oYUdAj7pCccy4tdfiEUWv8yAIyM8SUmf6MoHPO1ccTRii/eydOOTSf%0Ap2eVU11jcYfjnHNpxxNGggnFBazatJP3lqyPOxTnnEs7njASnH54f7p3zuKpmSviDsU559KOJ4wE%0AnbMzOe+oAbz44Wq27aqKOxznnEsrnjDqmFBcyPbKaqbNWx13KM45l1Y8YdRRcmAvBvfu4qOlnHOu%0ADk8YdUhiQnEBb3+yzmtKOedcAk8Y9ZgwqhAzeKbM7zKcc66WJ4x6DO7ThdFDejFlZjlBFXbnnHMp%0ATRiSzpK0SNJiSbfUs72XpKclzZH0gaQRCdu+J2mepA8l/VlS51TGWteE4kIWr93K3PJNrXlZ55xL%0AWylLGJIygXuAs4HhwKWShtfZ7TagzMyOAq4A7gqPLQC+C5SY2QiCmfcuSVWs9Tn3qAHkZGV457dz%0AzoVSeYcxBlhsZkvMrBJ4DBhfZ5/hwKsAZrYQGCKpf7gtC8iVlAV0AVamMNZ99OiczVeG9+fZsnIq%0Aq2pa89LOOZeWUpkwCoDlCcsrwnWJZgMTACSNAQ4ECs2sHLgT+AxYBWwys5dSGGu9Liou5PPtu3l9%0A0drWvrRzzqWduDu9bwfyJJUB1wOzgGpJvQjuRoqAgUBXSZfXdwJJ10gqlVRaUVGR1OBOOqQvfbvl%0AeLOUc86R2oRRDgxKWC4M133BzDab2UQzG0nQh5EPLAFOB5aaWYWZ7QamAGPru4iZTTazEjMryc/P%0AT+oPkJWZwfiRBbyycA0bt1cm9dzOOdfWpDJhTAcOkVQkKYeg03pq4g6S8sJtAN8C3jSzzQRNUcdJ%0A6iJJwGnAghTG2qAJxQXsrjaem7Mqjss751zaSFnCMLMq4DpgGsGX/eNmNk/SJEmTwt0OBz6UtIhg%0ANNUN4bHvA08CM4G5YZyTUxVrY44Y2JPDDujOFK9g65zr4FI6p7eZvQC8UGfdfQnv3wUObeDYnwA/%0ASWV8UV1UXMgvXljAJxVbGZrfLe5wnHMuFnF3ercJ40cOJEPwtHd+O+c6ME8YEfTr0ZmTDgmmb63x%0A6Vudcx2UJ4yIJhQXUL5xB+8v3RB3KM45FwtPGBGdecQBdO+U5Z3fzrkOyxNGRJ2zMznnyAG8MHcV%0A2yt9+lbnXMfjCaMZJhQXsK2ympfmrYk7FOeca3WeMJph9JDeFPbK5SlvlnLOdUCeMJohI0NMGFXA%0A24vXsXrTzrjDcc65VuUJo5kuLC6kxuBZn77VOdfBeMJopqK+XTnmwF48NXOFT9/qnOtQPGG0wITi%0AAj5as5V5KzfHHYpzzrUaTxgtcN6RA8nJzPDOb+dch+IJowV6dsnm9OH9mFq2kt3VPn2rc65j8ITR%0AQhNGFbJ+WyVvfpTcWf6ccy5decJooVOG5dOnq0/f6pzrODxhtFB2ZgbnjxzIy/PXsGn77rjDcc65%0AlEtpwpB0lqRFkhZLuqWe7b0kPS1pjqQPJI1I2JYn6UlJCyUtkHR8KmNtiYuKC6msruH5uSvjDsU5%0A51IuZQlDUiZwD8HUq8OBSyUNr7PbbUCZmR0FXAHclbDtLuBFMzsMOJqY5vRuzBEDe3Bo/27eLOWc%0A6xBSeYcxBlhsZkvMrBJ4DBhfZ5/hwKsAZrYQGCKpv6SewMnAH8NtlWa2MYWxtogkJhQXMuPTz1m2%0Ablvc4TjnXEo1mTAk5Uq6VdJ94fLBks6OcO4CYHnC8opwXaLZwITwvGOAA4FCoAioAB6UNEvS/ZK6%0ARrhmq7twVAEZgimz/C7DOde+RbnDeAAQcGK4vBL4ZZKufzuQJ6kMuB6YBVQDWUAxcK+ZjQK2Afv0%0AgQBIukZSqaTSiorWH+Lav0dnTji4L1NmrvDpW51z7VqUhHGImf0S2A1gZtsJEkhTyoFBCcuF4bov%0AmNlmM5toZiMJ+jDygSUEdyMrzOz9cNcnCRLIPsxsspmVmFlJfn5+hLCS76LiQlZ8voPpy3z6Vudc%0A+xUlYVRK6gwYgKQioDLCcdOBQyQVScoBLgGmJu4QjoTKCRe/BbwZJpHVwHJJw8JtpwHzI1wzFl85%0Aoj9dczK989s5165FSRj/BrwIFEp6GHgNuLWpg8ysCrgOmEYwwulxM5snaZKkSeFuhwMfSlpEMJrq%0AhoRTXA88KmkOMJLkNYMlXZecLM4+cgB/nbuKnbur4w7HOedSQo2V6JYk4ACgChhL0BT1jpmtbZ3w%0AmqekpMRKS0tjufY7n6zjsv9+n99eOorzjx4YSwzOOddckmaYWUmUfRu9w7Agm7xsZhVm9qyZPZOu%0AySJuxxX1oSAvl6dmeAVb51z7FKVJqkzSqJRH0sZlZIgLRxXwj48rWLvZp291zrU/URLGKGB6WOJj%0AZvhcxMxUB9YWXVhcEE7f6qVCnHPtT1aEfc5PeRTtxND8bowclMdTM1fw7ZMPijsc55xLqibvMMzs%0AE6AzcEb46hyuc/W4qLiAhau3MN+nb3XOtTNRSoNcBzwBDA5fj0v651QH1laNO3og2Zliik/f6pxr%0AZ6L0YVwDjDGz28zsNuBYYFITx3RYeV1yOO2w/jxTtpIqn77VOdeOREkYYu8nu3cTrTRIhzWhuIB1%0AW3fxj4/XxR2Kc84lTZRO7/8B3pf0VLh8IfBw6kJq+04d1o9eXbJ5auYKvnRYv7jDcc65pIjS6f2f%0AwP8BtoevSWZ2Z6oDa8tysjI4/+iBvDR/DZt2+PStzrn2IUqn92hgvpn9l5n9F7BQUqTHyDuyCcWF%0AVFbV8Le5q+IOxTnnkiJKH8ZkgjuLWtuAP6QmnPbjqMKeHNyvG0/5aCnnXDsRJWFkmNkXw33C99mp%0AC6l9CKZvLWD6ss/5dL1P3+qca/uiJIylkr4jKVNShqRrgWUpjqtduGBkARI87dO3OufagSgJ4/8Q%0ATGC0BlgLnAJ8O5VBtRcD83IZO7QPU2aW01gZeeecawuijJJaY2ZfNbO+4evrZramNYJrDyaMKuSz%0ADduZ8enncYfinHP7pcGEIekqSQeH7yVpsqT1YcXakVFOLumssMrtYkm31LO9l6SnJc2R9IGkEXW2%0AZ4bVcZ9v7g+WLs4acQBdcjK989s51+Y1dofxfeDT8P3FwGhgOHAb8NumTiwpE7iHYOrV4cClkobX%0A2e02oMzMjgKuAO6qs/0Gguld26yunbI4a8QBPD/Hp291zrVtjSWMKjOrfepsHPBw2Dz1ItAtwrnH%0AAIvNbImZVQKPAePr7DMceBXAzBYCQyT1B5BUCJwL3B/5p0lTFxUXsmVnFX9f4C15zrm2q7GEYZL6%0AS+pE0On994RtuRHOXQAsT1heEa5LNBuYACBpDHAgUBhu+w3wI6DNV/A77qA+DOjZmSkzfbSUc67t%0Aaixh/BSYCSwB/mZmHwJIOglYmqTr3w7kSSoDrgdmAdWSzgPWmtmMpk4g6RpJpZJKKyoqkhRWcmVm%0AiAtGFfDGRxVUbNkVdzjOOdciDSYMM3sWKAJGmtnEhE1lwCURzl0ODEpYLgzXJV5js5lNNLORBH0Y%0A+QQJ6gTgfEnLCJqyvizpkQbinGxmJWZWkp+fHyGseFxUXEB1jTF1tk/f6pxrmxodVmtmlWZWUWfd%0AFjOLMp3cdOAQSUWScgiSzNTEHSTlhdsAvgW8GSaRW82s0MyGhMe9amaXR/yZ0tLB/bpzdGFPnprh%0Ao6Wcc21TlAf3WsTMqoDrgGkEI50eN7N5kiZJqp2A6XDgQ0mLCEZT3ZCqeNLBhOJC5q/azIJVPn2r%0Ac67tiTIfRouZ2QvAC3XW3Zfw/l3g0CbO8TrwegrCa3Xjjh7Iz5+fz9Ozyjl8QI+4w3HOuWaJUt78%0AL5LOlOSz7O2n3l1z+NJh/Xh6VrlP3+qca3OiNEk9CFwFfCTp32uf/nYtc1FxARVbdvH2J+vjDsU5%0A55olSi2pF83sYoIH8VYDr0l6U9I3JaW0Sas9+tJh/cjrku2d3865NidSp7ekXsBlwDeBOQQTKI0F%0AXkxdaO1Tp6xMxh01kGnzVrNlp0/f6pxrO6L0YTwBvAv0Bi4ys3PN7FEz+w7QJ9UBtkcTigvYVVXD%0A3+aujjsU55yLLOoUrYeb2c/NbK92FDMblZqw2reRg/I4qG9Xr2DrnGtToiSMoUDP2oWwJPk1qQup%0A/audvvX9pRtYvmF70wc451waiJIwJpnZxtoFM/sc+E7qQuoYLhgV1GH06Vudc21FlISRmbggKQPI%0ATk04HUdhry4cf1Afpsxc4dO3OufahCgJ42VJf5Z0iqRTgEfZu9S5a6EJxQUsW7+dmZ9tbHpn55yL%0AWZSEcRPwDvC98PUW8MNUBtVRnH3kADpnZzDFO7+dc21AlAf3qs3sd2Z2Qfi6Jyws6PZTt05ZnHXE%0AATw3eyW7qnz6VudceovyHMZQSY9JmiPpo9pXawTXEUwoLmTzzipeXbA27lCcc65RUZqkHiKoJyWC%0AEuSPA39JYUwdygkH96V/j07+TIZzLu1FSRhdzGwagJl9Ymb/QpA4XBLUTt/6+qIK1m316Vudc+kr%0ASvHAXeFQ2k/CiY/Kge6pDatjmTCqkD+8sYTTfv06m3dUMTAvl5vOHPbFsxrOOZcOotxhfA/oCnyX%0AYK7tbxGUO2+SpLMkLZK0WNIt9WzvJenpsH/kA0kjwvWDJL0mab6keZLa9Ux8C1ZtRoJNO6owoHzj%0ADm6dMpdn/KE+51waaTRhSMoELgzn8f7MzL5pZuPN7O2mThweew9B89Vw4FJJw+vsdhtQZmZHAVcA%0Ad4Xrq4AfmNlw4Djg2nqObTfumLaIus/u7dhdzR3TFsUTkHPO1aPRhGFm1cCXWnjuMcBiM1tiZpXA%0AY8D4OvsMB14Nr7UQGCKpv5mtMrOZ4fotBHOCt9v2mZUbdzRrvXPOxSFKk9QMSVMkXSrp/NpXhOMK%0AgOUJyyvY90t/NjABQNIY4ECgMHEHSUOAUcD79V1E0jWSSiWVVlRURAgr/QzMy613vQR3TFvI6k07%0AWzki55zbV5SE0R3YBpwDfC18fTVJ178dyJNUBlwPzAK+eIJNUjfgKeBGM9tc3wnMbLKZlZhZSX5+%0AfpLCal03nTmM3Oy9SnaRk5XBiIE9uPf1TzjxV69yw2OzmL3cS4g45+LT5CgpM/tmC89dDgxKWC4M%0A1yWeezMwEUCSgKXAknA5myBZPGpmU1oYQ5tQOxrqjmmLWLlxx16jpJZv2M5D7yzjL9OX82zZSo45%0AsBdXn1jEV4b3Jysz0oSJzjmXFGqqUqqkyfWtN7NG58QI5/v+CDiNIFFMBy4zs3kJ++QB282sUtK3%0AgZPM7IoweTwMbDCzG6P+MCUlJVZaWhp19zZly87dPDljBQ++vYzPNmynIC+Xfxp7IBePHkzPXC8e%0A7JxrGUkzzKwk0r4REsbFCYudgQuB5WZ2fYRAzgF+Q1Ai/QEz+0X4LAdmdp+k4wkSgwHzgKvN7HNJ%0AJwL/AOYCNeHpbjOzFxq7XntOGLWqa4xXFqzhgbeX8t6SDXTJyeRrxxRy5QlFFPXtGnd4zrk2JqkJ%0Ao56TZwBvmdnYlgSXSh0hYSSat3ITD7y1jOdmr2R3TQ1fHtaPq04sYuzQPgQ3ac4517hUJ4yhwEtm%0ANrQlwaVSR0sYtdZu2cmj733GI+99yvptlRx2QHeuOqGI80cOpHOdznTnnEuU7CapzwmajCAYVbUB%0AuMXMHt+vKFOgoyaMWjt3V/Pc7JX88a2lLFy9hT5dc/jGsYO5/LgD6dejc9zhOefSULITRuKfqDWW%0AxvOJdvSEUcvMeHfJeh54axmvLFxDVoYYd9RArjqxiBEFPeMOzzmXRpqTMKIUHzwXeMPMNoUnzwNO%0ANLPn9yNGl0KSGDu0L2OH9mXZum089M4yHi9dzpRZ5Ywp6s1VJxRxxvD+ZGZ4P4dzLroodxhlZjay%0AzrpZZjYqpZG1gN9hNGzTjt08UbqcB99eRvnGHRT2yuXKsUP4+uhB9Ojsw3Kd66iS3SQ128yOrrNu%0ArpkduR8xpoQnjKZVVdfw9wVr+ONbS5m+7HO6dcriayWFXDl2CLM+21jvw4POufYr2QnjIWAtQeVZ%0AgOuA/mZ2xf4EmQqeMJpnzoqNPPh2MCy3qsbIENQk/DrkZmfyHxOO9KThXDuW7ITRDfgpcDrBaKmX%0AgX8zs637GWfSecJomTWbd3L6r99gy66qfbZ175TFD88cRt9unejTLYe+3TrRt1sOPXOz/VkP59qB%0ApHZ6h4nhh/sdlUtb/Xt0Zms9yQJgy64qfjJ13j7rszL0RQLp060Tfbvm0Ld7J/p0zamTXDrRu2sO%0AOVnR6149M6vcm8acS0NNJgxJLwKXmNnGcLkX8IiZnZvq4FzrGZiXS3k9828MzOvMs9eeyPptu1i/%0AtZJ1W3exLvx3ffh+/dZdfLJ2KxVbd1FZVVPP2aFnbvZedyh9u3WiT9dO+6x7b8k6fvbcfHbsDs5T%0AO/sg4EnDuZhFGVbbvzZZAIS1ngamMCYXg5vOHMatU+ayY/cX1eXJzc7kR2ceRn73TuR379TkOcyM%0AbZXVrNuyi/XbdlGxpZL123axrvbfMMEsWr2Ft7euZ9OO3ZFiq5190BOGc/GKkjBqJBWa2QoASYNT%0AHJOLQWMl1qOSRLdOWXTrlMWQCIUQK6tq2LCt9q4luIP5wROz6923fOMOnp61gjOGH0C3TlF+bZ1z%0AyRal0/tc4PcEU6kKOBX4jpn9LeXRNZN3erd9J9z+ar1NY5kS1WZ0zs7gtMP7M/7ogZwyLJ9OWV4r%0Ay7n9kexO77+G06ceH676kZmt3Z8AnWtIQ01jv7xgBIP6dOHZspX8de4q/jpnFT06Z3HOkQM4f+RA%0Aji3q40+uO5dikarVSuoJDCWYDwMAM3snhXG1iN9htA9NjZLaXV3D24vXMbVsJdPmrWZbZTX9undi%0A3NEDGT9yIEcW9PQhv85FlOznMK4CfgAUEExoNBp4z8xO3c84k84TRsezo7KaVxauYWrZSl5fVEFl%0AdQ1Ffbt+kTyG5neLO0Tn0lqyE8ZcYAzwrpmNlHQEwYN7F0UI5CzgLoIZ9+43s9vrbO8FPEBw97IT%0AuMrMPoxybH08YXRsm7bv5sV5q3i2bCXvLlmPGYwo6MH4ows47+gBDOiZG3eIzqWdZCeM6WY2WlIZ%0AMCacf/tDMxvRxHGZBHN6nwGsIJjT+1Izm5+wzx3AVjP7maTDgHvM7LQox9bHE4artWbzTp6fs4qp%0AZeXMXrEJCcYM6c34kQWcc+QB5HXJiTvEyNLlQcZ0icMlV7LLm68KS5o/B0yTtIHgS7wpY4DFZrYk%0ADOoxYDyQ+KU/HLgdwMwWShoiqT9wUIRjnWtQ/x6dufrEIq4+sYil67YxtWwlz84u57an5/KTqR9y%0AyqH5jDt6IGcM70+XnPQdpvvMrPK9BgHE9SBjusTh4tWsKVolnQb0BP5qZrua2PerwFlm9q1w+ZvA%0AsWZ2XcI+vwRyzex74Uisd4BjgaKmjk04xzXANQCDBw8+5tNPP43887iOxcyYt3IzU2evZGrZSlZv%0A3kludiZfOaI/40cO5KRD8snOjF7CJBmqqmvYsL3yi6fo6z5N/9zsleyq5+n5DEHvrq13l7RhW+Ve%0AhSlrdc3J5NsnH7T3E/zh+26dsnzwQRuQ7DuML5jZKy0LqUG3A3eFzV1zgVlAdeOH7BPTZGAyBE1S%0ASY7PtSOSGFHQkxEFPbnlrMOYvmwDz85eyQtzg36PvC7ZnHPkAMYfPZDRQ3ozdfbKFjXBbK+sYv3W%0ASirCBLB+6646JVXCf7dV8vn2Sur7my07U/Tt1qneZAFBVeEzjzhgfz+SyB59/7N612+rrOY3f/+4%0A3m05WRn11BhLTCx7/u3dJYesiMk6HZrG0iGGOOJI5b14OTAoYbkwXPcFM9sMTARQ8KfIUmAJkNvU%0Asc7tj4wMcexBfTj2oD78dNwR/OPjCqbOXsnTM8v53/c/o2duFtt2VVMV/lldvnEHNz81h4/WbuHw%0AA3p88cW/VwmUcN32yvr/5uneKeuLL8+h+d0YU7SnjlafsFBj7Zdoj87BX+cNPchYkJfLLy5svSlp%0AXl9U0WAcr990asIT+0GCrHunVLF1FwtWbWH9tl3srt43Q0rQq0tO8Fl07ZSQZPZONDM/+5w7pi1i%0AZ4y1xtKleS6OOJrVJNWsE0tZBB3XpxF82U8HLjOzeQn75AHbw470bwMnmdkVUY6tj3d6u/21vbKK%0Al+ev4eYn57Czgb/ua2VmiN5dc+jTNYf88Asu8Ys/PyEB9O6aQ+fs5j+VXvdLAeKZpyRZcZgZm3dU%0AsS6hmOX6rbuoSLgTCxJxJeu27Kq35H59BHRtpZIx23ZVUd+3ZmvG0FgcBXm5vH3LlyOfJ2VNUs1h%0AZlWSrgOmEQyNfcDM5kmaFG6/DzgceFiSAfOAqxs7NlWxOlerS04W40cWcONjZfVuFzDteyfTt1sn%0A8nKzyUjx0+XJqPGVTnFIomeXbHp2yWZoftP779xdzfpte5LJVQ/V/wehARePHlTvtmT741tLY4+h%0AsThW1nMnmCxRypt/Dvsksk1AKXCTmS1r6FgzewF4oc66+xLevwscGvVY51pLw+Xeczm0f/dWjeWC%0AUQVpMRIpjjg6Z2dSkJdLQV7wDE1BA/9dCvJy+b/nDW+VmF78cHXsMTQWx8C81D1vFKWX6R7g/xI8%0AXDcU+BfgCeAZ4MGUReZcjG46cxi5dZqQcrMzuenMYTFF5AD+cNBbnJK9YK91p2Qv4A8HvdWhYogr%0AjigJY5yZ3WNmn4ev3wNfMbNHgd4pi8y5GF0wqoD/mHAkBXm5iOCvR5/fPH4jRp/K5Ny7Gdd9MQLG%0AdV/M5Ny7GTH61A4VQ1xxRHnS+z3gP81sSrg8AbjZzI6VNMvMRqUsumbyTm/n2jEzWL8Ypt8PpQ9C%0A7yLYsAQGHQvd+rVuLFvXwvL3ofdB8cWQGEe/w2HTCvjaQ1B0crNOkexO78uB30m6n6Av4wPgm5K6%0AADc2KzLnnGuOzSthyRuw9I3g3y0rg/XZXaFiIeT2gi2rgldry0mDGGrjWDUbTv5Rs5NFc0WZD2Mx%0AcHYDm99IbjjOuQ5t+wZY9taeBLE+fCgwt3fwZXjQKZDdBabdBsdfC6V/hPP+X8q/KPex9E144srg%0ASzquGOqLo+iklMYRZZRUX+AqYEji/mZ2Tcqics51DJXb4bN39ySIVbMBC+4gDhwLx/wTFJ0C/UdA%0ARsaeL8jappeik/Zebg3pEENMcURpknoWeA94i2aW7XDOub1U74bymXsSxIoPoLoSMrKhcDScekuQ%0AIAqOgax6amWVz9z7C7Ho5GC5fGbrfVmnQwwxxRGl07vMzEam5OpJ5p3ezqWZmhpYO39Pgvj0bajc%0ACggOODJoYio6FQ48PmiLd60u2Z3ef5P0FTN7aT/jcs51BBuW7kkQS9+E7euC9b2HwlFfD+4gik6G%0ALj4qv62JkjAmATdL2g5UElRHMDPz/9ou+d76DRQU731LvfTN4Db7xFYclOdxRI9j5GXB+yWvB4li%0AY1jZttsBcPBpQYI46BToWdh68bqUiPLgXl8gm2AejPxwOUIVGOdaoKA46Lhb+mawXNuxV1DscaRL%0AHDs3w5t3wqNfg9IH4M5D4KmrYcFUOOAoOPsOuPYD+MFCmDAZRn3Dk0U70WAfhqRDzOxjSUfVt93M%0A5qQ0shbwPox2YFM5fDAZ3rsXcvOC5oy8IdCpW+vHsmsrbFwGXfp6HLVxfL4MrAawoKN6yAl77iAG%0AjISM5lfkdfFKVh/GLQTVY++pZ5sBMQw6du3O9g2w7B97Hs5avzhYn5ULW9cE7d59D4knttoagxs+%0A8TjqxnHUxTDut5DdOZ5YXCwaTBhmdnX49stmtjtxm6TslEbl2q/KbcG4+9oEsWoOYJDTDQ48AUqu%0ACt6/8jMYe33wMNLx16bHQ1Eex95xrPggnjhcbKJ0er8P1G0wrW+dc/uq3g3lM/YkiOUfQM3uoDlj%0A0Bj40m3huPtiyMzu0A9FeRwu3TWYMCT1AwYAuZKOJBgdBdAD6BLl5JLOAu4imATpfjO7vc72nsAj%0AwOAwljvN7MFw2/eAbxE0f80FJprZzug/motFTQ2snbcnQXz6zp5x9wOOguO+E7R3D25g3H0HfijK%0A43DprrGIg+9WAAARhElEQVRO74kEJUFGArPYkzC2AA+a2RONnljKJJhm9QxgBcE0q5ea2fyEfW4D%0AeprZzZLygUXAAQSjsN4ChpvZDkmPAy+Y2UONXdM7vWNgBp8v3ZMglr4J29cH2/ocvKdDdMhJPu7e%0AuTSUlE7v8C/9ByV93cweb0EcY4DFZrYkDOoxYDwwP2EfA7pLEtAN2ADUTuKbRXB3s5vgjmZlC2Jw%0AqbBlTZAYlr4OS96ETeG4++4D4OAzwqd3T4GePneEc+1JlD6MfpJ6mNlmSfcR9F3camavNHFcAbA8%0AYXkFcGydfe4GphIkg+7AxWZWA5RLuhP4DNgBvNSunzRPh4ezGouhZCIse3vP07sV4SxfnXsGdw4n%0AfDdIEH0PAaV2jmvnXHyiJIxrzOxuSV8h6NP4NvAAcEwSrn8mUAZ8mWD615cl/YOgz2M8UARsBJ6Q%0AdLmZPVL3BJKuAa4BGDx4cBJCikHtQ1G1bcSJHYxxxFA4Bqb/N7z6C8gbFIxYsppgqOvg4+Doi4ME%0AMeBoH3fvXAcSJWHUdnKcA/zJzGZLivKEeDkwKGG5MFyXaCJwuwUdKYslLQUOAw4ElppZBYCkKcBY%0Agg7yvYMzmwxMhqAPI0Jc6afoZDjrdvjTeFBmMIooqzP8+dLWjaOmCh4eR1j9BciAznlw0g+CBDFo%0ADGR1at2YnHNpI0rCmC3pBeBQ4DZJ3diTRBozHThEUhFBorgEuKzOPp8BpwH/kNQfGAYsIfjGOi6c%0A1W9HuE/77c02g7L/BWVBTSUUjIbBdVvvWsln70P5dDjiIhj3G+jcI544nHNpJ0rCmEjQ/LTYzLaH%0AEypd3cQxmFmVpOuAaQRNTA+Y2TxJk8Lt9wE/Bx6SNJcgSdxsZuuAdZKeBGYSdILPIryLaJfm/AWW%0AvBYMMz3uxuChqNP/NZ5ZxGb/ec+DWavKfMikc+4LTc6HASDpEmComf1C0iCgn5nNSHl0zdQmh9Vu%0AWwd3jYSqHfCNKTD0lH0fkmoNda8ZRwzOuVbXnGG1TfZFSLob+BJwebhqG3Bfy8Nze5l2G+zeBuPu%0ACpIF7P1QVGtp7MEs55wjWpPUWDMrljQLwMw2SKpn7kTXbIv/HjRHnfwjGHX53tuKTm7dv+zrG77b%0A2jE459JalNFOu8NRUQYgqQ9Qk9KoOoLKbfD896DPIcEoJOecS3MNJgxJtXcf9wBPAfmSfkZQsuNX%0ArRBb+/baL4OZyc73EtHOubahsSapD4BiM/uTpBnA6QQjmb5mZh+2SnTt1cpZ8N7v4Zgr4cCxcUfj%0AnHORNJYwvqjxYGbzgHmpD6cDqK6Cqd+Frv3g9J/FHY1zzkXWWMLIl/T9hjaa2X+lIJ727717YPUc%0A+PqfgilInXOujWgsYWQSVJD1anLJsmEpvPYfMOxcOPz8uKNxzrlmaSxhrDKzf2u1SNo7M3j+RsjI%0AgnPv9Kquzrk2J1IfhkuC2Y/BktfhnDuhx8C4o3HOuWZr7DmM01otivZu27rgie5Bx0JJk2W4nHMu%0ALTWYMMxsQ2sG0q69eCvs2gLjfgsZUZ6VdM659OPfXqm2+O8w93E46fvQ77C4o3HOuRbzhJFKteU/%0A+h7q5T+cc21elOKDrqVqy39MfNFnqnPOtXl+h5Eq5TPD8h8T4cDj447GOef2W0oThqSzJC2StFjS%0ALfVs7ynpOUmzJc2TNDFhW56kJyUtlLRAUtv51q3eDc+F5T/O8PIfzrn2IWVNUpIyCSrdngGsAKZL%0Ammpm8xN2uxaYb2bjJOUDiyQ9amaVwF3Ai2b21XD+jS6pijXp3r0HVs+Fr/8PdO4ZdzTOOZcUqbzD%0AGEMwD/iSMAE8Boyvs48B3SWJoAzJBqBKUk/gZOCPAGZWaWYbUxhr8mxYAq/Xlv8YF3c0zjmXNKlM%0AGAXA8oTlFeG6RHcDhwMrgbnADWZWAxQBFcCDkmZJul9S1xTGmhxm8NyNkJHt5T+cc+1O3J3eZwJl%0AwEBgJHC3pB4ETWXFwL1mNopgHvF9+kAAJF0jqVRSaUVFRSuF3YDZf4alb8DpP/HyH865dieVCaMc%0AGJSwXBiuSzQRmGKBxcBS4DCCu5EVZvZ+uN+TBAlkH2Y22cxKzKwkPz8/qT9As2yt8PIfzrl2LZUJ%0AYzpwiKSisNP6EmBqnX0+I6xZJak/MAxYYmargeWShoX7nQbMJ51NuxV2bfXyH865ditlo6TMrErS%0AdcA0grk1HjCzeZImhdvvA34OPCRpLkF13JvNbF14iuuBR8Nks4TgbiQ9ffwyzH0CTrnZy38459ot%0AmVncMSRNSUmJlZaWtu5Fd22F3x8P2Z1h0lv+RLdzrk2RNMPMSqLs66VB9tdrv4RNXv7DOdf+eWP7%0A/iifAe/f6+U/nHMdgieMlqreDVNv8PIfzrkOw5ukWurdu2GNl/9wznUcfofREus/gddvh8POg+Hn%0Axx2Nc861Ck8YzWUWTIqUmQPn3BF3NM4512q8Saq5yv43KP9x7q+9/IdzrkPxO4zm2FoBL/0YBh0H%0Ax1wVdzTOOdeqPGE0x4u3hOU/7vLyH865Dse/9aL6+GX48Ek46Qde/sM51yF5wohi19ago7vvMDjp%0A+3FH45xzsfBO7yhe+wVsWu7lP5xzHZrfYTSlfAa8fx+UXOXlP5xzHZonjMZU74ap34Vu/eH0n8Yd%0AjXPOxcqbpBrzzu9gzYdw8SNe/sM51+H5HUZD1n8Cb/wqKP9x+Li4o3HOudilNGFIOkvSIkmLJd1S%0Az/aekp6TNFvSPEkT62zPlDRL0vOpjHMfZvD8jWH5jztb9dLOOZeuUpYwJGUC9wBnA8OBSyUNr7Pb%0AtcB8MzsaOBX4dTgla60bgAWpirFBZY/C0jeDfoseA1r98s45l45SeYcxBlhsZkvMrBJ4DBhfZx8D%0AuksS0A3YAFQBSCoEzgXuT2GM+9q6Fqb9GAYfH0yM5JxzDkhtwigAlicsrwjXJbobOBxYCcwFbjCz%0AmnDbb4AfATW0phdvgd3bvfyHc87VEfc34plAGTAQGAncLamHpPOAtWY2o6kTSLpGUqmk0oqKiv2L%0A5qOX4MOngvIf+cP271zOOdfOpDJhlAODEpYLw3WJJgJTLLAYWAocBpwAnC9pGUFT1pclPVLfRcxs%0AspmVmFlJfn5+y6PdtRX++v2g/MeJ32v5eZxzrp1KZcKYDhwiqSjsyL4EmFpnn8+A0wAk9QeGAUvM%0A7FYzKzSzIeFxr5rZ5UmP8K3fBJ3bAK/+e1D+Y/RV8N69Sb+Uc861dSlLGGZWBVwHTCMY6fS4mc2T%0ANEnSpHC3nwNjJc0FXgFuNrN1qYppHwXF8MSV8MH9QfmPQ8+GN/4zWO+cc24vMrO4Y0iakpISKy0t%0Abd5Bn7wKj3wVsnOD5y6+/jAUnZyaAJ1zLs1ImmFmJVH2jbvTO36Fo6HfcKjcCqO/5cnCOeca4Alj%0A5SzYshJO/hGU/nFPn4Zzzrm9dOyEsfTNoA/jaw/Bl38c/PvElZ40nHOuHh07YZTPDJJEbTNU0cnB%0AcvnMOKNyzrm01LHLm594477rik72fgznnKtHx77DcM45F5knDOecc5F4wnDOOReJJwznnHOReMJw%0AzjkXSbsqDSKpAvg07jga0RdovVpZLddW4oS2E6vHmXxtJdZ0j/NAM4tU6rtdJYx0J6k0as2WOLWV%0AOKHtxOpxJl9bibWtxBmFN0k555yLxBOGc865SDxhtK7JcQcQUVuJE9pOrB5n8rWVWNtKnE3yPgzn%0AnHOR+B2Gc865SDxhJJmkQZJekzRf0jxJN9Szz6mSNkkqC1//GlOsyyTNDWPYZ6pCBX4rabGkOZJi%0AmbtW0rCEz6pM0mZJN9bZJ5bPVNIDktZK+jBhXW9JL0v6OPy3VwPHniVpUfj53hJDnHdIWhj+t31a%0AUl4Dxzb6e9IKcf5UUnnCf9tzGji21T7PRmL9S0KcyySVNXBsq32mSWVm/kriCxgAFIfvuwMfAcPr%0A7HMq8HwaxLoM6NvI9nOAvwECjgPeT4OYM4HVBGPHY/9MgZOBYuDDhHX/CdwSvr8F+FUDP8cnwEFA%0ADjC77u9JK8T5FSArfP+r+uKM8nvSCnH+FPhhhN+LVvs8G4q1zvZfA/8a92eazJffYSSZma0ys5nh%0A+y3AAqAg3qhabDzwJwu8B+RJGhBzTKcBn5hZWjygaWZvAhvqrB4PPBy+fxi4oJ5DxwCLzWyJmVUC%0Aj4XHtVqcZvaSmVWFi+8Bham6flQNfJ5RtOrnCY3HKknA14E/pzKG1uYJI4UkDQFGAe/Xs3ls2BTw%0AN0lHtGpgexjwd0kzJF1Tz/YCYHnC8griT36X0PD/hOnwmQL0N7NV4fvVQP969km3z/YqgrvJ+jT1%0Ae9Iarg//2z7QQBNfun2eJwFrzOzjBranw2fabJ4wUkRSN+Ap4EYz21xn80xgsJkdBfwOeKa14wud%0AaGYjgbOBayWl9cxRknKA84En6tmcLp/pXixof0jroYiSfgxUAY82sEvcvyf3EjQ1jQRWETT1pLtL%0AafzuIu7PtEU8YaSApGyCZPGomU2pu93MNpvZ1vD9C0C2pL6tHCZmVh7+uxZ4muC2PlE5MChhuTBc%0AF5ezgZlmtqbuhnT5TENrapvuwn/X1rNPWny2kq4EzgO+ESa3fUT4PUkpM1tjZtVmVgP8dwPXT4vP%0AE0BSFjAB+EtD+8T9mbaUJ4wkC9su/wgsMLP/amCfA8L9kDSG4L/D+taLEiR1ldS99j1BB+iHdXab%0AClwRjpY6DtiU0NQShwb/akuHzzTBVOCfwvf/BDxbzz7TgUMkFYV3TpeEx7UaSWcBPwLON7PtDewT%0A5fckper0m13YwPVj/zwTnA4sNLMV9W1Mh8+0xeLudW9vL+BEgiaIOUBZ+DoHmARMCve5DphHMJLj%0APWBsDHEeFF5/dhjLj8P1iXEKuIdg9MlcoCTGz7UrQQLombAu9s+UIIGtAnYTtJtfDfQBXgE+Bv4O%0A9A73HQi8kHDsOQSj6D6p/fxbOc7FBO3+tb+n99WNs6Hfk1aO83/C3785BElgQNyfZ0Oxhusfqv29%0ATNg3ts80mS9/0ts551wk3iTlnHMuEk8YzjnnIvGE4ZxzLhJPGM455yLxhOGccy4STxiuw5E0JLHC%0AaBLP+2+STm9in59K+mFrxeRcMmXFHYBz7YWZxVKmHkBSpplVx3V91zH4HYbr0CQdJGmWpNF11p8q%0A6XVJT4ZzRjya8CT5MZLeCAvHTUsoA/KQpK+G788Jj5uhYE6R5xNOPzw89xJJ301YnxVeZ0F43S7h%0AuU4LY5wbFt/rFK5fJulXkmYCX5P0XQXzsMyR9FgKPzbXQXnCcB2WpGEENb+uNLPp9ewyCrgRGE7w%0AdO4JYZ2w3wFfNbNjgAeAX9Q5b2fgD8DZ4T75dc57GHAmQf2gn4TnBBgG/N7MDgc2A/8cnush4GIz%0AO5KgVeA7Cedab2bFZvYYwdwboywowDip2R+Ic03whOE6qnyCGk/fMLPZDezzgZmtsKDoXRkwhOBL%0AfQTwcjib2r+w7zwShwFLzGxpuFy3/tVfzWyXma0jKExYW/58uZm9Hb5/hKDMzDBgqZl9FK5/mGDi%0AnlqJBe7mAI9Kupyg+qxzSeV9GK6j2gR8RvClPL+BfXYlvK8m+P9FwDwzO34/rl3feWHfMuhR6vZs%0AS3h/LkEyGQf8WNKRtmeCJOf2m99huI6qkqDy6RWSLmvGcYuAfEnHQ1DKvp7JmhYBB4UTaAFcHPHc%0Ag2vPC1wGvBWea4ikg8P13wTeqHugpAxgkJm9BtwM9AS6Rbyuc5H4HYbrsMxsm6TzCJqXtppZk+Ww%0Azawy7Nj+raSeBP8P/Yag6mjtPjsk/TPwoqRtBKW3o1hEMJnOAwR3Pfea2U5JE4EnwnkWpgP31XNs%0AJvBIGJOA35rZxojXdS4Sr1brXApI6mZmW8ORVfcAH5vZ/4s7Luf2hzdJOZca3w47xecRNA/9IeZ4%0AnNtvfofhnHMuEr/DcM45F4knDOecc5F4wnDOOReJJwznnHOReMJwzjkXiScM55xzkfx/Ipfqe1gs%0AJqcAAAAASUVORK5CYII=">
+            <a:extLst>
+              <a:ext uri="{FF2B5EF4-FFF2-40B4-BE49-F238E27FC236}">
+                <a16:creationId xmlns:a16="http://schemas.microsoft.com/office/drawing/2014/main" xmlns="" id="{D5F5E6A5-BDCE-4CC5-9C00-9937FCE1190A}"/>
+              </a:ext>
+            </a:extLst>
+          </p:cNvPr>
+          <p:cNvSpPr>
+            <a:spLocks noChangeAspect="1" noChangeArrowheads="1"/>
+          </p:cNvSpPr>
+          <p:nvPr/>
+        </p:nvSpPr>
+        <p:spPr bwMode="auto">
+          <a:xfrm>
+            <a:off x="5943600" y="3276600"/>
+            <a:ext cx="304800" cy="304800"/>
+          </a:xfrm>
+          <a:prstGeom prst="rect">
+            <a:avLst/>
+          </a:prstGeom>
+          <a:noFill/>
+          <a:extLst>
+            <a:ext uri="{909E8E84-426E-40DD-AFC4-6F175D3DCCD1}">
+              <a14:hiddenFill xmlns:a14="http://schemas.microsoft.com/office/drawing/2010/main">
+                <a:solidFill>
+                  <a:srgbClr val="FFFFFF"/>
+                </a:solidFill>
+              </a14:hiddenFill>
+            </a:ext>
+          </a:extLst>
+        </p:spPr>
+        <p:txBody>
+          <a:bodyPr vert="horz" wrap="square" lIns="91440" tIns="45720" rIns="91440" bIns="45720" numCol="1" anchor="t" anchorCtr="0" compatLnSpc="1">
+            <a:prstTxWarp prst="textNoShape">
+              <a:avLst/>
+            </a:prstTxWarp>
+          </a:bodyPr>
+          <a:lstStyle/>
+          <a:p>
+            <a:endParaRPr lang="en-US"/>
           </a:p>
         </p:txBody>
       </p:sp>
       <p:pic>
         <p:nvPicPr>
-          <p:cNvPr id="4" name="Content Placeholder 3">
-            <a:extLst>
-              <a:ext uri="{FF2B5EF4-FFF2-40B4-BE49-F238E27FC236}">
-                <a16:creationId xmlns:a16="http://schemas.microsoft.com/office/drawing/2014/main" id="{EC58DB8C-2117-423A-8567-20DEE6D6BED8}"/>
+          <p:cNvPr id="6" name="Picture 5">
+            <a:extLst>
+              <a:ext uri="{FF2B5EF4-FFF2-40B4-BE49-F238E27FC236}">
+                <a16:creationId xmlns:a16="http://schemas.microsoft.com/office/drawing/2014/main" xmlns="" id="{7944DBB5-4AF1-42BA-8BC0-A86E5ECDAD07}"/>
               </a:ext>
             </a:extLst>
           </p:cNvPr>
@@ -6625,8 +6005,8 @@
         </p:blipFill>
         <p:spPr>
           <a:xfrm>
-            <a:off x="6096000" y="2343123"/>
-            <a:ext cx="3971925" cy="3400425"/>
+            <a:off x="4803868" y="1994367"/>
+            <a:ext cx="6392182" cy="4013854"/>
           </a:xfrm>
           <a:prstGeom prst="rect">
             <a:avLst/>
@@ -6636,7 +6016,7 @@
     </p:spTree>
     <p:extLst>
       <p:ext uri="{BB962C8B-B14F-4D97-AF65-F5344CB8AC3E}">
-        <p14:creationId xmlns:p14="http://schemas.microsoft.com/office/powerpoint/2010/main" val="3967491246"/>
+        <p14:creationId xmlns:p14="http://schemas.microsoft.com/office/powerpoint/2010/main" val="3272232926"/>
       </p:ext>
     </p:extLst>
   </p:cSld>
@@ -6668,7 +6048,7 @@
           <p:cNvPr id="2" name="Title 1">
             <a:extLst>
               <a:ext uri="{FF2B5EF4-FFF2-40B4-BE49-F238E27FC236}">
-                <a16:creationId xmlns:a16="http://schemas.microsoft.com/office/drawing/2014/main" id="{11EE0D42-1CD0-4E7B-9001-DB1AB532AA05}"/>
+                <a16:creationId xmlns:a16="http://schemas.microsoft.com/office/drawing/2014/main" xmlns="" id="{72B1AE2E-A459-452C-8D80-232AF9D90D46}"/>
               </a:ext>
             </a:extLst>
           </p:cNvPr>
@@ -6679,139 +6059,43 @@
             <p:ph type="title"/>
           </p:nvPr>
         </p:nvSpPr>
-        <p:spPr/>
+        <p:spPr>
+          <a:xfrm>
+            <a:off x="269379" y="1503690"/>
+            <a:ext cx="3489960" cy="3931920"/>
+          </a:xfrm>
+        </p:spPr>
         <p:txBody>
           <a:bodyPr/>
           <a:lstStyle/>
           <a:p>
             <a:pPr algn="ctr"/>
             <a:r>
-              <a:rPr lang="en-US" b="1" dirty="0">
+              <a:rPr lang="en-US" dirty="0" smtClean="0">
                 <a:latin typeface="Open Sans Condensed"/>
               </a:rPr>
-              <a:t>MACHINE LEARNING </a:t>
-            </a:r>
-            <a:r>
-              <a:rPr lang="en-US" dirty="0">
+              <a:t>SAMPLE </a:t>
+            </a:r>
+            <a:br>
+              <a:rPr lang="en-US" dirty="0" smtClean="0">
                 <a:latin typeface="Open Sans Condensed"/>
               </a:rPr>
-              <a:t>MODELS</a:t>
-            </a:r>
-          </a:p>
-        </p:txBody>
-      </p:sp>
-      <p:sp>
-        <p:nvSpPr>
-          <p:cNvPr id="3" name="Content Placeholder 2">
-            <a:extLst>
-              <a:ext uri="{FF2B5EF4-FFF2-40B4-BE49-F238E27FC236}">
-                <a16:creationId xmlns:a16="http://schemas.microsoft.com/office/drawing/2014/main" id="{49E18598-0A6C-4E1A-9FCD-1D79B888471E}"/>
-              </a:ext>
-            </a:extLst>
-          </p:cNvPr>
-          <p:cNvSpPr>
-            <a:spLocks noGrp="1"/>
-          </p:cNvSpPr>
-          <p:nvPr>
-            <p:ph idx="1"/>
-          </p:nvPr>
-        </p:nvSpPr>
-        <p:spPr/>
-        <p:txBody>
-          <a:bodyPr/>
-          <a:lstStyle/>
-          <a:p>
-            <a:pPr marL="0" indent="0">
-              <a:buNone/>
-            </a:pPr>
-            <a:r>
-              <a:rPr lang="en-US" dirty="0"/>
-              <a:t>KNN</a:t>
-            </a:r>
-          </a:p>
-          <a:p>
-            <a:pPr marL="0" indent="0">
-              <a:buNone/>
-            </a:pPr>
-            <a:r>
-              <a:rPr lang="en-US" dirty="0"/>
-              <a:t>LOGISTIC REGRESSION</a:t>
-            </a:r>
-          </a:p>
-          <a:p>
-            <a:pPr marL="0" indent="0">
-              <a:buNone/>
-            </a:pPr>
-            <a:r>
-              <a:rPr lang="en-US" dirty="0"/>
-              <a:t>DECISION TREES</a:t>
-            </a:r>
-          </a:p>
-          <a:p>
-            <a:pPr marL="0" indent="0">
-              <a:buNone/>
-            </a:pPr>
-            <a:r>
-              <a:rPr lang="en-US" dirty="0"/>
-              <a:t>RANDOM FOREST</a:t>
-            </a:r>
-          </a:p>
-        </p:txBody>
-      </p:sp>
-      <p:sp>
-        <p:nvSpPr>
-          <p:cNvPr id="4" name="AutoShape 2" descr="data:image/png;base64,iVBORw0KGgoAAAANSUhEUgAAAYwAAAEKCAYAAAAB0GKPAAAABHNCSVQICAgIfAhkiAAAAAlwSFlz%0AAAALEgAACxIB0t1+/AAAIABJREFUeJzt3Xl8VeW1//HPNxOEMQwBIQGJqCiiQgyoOLZqHRHFtg61%0AXtHWH71qtYN16P3dtre3vfZq76+2Wi3XOvTqrXVARWtF61hnAgSQSRFQCFMAmYeQZP3+2DtyCBl2%0AwjnZJ8l6v17nxdnzyjGelf08z16PzAznnHOuKRlxB+Ccc65t8IThnHMuEk8YzjnnIvGE4ZxzLhJP%0AGM455yLxhOGccy4STxjOOeci8YThnHMuEk8YzjnnIsmKO4Bk6tu3rw0ZMiTuMJxzrs2YMWPGOjPL%0Aj7JvyhKGpAeA84C1Zjainu0C7gLOAbYDV5rZzHDbWeG2TOB+M7s9yjWHDBlCaWlpkn4C55xr/yR9%0AGnXfVDZJPQSc1cj2s4FDwtc1wL0AkjKBe8Ltw4FLJQ1PYZzOOeciSFnCMLM3gQ2N7DIe+JMF3gPy%0AJA0AxgCLzWyJmVUCj4X7Oueci1Gcnd4FwPKE5RXhuobW10vSNZJKJZVWVFSkJFDnnHPtYJSUmU02%0AsxIzK8nPj9Rv45xzrgXiHCVVDgxKWC4M12U3sN4551yM4kwYU4HrJD0GHAtsMrNVkiqAQyQVESSK%0AS4DLUhXEM7PKuWPaIlZu3MHAvFxuOnMYF4xqsAXMOec6rFQOq/0zcCrQV9IK4CcEdw+Y2X3ACwRD%0AahcTDKudGG6rknQdMI1gWO0DZjYvFTE+M6ucW6fMZcfuagDKN+7g1ilzATxpOOdcHSlLGGZ2aRPb%0ADbi2gW0vECSUlLpj2qIvkkWtHburuWPaIk8YzjlXR5vv9N4fKzfuaNZ655zryDp0whiYl9us9c45%0A15F16IRx05nDyM3O3GtdbnYmN505LKaInHMufbWr4oPNVdtPcce0RZRv3EF2pviPCUd6/4VzztWj%0AQ99hQJA03r7ly/zLuYezu9oYUdAj7pCccy4tdfiEUWv8yAIyM8SUmf6MoHPO1ccTRii/eydOOTSf%0Ap2eVU11jcYfjnHNpxxNGggnFBazatJP3lqyPOxTnnEs7njASnH54f7p3zuKpmSviDsU559KOJ4wE%0AnbMzOe+oAbz44Wq27aqKOxznnEsrnjDqmFBcyPbKaqbNWx13KM45l1Y8YdRRcmAvBvfu4qOlnHOu%0ADk8YdUhiQnEBb3+yzmtKOedcAk8Y9ZgwqhAzeKbM7zKcc66WJ4x6DO7ThdFDejFlZjlBFXbnnHMp%0ATRiSzpK0SNJiSbfUs72XpKclzZH0gaQRCdu+J2mepA8l/VlS51TGWteE4kIWr93K3PJNrXlZ55xL%0AWylLGJIygXuAs4HhwKWShtfZ7TagzMyOAq4A7gqPLQC+C5SY2QiCmfcuSVWs9Tn3qAHkZGV457dz%0AzoVSeYcxBlhsZkvMrBJ4DBhfZ5/hwKsAZrYQGCKpf7gtC8iVlAV0AVamMNZ99OiczVeG9+fZsnIq%0Aq2pa89LOOZeWUpkwCoDlCcsrwnWJZgMTACSNAQ4ECs2sHLgT+AxYBWwys5dSGGu9Liou5PPtu3l9%0A0drWvrRzzqWduDu9bwfyJJUB1wOzgGpJvQjuRoqAgUBXSZfXdwJJ10gqlVRaUVGR1OBOOqQvfbvl%0AeLOUc86R2oRRDgxKWC4M133BzDab2UQzG0nQh5EPLAFOB5aaWYWZ7QamAGPru4iZTTazEjMryc/P%0AT+oPkJWZwfiRBbyycA0bt1cm9dzOOdfWpDJhTAcOkVQkKYeg03pq4g6S8sJtAN8C3jSzzQRNUcdJ%0A6iJJwGnAghTG2qAJxQXsrjaem7Mqjss751zaSFnCMLMq4DpgGsGX/eNmNk/SJEmTwt0OBz6UtIhg%0ANNUN4bHvA08CM4G5YZyTUxVrY44Y2JPDDujOFK9g65zr4FI6p7eZvQC8UGfdfQnv3wUObeDYnwA/%0ASWV8UV1UXMgvXljAJxVbGZrfLe5wnHMuFnF3ercJ40cOJEPwtHd+O+c6ME8YEfTr0ZmTDgmmb63x%0A6Vudcx2UJ4yIJhQXUL5xB+8v3RB3KM45FwtPGBGdecQBdO+U5Z3fzrkOyxNGRJ2zMznnyAG8MHcV%0A2yt9+lbnXMfjCaMZJhQXsK2ympfmrYk7FOeca3WeMJph9JDeFPbK5SlvlnLOdUCeMJohI0NMGFXA%0A24vXsXrTzrjDcc65VuUJo5kuLC6kxuBZn77VOdfBeMJopqK+XTnmwF48NXOFT9/qnOtQPGG0wITi%0AAj5as5V5KzfHHYpzzrUaTxgtcN6RA8nJzPDOb+dch+IJowV6dsnm9OH9mFq2kt3VPn2rc65j8ITR%0AQhNGFbJ+WyVvfpTcWf6ccy5decJooVOG5dOnq0/f6pzrODxhtFB2ZgbnjxzIy/PXsGn77rjDcc65%0AlEtpwpB0lqRFkhZLuqWe7b0kPS1pjqQPJI1I2JYn6UlJCyUtkHR8KmNtiYuKC6msruH5uSvjDsU5%0A51IuZQlDUiZwD8HUq8OBSyUNr7PbbUCZmR0FXAHclbDtLuBFMzsMOJqY5vRuzBEDe3Bo/27eLOWc%0A6xBSeYcxBlhsZkvMrBJ4DBhfZ5/hwKsAZrYQGCKpv6SewMnAH8NtlWa2MYWxtogkJhQXMuPTz1m2%0Ablvc4TjnXEo1mTAk5Uq6VdJ94fLBks6OcO4CYHnC8opwXaLZwITwvGOAA4FCoAioAB6UNEvS/ZK6%0ARrhmq7twVAEZgimz/C7DOde+RbnDeAAQcGK4vBL4ZZKufzuQJ6kMuB6YBVQDWUAxcK+ZjQK2Afv0%0AgQBIukZSqaTSiorWH+Lav0dnTji4L1NmrvDpW51z7VqUhHGImf0S2A1gZtsJEkhTyoFBCcuF4bov%0AmNlmM5toZiMJ+jDygSUEdyMrzOz9cNcnCRLIPsxsspmVmFlJfn5+hLCS76LiQlZ8voPpy3z6Vudc%0A+xUlYVRK6gwYgKQioDLCcdOBQyQVScoBLgGmJu4QjoTKCRe/BbwZJpHVwHJJw8JtpwHzI1wzFl85%0Aoj9dczK989s5165FSRj/BrwIFEp6GHgNuLWpg8ysCrgOmEYwwulxM5snaZKkSeFuhwMfSlpEMJrq%0AhoRTXA88KmkOMJLkNYMlXZecLM4+cgB/nbuKnbur4w7HOedSQo2V6JYk4ACgChhL0BT1jpmtbZ3w%0AmqekpMRKS0tjufY7n6zjsv9+n99eOorzjx4YSwzOOddckmaYWUmUfRu9w7Agm7xsZhVm9qyZPZOu%0AySJuxxX1oSAvl6dmeAVb51z7FKVJqkzSqJRH0sZlZIgLRxXwj48rWLvZp291zrU/URLGKGB6WOJj%0AZvhcxMxUB9YWXVhcEE7f6qVCnHPtT1aEfc5PeRTtxND8bowclMdTM1fw7ZMPijsc55xLqibvMMzs%0AE6AzcEb46hyuc/W4qLiAhau3MN+nb3XOtTNRSoNcBzwBDA5fj0v651QH1laNO3og2Zliik/f6pxr%0AZ6L0YVwDjDGz28zsNuBYYFITx3RYeV1yOO2w/jxTtpIqn77VOdeOREkYYu8nu3cTrTRIhzWhuIB1%0AW3fxj4/XxR2Kc84lTZRO7/8B3pf0VLh8IfBw6kJq+04d1o9eXbJ5auYKvnRYv7jDcc65pIjS6f2f%0AwP8BtoevSWZ2Z6oDa8tysjI4/+iBvDR/DZt2+PStzrn2IUqn92hgvpn9l5n9F7BQUqTHyDuyCcWF%0AVFbV8Le5q+IOxTnnkiJKH8ZkgjuLWtuAP6QmnPbjqMKeHNyvG0/5aCnnXDsRJWFkmNkXw33C99mp%0AC6l9CKZvLWD6ss/5dL1P3+qca/uiJIylkr4jKVNShqRrgWUpjqtduGBkARI87dO3OufagSgJ4/8Q%0ATGC0BlgLnAJ8O5VBtRcD83IZO7QPU2aW01gZeeecawuijJJaY2ZfNbO+4evrZramNYJrDyaMKuSz%0ADduZ8enncYfinHP7pcGEIekqSQeH7yVpsqT1YcXakVFOLumssMrtYkm31LO9l6SnJc2R9IGkEXW2%0AZ4bVcZ9v7g+WLs4acQBdcjK989s51+Y1dofxfeDT8P3FwGhgOHAb8NumTiwpE7iHYOrV4cClkobX%0A2e02oMzMjgKuAO6qs/0Gguld26yunbI4a8QBPD/Hp291zrVtjSWMKjOrfepsHPBw2Dz1ItAtwrnH%0AAIvNbImZVQKPAePr7DMceBXAzBYCQyT1B5BUCJwL3B/5p0lTFxUXsmVnFX9f4C15zrm2q7GEYZL6%0AS+pE0On994RtuRHOXQAsT1heEa5LNBuYACBpDHAgUBhu+w3wI6DNV/A77qA+DOjZmSkzfbSUc67t%0Aaixh/BSYCSwB/mZmHwJIOglYmqTr3w7kSSoDrgdmAdWSzgPWmtmMpk4g6RpJpZJKKyoqkhRWcmVm%0AiAtGFfDGRxVUbNkVdzjOOdciDSYMM3sWKAJGmtnEhE1lwCURzl0ODEpYLgzXJV5js5lNNLORBH0Y%0A+QQJ6gTgfEnLCJqyvizpkQbinGxmJWZWkp+fHyGseFxUXEB1jTF1tk/f6pxrmxodVmtmlWZWUWfd%0AFjOLMp3cdOAQSUWScgiSzNTEHSTlhdsAvgW8GSaRW82s0MyGhMe9amaXR/yZ0tLB/bpzdGFPnprh%0Ao6Wcc21TlAf3WsTMqoDrgGkEI50eN7N5kiZJqp2A6XDgQ0mLCEZT3ZCqeNLBhOJC5q/azIJVPn2r%0Ac67tiTIfRouZ2QvAC3XW3Zfw/l3g0CbO8TrwegrCa3Xjjh7Iz5+fz9Ozyjl8QI+4w3HOuWaJUt78%0AL5LOlOSz7O2n3l1z+NJh/Xh6VrlP3+qca3OiNEk9CFwFfCTp32uf/nYtc1FxARVbdvH2J+vjDsU5%0A55olSi2pF83sYoIH8VYDr0l6U9I3JaW0Sas9+tJh/cjrku2d3865NidSp7ekXsBlwDeBOQQTKI0F%0AXkxdaO1Tp6xMxh01kGnzVrNlp0/f6pxrO6L0YTwBvAv0Bi4ys3PN7FEz+w7QJ9UBtkcTigvYVVXD%0A3+aujjsU55yLLOoUrYeb2c/NbK92FDMblZqw2reRg/I4qG9Xr2DrnGtToiSMoUDP2oWwJPk1qQup%0A/audvvX9pRtYvmF70wc451waiJIwJpnZxtoFM/sc+E7qQuoYLhgV1GH06Vudc21FlISRmbggKQPI%0ATk04HUdhry4cf1Afpsxc4dO3OufahCgJ42VJf5Z0iqRTgEfZu9S5a6EJxQUsW7+dmZ9tbHpn55yL%0AWZSEcRPwDvC98PUW8MNUBtVRnH3kADpnZzDFO7+dc21AlAf3qs3sd2Z2Qfi6Jyws6PZTt05ZnHXE%0AATw3eyW7qnz6VudceovyHMZQSY9JmiPpo9pXawTXEUwoLmTzzipeXbA27lCcc65RUZqkHiKoJyWC%0AEuSPA39JYUwdygkH96V/j07+TIZzLu1FSRhdzGwagJl9Ymb/QpA4XBLUTt/6+qIK1m316Vudc+kr%0ASvHAXeFQ2k/CiY/Kge6pDatjmTCqkD+8sYTTfv06m3dUMTAvl5vOHPbFsxrOOZcOotxhfA/oCnyX%0AYK7tbxGUO2+SpLMkLZK0WNIt9WzvJenpsH/kA0kjwvWDJL0mab6keZLa9Ux8C1ZtRoJNO6owoHzj%0ADm6dMpdn/KE+51waaTRhSMoELgzn8f7MzL5pZuPN7O2mThweew9B89Vw4FJJw+vsdhtQZmZHAVcA%0Ad4Xrq4AfmNlw4Djg2nqObTfumLaIus/u7dhdzR3TFsUTkHPO1aPRhGFm1cCXWnjuMcBiM1tiZpXA%0AY8D4OvsMB14Nr7UQGCKpv5mtMrOZ4fotBHOCt9v2mZUbdzRrvXPOxSFKk9QMSVMkXSrp/NpXhOMK%0AgOUJyyvY90t/NjABQNIY4ECgMHEHSUOAUcD79V1E0jWSSiWVVlRURAgr/QzMy613vQR3TFvI6k07%0AWzki55zbV5SE0R3YBpwDfC18fTVJ178dyJNUBlwPzAK+eIJNUjfgKeBGM9tc3wnMbLKZlZhZSX5+%0AfpLCal03nTmM3Oy9SnaRk5XBiIE9uPf1TzjxV69yw2OzmL3cS4g45+LT5CgpM/tmC89dDgxKWC4M%0A1yWeezMwEUCSgKXAknA5myBZPGpmU1oYQ5tQOxrqjmmLWLlxx16jpJZv2M5D7yzjL9OX82zZSo45%0AsBdXn1jEV4b3Jysz0oSJzjmXFGqqUqqkyfWtN7NG58QI5/v+CDiNIFFMBy4zs3kJ++QB282sUtK3%0AgZPM7IoweTwMbDCzG6P+MCUlJVZaWhp19zZly87dPDljBQ++vYzPNmynIC+Xfxp7IBePHkzPXC8e%0A7JxrGUkzzKwk0r4REsbFCYudgQuB5WZ2fYRAzgF+Q1Ai/QEz+0X4LAdmdp+k4wkSgwHzgKvN7HNJ%0AJwL/AOYCNeHpbjOzFxq7XntOGLWqa4xXFqzhgbeX8t6SDXTJyeRrxxRy5QlFFPXtGnd4zrk2JqkJ%0Ao56TZwBvmdnYlgSXSh0hYSSat3ITD7y1jOdmr2R3TQ1fHtaPq04sYuzQPgQ3ac4517hUJ4yhwEtm%0ANrQlwaVSR0sYtdZu2cmj733GI+99yvptlRx2QHeuOqGI80cOpHOdznTnnEuU7CapzwmajCAYVbUB%0AuMXMHt+vKFOgoyaMWjt3V/Pc7JX88a2lLFy9hT5dc/jGsYO5/LgD6dejc9zhOefSULITRuKfqDWW%0AxvOJdvSEUcvMeHfJeh54axmvLFxDVoYYd9RArjqxiBEFPeMOzzmXRpqTMKIUHzwXeMPMNoUnzwNO%0ANLPn9yNGl0KSGDu0L2OH9mXZum089M4yHi9dzpRZ5Ywp6s1VJxRxxvD+ZGZ4P4dzLroodxhlZjay%0AzrpZZjYqpZG1gN9hNGzTjt08UbqcB99eRvnGHRT2yuXKsUP4+uhB9Ojsw3Kd66iS3SQ128yOrrNu%0ArpkduR8xpoQnjKZVVdfw9wVr+ONbS5m+7HO6dcriayWFXDl2CLM+21jvw4POufYr2QnjIWAtQeVZ%0AgOuA/mZ2xf4EmQqeMJpnzoqNPPh2MCy3qsbIENQk/DrkZmfyHxOO9KThXDuW7ITRDfgpcDrBaKmX%0AgX8zs637GWfSecJomTWbd3L6r99gy66qfbZ175TFD88cRt9unejTLYe+3TrRt1sOPXOz/VkP59qB%0ApHZ6h4nhh/sdlUtb/Xt0Zms9yQJgy64qfjJ13j7rszL0RQLp060Tfbvm0Ld7J/p0zamTXDrRu2sO%0AOVnR6149M6vcm8acS0NNJgxJLwKXmNnGcLkX8IiZnZvq4FzrGZiXS3k9828MzOvMs9eeyPptu1i/%0AtZJ1W3exLvx3ffh+/dZdfLJ2KxVbd1FZVVPP2aFnbvZedyh9u3WiT9dO+6x7b8k6fvbcfHbsDs5T%0AO/sg4EnDuZhFGVbbvzZZAIS1ngamMCYXg5vOHMatU+ayY/cX1eXJzc7kR2ceRn73TuR379TkOcyM%0AbZXVrNuyi/XbdlGxpZL123axrvbfMMEsWr2Ft7euZ9OO3ZFiq5190BOGc/GKkjBqJBWa2QoASYNT%0AHJOLQWMl1qOSRLdOWXTrlMWQCIUQK6tq2LCt9q4luIP5wROz6923fOMOnp61gjOGH0C3TlF+bZ1z%0AyRal0/tc4PcEU6kKOBX4jpn9LeXRNZN3erd9J9z+ar1NY5kS1WZ0zs7gtMP7M/7ogZwyLJ9OWV4r%0Ay7n9kexO77+G06ceH676kZmt3Z8AnWtIQ01jv7xgBIP6dOHZspX8de4q/jpnFT06Z3HOkQM4f+RA%0Aji3q40+uO5dikarVSuoJDCWYDwMAM3snhXG1iN9htA9NjZLaXV3D24vXMbVsJdPmrWZbZTX9undi%0A3NEDGT9yIEcW9PQhv85FlOznMK4CfgAUEExoNBp4z8xO3c84k84TRsezo7KaVxauYWrZSl5fVEFl%0AdQ1Ffbt+kTyG5neLO0Tn0lqyE8ZcYAzwrpmNlHQEwYN7F0UI5CzgLoIZ9+43s9vrbO8FPEBw97IT%0AuMrMPoxybH08YXRsm7bv5sV5q3i2bCXvLlmPGYwo6MH4ows47+gBDOiZG3eIzqWdZCeM6WY2WlIZ%0AMCacf/tDMxvRxHGZBHN6nwGsIJjT+1Izm5+wzx3AVjP7maTDgHvM7LQox9bHE4artWbzTp6fs4qp%0AZeXMXrEJCcYM6c34kQWcc+QB5HXJiTvEyNLlQcZ0icMlV7LLm68KS5o/B0yTtIHgS7wpY4DFZrYk%0ADOoxYDyQ+KU/HLgdwMwWShoiqT9wUIRjnWtQ/x6dufrEIq4+sYil67YxtWwlz84u57an5/KTqR9y%0AyqH5jDt6IGcM70+XnPQdpvvMrPK9BgHE9SBjusTh4tWsKVolnQb0BP5qZrua2PerwFlm9q1w+ZvA%0AsWZ2XcI+vwRyzex74Uisd4BjgaKmjk04xzXANQCDBw8+5tNPP43887iOxcyYt3IzU2evZGrZSlZv%0A3kludiZfOaI/40cO5KRD8snOjF7CJBmqqmvYsL3yi6fo6z5N/9zsleyq5+n5DEHvrq13l7RhW+Ve%0AhSlrdc3J5NsnH7T3E/zh+26dsnzwQRuQ7DuML5jZKy0LqUG3A3eFzV1zgVlAdeOH7BPTZGAyBE1S%0ASY7PtSOSGFHQkxEFPbnlrMOYvmwDz85eyQtzg36PvC7ZnHPkAMYfPZDRQ3ozdfbKFjXBbK+sYv3W%0ASirCBLB+6646JVXCf7dV8vn2Sur7my07U/Tt1qneZAFBVeEzjzhgfz+SyB59/7N612+rrOY3f/+4%0A3m05WRn11BhLTCx7/u3dJYesiMk6HZrG0iGGOOJI5b14OTAoYbkwXPcFM9sMTARQ8KfIUmAJkNvU%0Asc7tj4wMcexBfTj2oD78dNwR/OPjCqbOXsnTM8v53/c/o2duFtt2VVMV/lldvnEHNz81h4/WbuHw%0AA3p88cW/VwmUcN32yvr/5uneKeuLL8+h+d0YU7SnjlafsFBj7Zdoj87BX+cNPchYkJfLLy5svSlp%0AXl9U0WAcr990asIT+0GCrHunVLF1FwtWbWH9tl3srt43Q0rQq0tO8Fl07ZSQZPZONDM/+5w7pi1i%0AZ4y1xtKleS6OOJrVJNWsE0tZBB3XpxF82U8HLjOzeQn75AHbw470bwMnmdkVUY6tj3d6u/21vbKK%0Al+ev4eYn57Czgb/ua2VmiN5dc+jTNYf88Asu8Ys/PyEB9O6aQ+fs5j+VXvdLAeKZpyRZcZgZm3dU%0AsS6hmOX6rbuoSLgTCxJxJeu27Kq35H59BHRtpZIx23ZVUd+3ZmvG0FgcBXm5vH3LlyOfJ2VNUs1h%0AZlWSrgOmEQyNfcDM5kmaFG6/DzgceFiSAfOAqxs7NlWxOlerS04W40cWcONjZfVuFzDteyfTt1sn%0A8nKzyUjx0+XJqPGVTnFIomeXbHp2yWZoftP779xdzfpte5LJVQ/V/wehARePHlTvtmT741tLY4+h%0AsThW1nMnmCxRypt/Dvsksk1AKXCTmS1r6FgzewF4oc66+xLevwscGvVY51pLw+Xeczm0f/dWjeWC%0AUQVpMRIpjjg6Z2dSkJdLQV7wDE1BA/9dCvJy+b/nDW+VmF78cHXsMTQWx8C81D1vFKWX6R7g/xI8%0AXDcU+BfgCeAZ4MGUReZcjG46cxi5dZqQcrMzuenMYTFF5AD+cNBbnJK9YK91p2Qv4A8HvdWhYogr%0AjigJY5yZ3WNmn4ev3wNfMbNHgd4pi8y5GF0wqoD/mHAkBXm5iOCvR5/fPH4jRp/K5Ny7Gdd9MQLG%0AdV/M5Ny7GTH61A4VQ1xxRHnS+z3gP81sSrg8AbjZzI6VNMvMRqUsumbyTm/n2jEzWL8Ypt8PpQ9C%0A7yLYsAQGHQvd+rVuLFvXwvL3ofdB8cWQGEe/w2HTCvjaQ1B0crNOkexO78uB30m6n6Av4wPgm5K6%0AADc2KzLnnGuOzSthyRuw9I3g3y0rg/XZXaFiIeT2gi2rgldry0mDGGrjWDUbTv5Rs5NFc0WZD2Mx%0AcHYDm99IbjjOuQ5t+wZY9taeBLE+fCgwt3fwZXjQKZDdBabdBsdfC6V/hPP+X8q/KPex9E144srg%0ASzquGOqLo+iklMYRZZRUX+AqYEji/mZ2Tcqics51DJXb4bN39ySIVbMBC+4gDhwLx/wTFJ0C/UdA%0ARsaeL8jappeik/Zebg3pEENMcURpknoWeA94i2aW7XDOub1U74bymXsSxIoPoLoSMrKhcDScekuQ%0AIAqOgax6amWVz9z7C7Ho5GC5fGbrfVmnQwwxxRGl07vMzEam5OpJ5p3ezqWZmhpYO39Pgvj0bajc%0ACggOODJoYio6FQ48PmiLd60u2Z3ef5P0FTN7aT/jcs51BBuW7kkQS9+E7euC9b2HwlFfD+4gik6G%0ALj4qv62JkjAmATdL2g5UElRHMDPz/9ou+d76DRQU731LvfTN4Db7xFYclOdxRI9j5GXB+yWvB4li%0AY1jZttsBcPBpQYI46BToWdh68bqUiPLgXl8gm2AejPxwOUIVGOdaoKA46Lhb+mawXNuxV1DscaRL%0AHDs3w5t3wqNfg9IH4M5D4KmrYcFUOOAoOPsOuPYD+MFCmDAZRn3Dk0U70WAfhqRDzOxjSUfVt93M%0A5qQ0shbwPox2YFM5fDAZ3rsXcvOC5oy8IdCpW+vHsmsrbFwGXfp6HLVxfL4MrAawoKN6yAl77iAG%0AjISM5lfkdfFKVh/GLQTVY++pZ5sBMQw6du3O9g2w7B97Hs5avzhYn5ULW9cE7d59D4knttoagxs+%0A8TjqxnHUxTDut5DdOZ5YXCwaTBhmdnX49stmtjtxm6TslEbl2q/KbcG4+9oEsWoOYJDTDQ48AUqu%0ACt6/8jMYe33wMNLx16bHQ1Eex95xrPggnjhcbKJ0er8P1G0wrW+dc/uq3g3lM/YkiOUfQM3uoDlj%0A0Bj40m3huPtiyMzu0A9FeRwu3TWYMCT1AwYAuZKOJBgdBdAD6BLl5JLOAu4imATpfjO7vc72nsAj%0AwOAwljvN7MFw2/eAbxE0f80FJprZzug/motFTQ2snbcnQXz6zp5x9wOOguO+E7R3D25g3H0HfijK%0A43DprrGIg+9WAAARhElEQVRO74kEJUFGArPYkzC2AA+a2RONnljKJJhm9QxgBcE0q5ea2fyEfW4D%0AeprZzZLygUXAAQSjsN4ChpvZDkmPAy+Y2UONXdM7vWNgBp8v3ZMglr4J29cH2/ocvKdDdMhJPu7e%0AuTSUlE7v8C/9ByV93cweb0EcY4DFZrYkDOoxYDwwP2EfA7pLEtAN2ADUTuKbRXB3s5vgjmZlC2Jw%0AqbBlTZAYlr4OS96ETeG4++4D4OAzwqd3T4GePneEc+1JlD6MfpJ6mNlmSfcR9F3camavNHFcAbA8%0AYXkFcGydfe4GphIkg+7AxWZWA5RLuhP4DNgBvNSunzRPh4ezGouhZCIse3vP07sV4SxfnXsGdw4n%0AfDdIEH0PAaV2jmvnXHyiJIxrzOxuSV8h6NP4NvAAcEwSrn8mUAZ8mWD615cl/YOgz2M8UARsBJ6Q%0AdLmZPVL3BJKuAa4BGDx4cBJCikHtQ1G1bcSJHYxxxFA4Bqb/N7z6C8gbFIxYsppgqOvg4+Doi4ME%0AMeBoH3fvXAcSJWHUdnKcA/zJzGZLivKEeDkwKGG5MFyXaCJwuwUdKYslLQUOAw4ElppZBYCkKcBY%0Agg7yvYMzmwxMhqAPI0Jc6afoZDjrdvjTeFBmMIooqzP8+dLWjaOmCh4eR1j9BciAznlw0g+CBDFo%0ADGR1at2YnHNpI0rCmC3pBeBQ4DZJ3diTRBozHThEUhFBorgEuKzOPp8BpwH/kNQfGAYsIfjGOi6c%0A1W9HuE/77c02g7L/BWVBTSUUjIbBdVvvWsln70P5dDjiIhj3G+jcI544nHNpJ0rCmEjQ/LTYzLaH%0AEypd3cQxmFmVpOuAaQRNTA+Y2TxJk8Lt9wE/Bx6SNJcgSdxsZuuAdZKeBGYSdILPIryLaJfm/AWW%0AvBYMMz3uxuChqNP/NZ5ZxGb/ec+DWavKfMikc+4LTc6HASDpEmComf1C0iCgn5nNSHl0zdQmh9Vu%0AWwd3jYSqHfCNKTD0lH0fkmoNda8ZRwzOuVbXnGG1TfZFSLob+BJwebhqG3Bfy8Nze5l2G+zeBuPu%0ACpIF7P1QVGtp7MEs55wjWpPUWDMrljQLwMw2SKpn7kTXbIv/HjRHnfwjGHX53tuKTm7dv+zrG77b%0A2jE459JalNFOu8NRUQYgqQ9Qk9KoOoLKbfD896DPIcEoJOecS3MNJgxJtXcf9wBPAfmSfkZQsuNX%0ArRBb+/baL4OZyc73EtHOubahsSapD4BiM/uTpBnA6QQjmb5mZh+2SnTt1cpZ8N7v4Zgr4cCxcUfj%0AnHORNJYwvqjxYGbzgHmpD6cDqK6Cqd+Frv3g9J/FHY1zzkXWWMLIl/T9hjaa2X+lIJ727717YPUc%0A+PqfgilInXOujWgsYWQSVJD1anLJsmEpvPYfMOxcOPz8uKNxzrlmaSxhrDKzf2u1SNo7M3j+RsjI%0AgnPv9Kquzrk2J1IfhkuC2Y/BktfhnDuhx8C4o3HOuWZr7DmM01otivZu27rgie5Bx0JJk2W4nHMu%0ALTWYMMxsQ2sG0q69eCvs2gLjfgsZUZ6VdM659OPfXqm2+O8w93E46fvQ77C4o3HOuRbzhJFKteU/%0A+h7q5T+cc21elOKDrqVqy39MfNFnqnPOtXl+h5Eq5TPD8h8T4cDj447GOef2W0oThqSzJC2StFjS%0ALfVs7ynpOUmzJc2TNDFhW56kJyUtlLRAUtv51q3eDc+F5T/O8PIfzrn2IWVNUpIyCSrdngGsAKZL%0Ammpm8xN2uxaYb2bjJOUDiyQ9amaVwF3Ai2b21XD+jS6pijXp3r0HVs+Fr/8PdO4ZdzTOOZcUqbzD%0AGEMwD/iSMAE8Boyvs48B3SWJoAzJBqBKUk/gZOCPAGZWaWYbUxhr8mxYAq/Xlv8YF3c0zjmXNKlM%0AGAXA8oTlFeG6RHcDhwMrgbnADWZWAxQBFcCDkmZJul9S1xTGmhxm8NyNkJHt5T+cc+1O3J3eZwJl%0AwEBgJHC3pB4ETWXFwL1mNopgHvF9+kAAJF0jqVRSaUVFRSuF3YDZf4alb8DpP/HyH865dieVCaMc%0AGJSwXBiuSzQRmGKBxcBS4DCCu5EVZvZ+uN+TBAlkH2Y22cxKzKwkPz8/qT9As2yt8PIfzrl2LZUJ%0AYzpwiKSisNP6EmBqnX0+I6xZJak/MAxYYmargeWShoX7nQbMJ51NuxV2bfXyH865ditlo6TMrErS%0AdcA0grk1HjCzeZImhdvvA34OPCRpLkF13JvNbF14iuuBR8Nks4TgbiQ9ffwyzH0CTrnZy38459ot%0AmVncMSRNSUmJlZaWtu5Fd22F3x8P2Z1h0lv+RLdzrk2RNMPMSqLs66VB9tdrv4RNXv7DOdf+eWP7%0A/iifAe/f6+U/nHMdgieMlqreDVNv8PIfzrkOw5ukWurdu2GNl/9wznUcfofREus/gddvh8POg+Hn%0Axx2Nc861Ck8YzWUWTIqUmQPn3BF3NM4512q8Saq5yv43KP9x7q+9/IdzrkPxO4zm2FoBL/0YBh0H%0Ax1wVdzTOOdeqPGE0x4u3hOU/7vLyH865Dse/9aL6+GX48Ek46Qde/sM51yF5wohi19ago7vvMDjp%0A+3FH45xzsfBO7yhe+wVsWu7lP5xzHZrfYTSlfAa8fx+UXOXlP5xzHZonjMZU74ap34Vu/eH0n8Yd%0AjXPOxcqbpBrzzu9gzYdw8SNe/sM51+H5HUZD1n8Cb/wqKP9x+Li4o3HOudilNGFIOkvSIkmLJd1S%0Az/aekp6TNFvSPEkT62zPlDRL0vOpjHMfZvD8jWH5jztb9dLOOZeuUpYwJGUC9wBnA8OBSyUNr7Pb%0AtcB8MzsaOBX4dTgla60bgAWpirFBZY/C0jeDfoseA1r98s45l45SeYcxBlhsZkvMrBJ4DBhfZx8D%0AuksS0A3YAFQBSCoEzgXuT2GM+9q6Fqb9GAYfH0yM5JxzDkhtwigAlicsrwjXJbobOBxYCcwFbjCz%0AmnDbb4AfATW0phdvgd3bvfyHc87VEfc34plAGTAQGAncLamHpPOAtWY2o6kTSLpGUqmk0oqKiv2L%0A5qOX4MOngvIf+cP271zOOdfOpDJhlAODEpYLw3WJJgJTLLAYWAocBpwAnC9pGUFT1pclPVLfRcxs%0AspmVmFlJfn5+y6PdtRX++v2g/MeJ32v5eZxzrp1KZcKYDhwiqSjsyL4EmFpnn8+A0wAk9QeGAUvM%0A7FYzKzSzIeFxr5rZ5UmP8K3fBJ3bAK/+e1D+Y/RV8N69Sb+Uc861dSlLGGZWBVwHTCMY6fS4mc2T%0ANEnSpHC3nwNjJc0FXgFuNrN1qYppHwXF8MSV8MH9QfmPQ8+GN/4zWO+cc24vMrO4Y0iakpISKy0t%0Abd5Bn7wKj3wVsnOD5y6+/jAUnZyaAJ1zLs1ImmFmJVH2jbvTO36Fo6HfcKjcCqO/5cnCOeca4Alj%0A5SzYshJO/hGU/nFPn4Zzzrm9dOyEsfTNoA/jaw/Bl38c/PvElZ40nHOuHh07YZTPDJJEbTNU0cnB%0AcvnMOKNyzrm01LHLm594477rik72fgznnKtHx77DcM45F5knDOecc5F4wnDOOReJJwznnHOReMJw%0AzjkXSbsqDSKpAvg07jga0RdovVpZLddW4oS2E6vHmXxtJdZ0j/NAM4tU6rtdJYx0J6k0as2WOLWV%0AOKHtxOpxJl9bibWtxBmFN0k555yLxBOGc865SDxhtK7JcQcQUVuJE9pOrB5n8rWVWNtKnE3yPgzn%0AnHOR+B2Gc865SDxhJJmkQZJekzRf0jxJN9Szz6mSNkkqC1//GlOsyyTNDWPYZ6pCBX4rabGkOZJi%0AmbtW0rCEz6pM0mZJN9bZJ5bPVNIDktZK+jBhXW9JL0v6OPy3VwPHniVpUfj53hJDnHdIWhj+t31a%0AUl4Dxzb6e9IKcf5UUnnCf9tzGji21T7PRmL9S0KcyySVNXBsq32mSWVm/kriCxgAFIfvuwMfAcPr%0A7HMq8HwaxLoM6NvI9nOAvwECjgPeT4OYM4HVBGPHY/9MgZOBYuDDhHX/CdwSvr8F+FUDP8cnwEFA%0ADjC77u9JK8T5FSArfP+r+uKM8nvSCnH+FPhhhN+LVvs8G4q1zvZfA/8a92eazJffYSSZma0ys5nh%0A+y3AAqAg3qhabDzwJwu8B+RJGhBzTKcBn5hZWjygaWZvAhvqrB4PPBy+fxi4oJ5DxwCLzWyJmVUC%0Aj4XHtVqcZvaSmVWFi+8Bham6flQNfJ5RtOrnCY3HKknA14E/pzKG1uYJI4UkDQFGAe/Xs3ls2BTw%0AN0lHtGpgexjwd0kzJF1Tz/YCYHnC8griT36X0PD/hOnwmQL0N7NV4fvVQP969km3z/YqgrvJ+jT1%0Ae9Iarg//2z7QQBNfun2eJwFrzOzjBranw2fabJ4wUkRSN+Ap4EYz21xn80xgsJkdBfwOeKa14wud%0AaGYjgbOBayWl9cxRknKA84En6tmcLp/pXixof0jroYiSfgxUAY82sEvcvyf3EjQ1jQRWETT1pLtL%0AafzuIu7PtEU8YaSApGyCZPGomU2pu93MNpvZ1vD9C0C2pL6tHCZmVh7+uxZ4muC2PlE5MChhuTBc%0AF5ezgZlmtqbuhnT5TENrapvuwn/X1rNPWny2kq4EzgO+ESa3fUT4PUkpM1tjZtVmVgP8dwPXT4vP%0AE0BSFjAB+EtD+8T9mbaUJ4wkC9su/wgsMLP/amCfA8L9kDSG4L/D+taLEiR1ldS99j1BB+iHdXab%0AClwRjpY6DtiU0NQShwb/akuHzzTBVOCfwvf/BDxbzz7TgUMkFYV3TpeEx7UaSWcBPwLON7PtDewT%0A5fckper0m13YwPVj/zwTnA4sNLMV9W1Mh8+0xeLudW9vL+BEgiaIOUBZ+DoHmARMCve5DphHMJLj%0APWBsDHEeFF5/dhjLj8P1iXEKuIdg9MlcoCTGz7UrQQLombAu9s+UIIGtAnYTtJtfDfQBXgE+Bv4O%0A9A73HQi8kHDsOQSj6D6p/fxbOc7FBO3+tb+n99WNs6Hfk1aO83/C3785BElgQNyfZ0Oxhusfqv29%0ATNg3ts80mS9/0ts551wk3iTlnHMuEk8YzjnnIvGE4ZxzLhJPGM455yLxhOGccy4STxiuw5E0JLHC%0AaBLP+2+STm9in59K+mFrxeRcMmXFHYBz7YWZxVKmHkBSpplVx3V91zH4HYbr0CQdJGmWpNF11p8q%0A6XVJT4ZzRjya8CT5MZLeCAvHTUsoA/KQpK+G788Jj5uhYE6R5xNOPzw89xJJ301YnxVeZ0F43S7h%0AuU4LY5wbFt/rFK5fJulXkmYCX5P0XQXzsMyR9FgKPzbXQXnCcB2WpGEENb+uNLPp9ewyCrgRGE7w%0AdO4JYZ2w3wFfNbNjgAeAX9Q5b2fgD8DZ4T75dc57GHAmQf2gn4TnBBgG/N7MDgc2A/8cnush4GIz%0AO5KgVeA7Cedab2bFZvYYwdwboywowDip2R+Ic03whOE6qnyCGk/fMLPZDezzgZmtsKDoXRkwhOBL%0AfQTwcjib2r+w7zwShwFLzGxpuFy3/tVfzWyXma0jKExYW/58uZm9Hb5/hKDMzDBgqZl9FK5/mGDi%0AnlqJBe7mAI9Kupyg+qxzSeV9GK6j2gR8RvClPL+BfXYlvK8m+P9FwDwzO34/rl3feWHfMuhR6vZs%0AS3h/LkEyGQf8WNKRtmeCJOf2m99huI6qkqDy6RWSLmvGcYuAfEnHQ1DKvp7JmhYBB4UTaAFcHPHc%0Ag2vPC1wGvBWea4ikg8P13wTeqHugpAxgkJm9BtwM9AS6Rbyuc5H4HYbrsMxsm6TzCJqXtppZk+Ww%0Azawy7Nj+raSeBP8P/Yag6mjtPjsk/TPwoqRtBKW3o1hEMJnOAwR3Pfea2U5JE4EnwnkWpgP31XNs%0AJvBIGJOA35rZxojXdS4Sr1brXApI6mZmW8ORVfcAH5vZ/4s7Luf2hzdJOZca3w47xecRNA/9IeZ4%0AnNtvfofhnHMuEr/DcM45F4knDOecc5F4wnDOOReJJwznnHOReMJwzjkXiScM55xzkfx/Ipfqe1gs%0AJqcAAAAASUVORK5CYII=">
-            <a:extLst>
-              <a:ext uri="{FF2B5EF4-FFF2-40B4-BE49-F238E27FC236}">
-                <a16:creationId xmlns:a16="http://schemas.microsoft.com/office/drawing/2014/main" id="{D5F5E6A5-BDCE-4CC5-9C00-9937FCE1190A}"/>
-              </a:ext>
-            </a:extLst>
-          </p:cNvPr>
-          <p:cNvSpPr>
-            <a:spLocks noChangeAspect="1" noChangeArrowheads="1"/>
-          </p:cNvSpPr>
-          <p:nvPr/>
-        </p:nvSpPr>
-        <p:spPr bwMode="auto">
-          <a:xfrm>
-            <a:off x="5943600" y="3276600"/>
-            <a:ext cx="304800" cy="304800"/>
-          </a:xfrm>
-          <a:prstGeom prst="rect">
-            <a:avLst/>
-          </a:prstGeom>
-          <a:noFill/>
-          <a:extLst>
-            <a:ext uri="{909E8E84-426E-40DD-AFC4-6F175D3DCCD1}">
-              <a14:hiddenFill xmlns:a14="http://schemas.microsoft.com/office/drawing/2010/main">
-                <a:solidFill>
-                  <a:srgbClr val="FFFFFF"/>
-                </a:solidFill>
-              </a14:hiddenFill>
-            </a:ext>
-          </a:extLst>
-        </p:spPr>
-        <p:txBody>
-          <a:bodyPr vert="horz" wrap="square" lIns="91440" tIns="45720" rIns="91440" bIns="45720" numCol="1" anchor="t" anchorCtr="0" compatLnSpc="1">
-            <a:prstTxWarp prst="textNoShape">
-              <a:avLst/>
-            </a:prstTxWarp>
-          </a:bodyPr>
-          <a:lstStyle/>
-          <a:p>
-            <a:endParaRPr lang="en-US"/>
+            </a:br>
+            <a:r>
+              <a:rPr lang="en-US" b="1" dirty="0" smtClean="0">
+                <a:latin typeface="Open Sans Condensed"/>
+              </a:rPr>
+              <a:t>SIZE</a:t>
+            </a:r>
+            <a:endParaRPr lang="en-US" b="1" dirty="0">
+              <a:latin typeface="Open Sans Condensed"/>
+            </a:endParaRPr>
           </a:p>
         </p:txBody>
       </p:sp>
       <p:pic>
         <p:nvPicPr>
-          <p:cNvPr id="6" name="Picture 5">
-            <a:extLst>
-              <a:ext uri="{FF2B5EF4-FFF2-40B4-BE49-F238E27FC236}">
-                <a16:creationId xmlns:a16="http://schemas.microsoft.com/office/drawing/2014/main" id="{7944DBB5-4AF1-42BA-8BC0-A86E5ECDAD07}"/>
-              </a:ext>
-            </a:extLst>
-          </p:cNvPr>
+          <p:cNvPr id="12" name="Picture 11"/>
           <p:cNvPicPr>
             <a:picLocks noChangeAspect="1"/>
           </p:cNvPicPr>
@@ -6825,8 +6109,8 @@
         </p:blipFill>
         <p:spPr>
           <a:xfrm>
-            <a:off x="4712428" y="1899198"/>
-            <a:ext cx="6392182" cy="4013854"/>
+            <a:off x="3759339" y="180350"/>
+            <a:ext cx="8293100" cy="6578600"/>
           </a:xfrm>
           <a:prstGeom prst="rect">
             <a:avLst/>
@@ -6836,7 +6120,7 @@
     </p:spTree>
     <p:extLst>
       <p:ext uri="{BB962C8B-B14F-4D97-AF65-F5344CB8AC3E}">
-        <p14:creationId xmlns:p14="http://schemas.microsoft.com/office/powerpoint/2010/main" val="3272232926"/>
+        <p14:creationId xmlns:p14="http://schemas.microsoft.com/office/powerpoint/2010/main" val="4113093934"/>
       </p:ext>
     </p:extLst>
   </p:cSld>
@@ -6863,12 +6147,36 @@
           <a:chExt cx="0" cy="0"/>
         </a:xfrm>
       </p:grpSpPr>
-      <p:sp>
-        <p:nvSpPr>
-          <p:cNvPr id="2" name="Title 1">
-            <a:extLst>
-              <a:ext uri="{FF2B5EF4-FFF2-40B4-BE49-F238E27FC236}">
-                <a16:creationId xmlns:a16="http://schemas.microsoft.com/office/drawing/2014/main" id="{72B1AE2E-A459-452C-8D80-232AF9D90D46}"/>
+      <p:pic>
+        <p:nvPicPr>
+          <p:cNvPr id="5" name="Picture 4"/>
+          <p:cNvPicPr>
+            <a:picLocks noChangeAspect="1"/>
+          </p:cNvPicPr>
+          <p:nvPr/>
+        </p:nvPicPr>
+        <p:blipFill>
+          <a:blip r:embed="rId2"/>
+          <a:stretch>
+            <a:fillRect/>
+          </a:stretch>
+        </p:blipFill>
+        <p:spPr>
+          <a:xfrm>
+            <a:off x="335280" y="0"/>
+            <a:ext cx="7493000" cy="6807200"/>
+          </a:xfrm>
+          <a:prstGeom prst="rect">
+            <a:avLst/>
+          </a:prstGeom>
+        </p:spPr>
+      </p:pic>
+      <p:sp>
+        <p:nvSpPr>
+          <p:cNvPr id="9" name="Title 1">
+            <a:extLst>
+              <a:ext uri="{FF2B5EF4-FFF2-40B4-BE49-F238E27FC236}">
+                <a16:creationId xmlns:a16="http://schemas.microsoft.com/office/drawing/2014/main" xmlns="" id="{72B1AE2E-A459-452C-8D80-232AF9D90D46}"/>
               </a:ext>
             </a:extLst>
           </p:cNvPr>
@@ -6879,98 +6187,45 @@
             <p:ph type="title"/>
           </p:nvPr>
         </p:nvSpPr>
-        <p:spPr/>
+        <p:spPr>
+          <a:xfrm>
+            <a:off x="6172200" y="614680"/>
+            <a:ext cx="5775960" cy="3881120"/>
+          </a:xfrm>
+        </p:spPr>
         <p:txBody>
           <a:bodyPr/>
           <a:lstStyle/>
           <a:p>
             <a:pPr algn="ctr"/>
             <a:r>
-              <a:rPr lang="en-US" dirty="0">
+              <a:rPr lang="en-US" smtClean="0">
                 <a:latin typeface="Open Sans Condensed"/>
               </a:rPr>
-              <a:t>TESTING AND TWEAKING - RONESSA</a:t>
-            </a:r>
-          </a:p>
-        </p:txBody>
-      </p:sp>
-      <p:sp>
-        <p:nvSpPr>
-          <p:cNvPr id="5" name="Content Placeholder 4">
-            <a:extLst>
-              <a:ext uri="{FF2B5EF4-FFF2-40B4-BE49-F238E27FC236}">
-                <a16:creationId xmlns:a16="http://schemas.microsoft.com/office/drawing/2014/main" id="{9CA6F168-F43F-47E7-87E7-C799C1DF125B}"/>
-              </a:ext>
-            </a:extLst>
-          </p:cNvPr>
-          <p:cNvSpPr>
-            <a:spLocks noGrp="1"/>
-          </p:cNvSpPr>
-          <p:nvPr>
-            <p:ph idx="1"/>
-          </p:nvPr>
-        </p:nvSpPr>
-        <p:spPr/>
-        <p:txBody>
-          <a:bodyPr/>
-          <a:lstStyle/>
-          <a:p>
-            <a:pPr marL="0" indent="0">
-              <a:buNone/>
-            </a:pPr>
-            <a:r>
-              <a:rPr lang="en-US" dirty="0"/>
-              <a:t>MERGE WITH BEER FEATURES</a:t>
-            </a:r>
-          </a:p>
-          <a:p>
-            <a:pPr marL="0" indent="0">
-              <a:buNone/>
-            </a:pPr>
-            <a:r>
-              <a:rPr lang="en-US" dirty="0"/>
-              <a:t>2 DATASETS (TRIED AND NOT TRIED)</a:t>
-            </a:r>
-          </a:p>
-          <a:p>
-            <a:pPr marL="0" indent="0">
-              <a:buNone/>
-            </a:pPr>
-            <a:r>
-              <a:rPr lang="en-US" dirty="0"/>
-              <a:t>TRIED  - SPLIT TRAIN TEST</a:t>
-            </a:r>
-          </a:p>
-          <a:p>
-            <a:pPr marL="0" indent="0">
-              <a:buNone/>
-            </a:pPr>
-            <a:r>
-              <a:rPr lang="en-US" dirty="0"/>
-              <a:t>USED TO FIT THE MODEL</a:t>
-            </a:r>
-          </a:p>
-          <a:p>
-            <a:pPr marL="0" indent="0">
-              <a:buNone/>
-            </a:pPr>
-            <a:r>
-              <a:rPr lang="en-US" dirty="0"/>
-              <a:t>10%</a:t>
-            </a:r>
-          </a:p>
-          <a:p>
-            <a:pPr marL="0" indent="0">
-              <a:buNone/>
-            </a:pPr>
-            <a:endParaRPr lang="en-US" dirty="0"/>
+              <a:t>MAKING </a:t>
+            </a:r>
+            <a:r>
+              <a:rPr lang="en-US" b="1" smtClean="0">
+                <a:latin typeface="Open Sans Condensed"/>
+              </a:rPr>
+              <a:t>RECOMMEDATIONS</a:t>
+            </a:r>
+            <a:r>
+              <a:rPr lang="en-US" smtClean="0">
+                <a:latin typeface="Open Sans Condensed"/>
+              </a:rPr>
+              <a:t> </a:t>
+            </a:r>
+            <a:endParaRPr lang="en-US" dirty="0">
+              <a:latin typeface="Open Sans Condensed"/>
+            </a:endParaRPr>
           </a:p>
         </p:txBody>
       </p:sp>
     </p:spTree>
     <p:extLst>
       <p:ext uri="{BB962C8B-B14F-4D97-AF65-F5344CB8AC3E}">
-        <p14:creationId xmlns:p14="http://schemas.microsoft.com/office/powerpoint/2010/main" val="4113093934"/>
+        <p14:creationId xmlns:p14="http://schemas.microsoft.com/office/powerpoint/2010/main" val="578202431"/>
       </p:ext>
     </p:extLst>
   </p:cSld>
@@ -7002,7 +6257,7 @@
           <p:cNvPr id="2" name="Title 1">
             <a:extLst>
               <a:ext uri="{FF2B5EF4-FFF2-40B4-BE49-F238E27FC236}">
-                <a16:creationId xmlns:a16="http://schemas.microsoft.com/office/drawing/2014/main" id="{0C14054A-8468-4400-AD33-9B651D5C98EC}"/>
+                <a16:creationId xmlns:a16="http://schemas.microsoft.com/office/drawing/2014/main" xmlns="" id="{0C14054A-8468-4400-AD33-9B651D5C98EC}"/>
               </a:ext>
             </a:extLst>
           </p:cNvPr>
@@ -7045,7 +6300,7 @@
           <p:cNvPr id="3" name="Content Placeholder 2">
             <a:extLst>
               <a:ext uri="{FF2B5EF4-FFF2-40B4-BE49-F238E27FC236}">
-                <a16:creationId xmlns:a16="http://schemas.microsoft.com/office/drawing/2014/main" id="{25F39FBB-1963-460D-AA2A-2486A5BB24C0}"/>
+                <a16:creationId xmlns:a16="http://schemas.microsoft.com/office/drawing/2014/main" xmlns="" id="{25F39FBB-1963-460D-AA2A-2486A5BB24C0}"/>
               </a:ext>
             </a:extLst>
           </p:cNvPr>
@@ -7111,7 +6366,7 @@
           <p:cNvPr id="2" name="Title 1">
             <a:extLst>
               <a:ext uri="{FF2B5EF4-FFF2-40B4-BE49-F238E27FC236}">
-                <a16:creationId xmlns:a16="http://schemas.microsoft.com/office/drawing/2014/main" id="{0D4B4BF5-7A5C-45E0-AD48-B8316BF0A5D5}"/>
+                <a16:creationId xmlns:a16="http://schemas.microsoft.com/office/drawing/2014/main" xmlns="" id="{0D4B4BF5-7A5C-45E0-AD48-B8316BF0A5D5}"/>
               </a:ext>
             </a:extLst>
           </p:cNvPr>
@@ -7148,7 +6403,7 @@
           <p:cNvPr id="3" name="Content Placeholder 2">
             <a:extLst>
               <a:ext uri="{FF2B5EF4-FFF2-40B4-BE49-F238E27FC236}">
-                <a16:creationId xmlns:a16="http://schemas.microsoft.com/office/drawing/2014/main" id="{B8C2CD95-6913-4711-B3CE-F4D8AF76A44E}"/>
+                <a16:creationId xmlns:a16="http://schemas.microsoft.com/office/drawing/2014/main" xmlns="" id="{B8C2CD95-6913-4711-B3CE-F4D8AF76A44E}"/>
               </a:ext>
             </a:extLst>
           </p:cNvPr>
@@ -7191,7 +6446,7 @@
           <p:cNvPr id="1026" name="Picture 2" descr="BeerAdvocate">
             <a:extLst>
               <a:ext uri="{FF2B5EF4-FFF2-40B4-BE49-F238E27FC236}">
-                <a16:creationId xmlns:a16="http://schemas.microsoft.com/office/drawing/2014/main" id="{2A614E11-84E2-479F-A273-C478A43C4216}"/>
+                <a16:creationId xmlns:a16="http://schemas.microsoft.com/office/drawing/2014/main" xmlns="" id="{2A614E11-84E2-479F-A273-C478A43C4216}"/>
               </a:ext>
             </a:extLst>
           </p:cNvPr>
@@ -7268,7 +6523,7 @@
           <p:cNvPr id="6" name="Title 5">
             <a:extLst>
               <a:ext uri="{FF2B5EF4-FFF2-40B4-BE49-F238E27FC236}">
-                <a16:creationId xmlns:a16="http://schemas.microsoft.com/office/drawing/2014/main" id="{B26819F1-3713-4400-965F-285FB4C8B980}"/>
+                <a16:creationId xmlns:a16="http://schemas.microsoft.com/office/drawing/2014/main" xmlns="" id="{B26819F1-3713-4400-965F-285FB4C8B980}"/>
               </a:ext>
             </a:extLst>
           </p:cNvPr>
@@ -7306,7 +6561,7 @@
           <p:cNvPr id="4" name="Content Placeholder 3">
             <a:extLst>
               <a:ext uri="{FF2B5EF4-FFF2-40B4-BE49-F238E27FC236}">
-                <a16:creationId xmlns:a16="http://schemas.microsoft.com/office/drawing/2014/main" id="{707CCF82-FE7F-448B-925E-022E638CC1DE}"/>
+                <a16:creationId xmlns:a16="http://schemas.microsoft.com/office/drawing/2014/main" xmlns="" id="{707CCF82-FE7F-448B-925E-022E638CC1DE}"/>
               </a:ext>
             </a:extLst>
           </p:cNvPr>
@@ -7338,7 +6593,7 @@
           <p:cNvPr id="5" name="Picture 2" descr="Different Types of Beer  ">
             <a:extLst>
               <a:ext uri="{FF2B5EF4-FFF2-40B4-BE49-F238E27FC236}">
-                <a16:creationId xmlns:a16="http://schemas.microsoft.com/office/drawing/2014/main" id="{FB305459-B699-4DFB-BA79-4FBBDC1839E7}"/>
+                <a16:creationId xmlns:a16="http://schemas.microsoft.com/office/drawing/2014/main" xmlns="" id="{FB305459-B699-4DFB-BA79-4FBBDC1839E7}"/>
               </a:ext>
             </a:extLst>
           </p:cNvPr>
@@ -7385,7 +6640,7 @@
           <p:cNvPr id="7" name="Picture 6">
             <a:extLst>
               <a:ext uri="{FF2B5EF4-FFF2-40B4-BE49-F238E27FC236}">
-                <a16:creationId xmlns:a16="http://schemas.microsoft.com/office/drawing/2014/main" id="{D5F4E3BC-3980-4B81-B91E-3707E7B8EBF4}"/>
+                <a16:creationId xmlns:a16="http://schemas.microsoft.com/office/drawing/2014/main" xmlns="" id="{D5F4E3BC-3980-4B81-B91E-3707E7B8EBF4}"/>
               </a:ext>
             </a:extLst>
           </p:cNvPr>
@@ -7445,7 +6700,7 @@
           <p:cNvPr id="2" name="Title 1">
             <a:extLst>
               <a:ext uri="{FF2B5EF4-FFF2-40B4-BE49-F238E27FC236}">
-                <a16:creationId xmlns:a16="http://schemas.microsoft.com/office/drawing/2014/main" id="{142E9EC1-5BE2-4563-9041-1B1161668548}"/>
+                <a16:creationId xmlns:a16="http://schemas.microsoft.com/office/drawing/2014/main" xmlns="" id="{142E9EC1-5BE2-4563-9041-1B1161668548}"/>
               </a:ext>
             </a:extLst>
           </p:cNvPr>
@@ -7473,7 +6728,7 @@
           <p:cNvPr id="11" name="Picture 10">
             <a:extLst>
               <a:ext uri="{FF2B5EF4-FFF2-40B4-BE49-F238E27FC236}">
-                <a16:creationId xmlns:a16="http://schemas.microsoft.com/office/drawing/2014/main" id="{D4CD50C2-A61C-4E36-8575-8919C5354CDF}"/>
+                <a16:creationId xmlns:a16="http://schemas.microsoft.com/office/drawing/2014/main" xmlns="" id="{D4CD50C2-A61C-4E36-8575-8919C5354CDF}"/>
               </a:ext>
             </a:extLst>
           </p:cNvPr>
@@ -7503,7 +6758,7 @@
           <p:cNvPr id="12" name="Picture 11">
             <a:extLst>
               <a:ext uri="{FF2B5EF4-FFF2-40B4-BE49-F238E27FC236}">
-                <a16:creationId xmlns:a16="http://schemas.microsoft.com/office/drawing/2014/main" id="{79B5FDBC-9C51-4F3A-B35F-3165B6156110}"/>
+                <a16:creationId xmlns:a16="http://schemas.microsoft.com/office/drawing/2014/main" xmlns="" id="{79B5FDBC-9C51-4F3A-B35F-3165B6156110}"/>
               </a:ext>
             </a:extLst>
           </p:cNvPr>
@@ -7533,7 +6788,7 @@
           <p:cNvPr id="16" name="Picture 15">
             <a:extLst>
               <a:ext uri="{FF2B5EF4-FFF2-40B4-BE49-F238E27FC236}">
-                <a16:creationId xmlns:a16="http://schemas.microsoft.com/office/drawing/2014/main" id="{874B8F7B-8226-4438-A6B6-9A7342ED5F4B}"/>
+                <a16:creationId xmlns:a16="http://schemas.microsoft.com/office/drawing/2014/main" xmlns="" id="{874B8F7B-8226-4438-A6B6-9A7342ED5F4B}"/>
               </a:ext>
             </a:extLst>
           </p:cNvPr>
@@ -7563,7 +6818,7 @@
           <p:cNvPr id="17" name="Picture 16">
             <a:extLst>
               <a:ext uri="{FF2B5EF4-FFF2-40B4-BE49-F238E27FC236}">
-                <a16:creationId xmlns:a16="http://schemas.microsoft.com/office/drawing/2014/main" id="{EAAA7564-F681-4BD0-9CE5-8954713FA5C6}"/>
+                <a16:creationId xmlns:a16="http://schemas.microsoft.com/office/drawing/2014/main" xmlns="" id="{EAAA7564-F681-4BD0-9CE5-8954713FA5C6}"/>
               </a:ext>
             </a:extLst>
           </p:cNvPr>
@@ -7593,7 +6848,7 @@
           <p:cNvPr id="20" name="Content Placeholder 19">
             <a:extLst>
               <a:ext uri="{FF2B5EF4-FFF2-40B4-BE49-F238E27FC236}">
-                <a16:creationId xmlns:a16="http://schemas.microsoft.com/office/drawing/2014/main" id="{67E6039B-0438-408D-9063-444235D4BE47}"/>
+                <a16:creationId xmlns:a16="http://schemas.microsoft.com/office/drawing/2014/main" xmlns="" id="{67E6039B-0438-408D-9063-444235D4BE47}"/>
               </a:ext>
             </a:extLst>
           </p:cNvPr>
@@ -7625,7 +6880,7 @@
           <p:cNvPr id="21" name="Table 20">
             <a:extLst>
               <a:ext uri="{FF2B5EF4-FFF2-40B4-BE49-F238E27FC236}">
-                <a16:creationId xmlns:a16="http://schemas.microsoft.com/office/drawing/2014/main" id="{0EF7DD57-B058-4A9E-84B6-A457269D5D38}"/>
+                <a16:creationId xmlns:a16="http://schemas.microsoft.com/office/drawing/2014/main" xmlns="" id="{0EF7DD57-B058-4A9E-84B6-A457269D5D38}"/>
               </a:ext>
             </a:extLst>
           </p:cNvPr>
@@ -7654,35 +6909,35 @@
                 <a:gridCol w="2290204">
                   <a:extLst>
                     <a:ext uri="{9D8B030D-6E8A-4147-A177-3AD203B41FA5}">
-                      <a16:colId xmlns:a16="http://schemas.microsoft.com/office/drawing/2014/main" val="902013194"/>
+                      <a16:colId xmlns:a16="http://schemas.microsoft.com/office/drawing/2014/main" xmlns="" val="902013194"/>
                     </a:ext>
                   </a:extLst>
                 </a:gridCol>
                 <a:gridCol w="2290204">
                   <a:extLst>
                     <a:ext uri="{9D8B030D-6E8A-4147-A177-3AD203B41FA5}">
-                      <a16:colId xmlns:a16="http://schemas.microsoft.com/office/drawing/2014/main" val="617625315"/>
+                      <a16:colId xmlns:a16="http://schemas.microsoft.com/office/drawing/2014/main" xmlns="" val="617625315"/>
                     </a:ext>
                   </a:extLst>
                 </a:gridCol>
                 <a:gridCol w="2290204">
                   <a:extLst>
                     <a:ext uri="{9D8B030D-6E8A-4147-A177-3AD203B41FA5}">
-                      <a16:colId xmlns:a16="http://schemas.microsoft.com/office/drawing/2014/main" val="3027590113"/>
+                      <a16:colId xmlns:a16="http://schemas.microsoft.com/office/drawing/2014/main" xmlns="" val="3027590113"/>
                     </a:ext>
                   </a:extLst>
                 </a:gridCol>
                 <a:gridCol w="2290204">
                   <a:extLst>
                     <a:ext uri="{9D8B030D-6E8A-4147-A177-3AD203B41FA5}">
-                      <a16:colId xmlns:a16="http://schemas.microsoft.com/office/drawing/2014/main" val="3531415816"/>
+                      <a16:colId xmlns:a16="http://schemas.microsoft.com/office/drawing/2014/main" xmlns="" val="3531415816"/>
                     </a:ext>
                   </a:extLst>
                 </a:gridCol>
                 <a:gridCol w="2290204">
                   <a:extLst>
                     <a:ext uri="{9D8B030D-6E8A-4147-A177-3AD203B41FA5}">
-                      <a16:colId xmlns:a16="http://schemas.microsoft.com/office/drawing/2014/main" val="1794079223"/>
+                      <a16:colId xmlns:a16="http://schemas.microsoft.com/office/drawing/2014/main" xmlns="" val="1794079223"/>
                     </a:ext>
                   </a:extLst>
                 </a:gridCol>
@@ -7790,7 +7045,7 @@
                 </a:tc>
                 <a:extLst>
                   <a:ext uri="{0D108BD9-81ED-4DB2-BD59-A6C34878D82A}">
-                    <a16:rowId xmlns:a16="http://schemas.microsoft.com/office/drawing/2014/main" val="3368404803"/>
+                    <a16:rowId xmlns:a16="http://schemas.microsoft.com/office/drawing/2014/main" xmlns="" val="3368404803"/>
                   </a:ext>
                 </a:extLst>
               </a:tr>
@@ -7833,7 +7088,7 @@
           <p:cNvPr id="2" name="Title 1">
             <a:extLst>
               <a:ext uri="{FF2B5EF4-FFF2-40B4-BE49-F238E27FC236}">
-                <a16:creationId xmlns:a16="http://schemas.microsoft.com/office/drawing/2014/main" id="{7192BA70-6045-4F8B-B09B-7869C93D4620}"/>
+                <a16:creationId xmlns:a16="http://schemas.microsoft.com/office/drawing/2014/main" xmlns="" id="{7192BA70-6045-4F8B-B09B-7869C93D4620}"/>
               </a:ext>
             </a:extLst>
           </p:cNvPr>
@@ -7864,7 +7119,7 @@
           <p:cNvPr id="3" name="Content Placeholder 2">
             <a:extLst>
               <a:ext uri="{FF2B5EF4-FFF2-40B4-BE49-F238E27FC236}">
-                <a16:creationId xmlns:a16="http://schemas.microsoft.com/office/drawing/2014/main" id="{455999D4-87A6-47EE-BDAB-CC32AF090F2E}"/>
+                <a16:creationId xmlns:a16="http://schemas.microsoft.com/office/drawing/2014/main" xmlns="" id="{455999D4-87A6-47EE-BDAB-CC32AF090F2E}"/>
               </a:ext>
             </a:extLst>
           </p:cNvPr>
@@ -7916,7 +7171,7 @@
           <p:cNvPr id="4098" name="Picture 2" descr="Image result for BEER AROMA">
             <a:extLst>
               <a:ext uri="{FF2B5EF4-FFF2-40B4-BE49-F238E27FC236}">
-                <a16:creationId xmlns:a16="http://schemas.microsoft.com/office/drawing/2014/main" id="{0EDC8E40-DCFA-4F6E-B4DA-F4F030683349}"/>
+                <a16:creationId xmlns:a16="http://schemas.microsoft.com/office/drawing/2014/main" xmlns="" id="{0EDC8E40-DCFA-4F6E-B4DA-F4F030683349}"/>
               </a:ext>
             </a:extLst>
           </p:cNvPr>
@@ -7993,7 +7248,7 @@
           <p:cNvPr id="2" name="Title 1">
             <a:extLst>
               <a:ext uri="{FF2B5EF4-FFF2-40B4-BE49-F238E27FC236}">
-                <a16:creationId xmlns:a16="http://schemas.microsoft.com/office/drawing/2014/main" id="{3B3575E1-9842-4C1A-9276-434889AB41A4}"/>
+                <a16:creationId xmlns:a16="http://schemas.microsoft.com/office/drawing/2014/main" xmlns="" id="{3B3575E1-9842-4C1A-9276-434889AB41A4}"/>
               </a:ext>
             </a:extLst>
           </p:cNvPr>
@@ -8030,7 +7285,7 @@
           <p:cNvPr id="4" name="Content Placeholder 3">
             <a:extLst>
               <a:ext uri="{FF2B5EF4-FFF2-40B4-BE49-F238E27FC236}">
-                <a16:creationId xmlns:a16="http://schemas.microsoft.com/office/drawing/2014/main" id="{42EBFC34-07CA-4766-9861-C733ABE97EC4}"/>
+                <a16:creationId xmlns:a16="http://schemas.microsoft.com/office/drawing/2014/main" xmlns="" id="{42EBFC34-07CA-4766-9861-C733ABE97EC4}"/>
               </a:ext>
             </a:extLst>
           </p:cNvPr>
@@ -8062,7 +7317,7 @@
           <p:cNvPr id="5" name="Picture 4">
             <a:extLst>
               <a:ext uri="{FF2B5EF4-FFF2-40B4-BE49-F238E27FC236}">
-                <a16:creationId xmlns:a16="http://schemas.microsoft.com/office/drawing/2014/main" id="{45E4A64A-DB60-4978-98CD-425A66A8DBF5}"/>
+                <a16:creationId xmlns:a16="http://schemas.microsoft.com/office/drawing/2014/main" xmlns="" id="{45E4A64A-DB60-4978-98CD-425A66A8DBF5}"/>
               </a:ext>
             </a:extLst>
           </p:cNvPr>
@@ -8092,7 +7347,7 @@
           <p:cNvPr id="6" name="Picture 5">
             <a:extLst>
               <a:ext uri="{FF2B5EF4-FFF2-40B4-BE49-F238E27FC236}">
-                <a16:creationId xmlns:a16="http://schemas.microsoft.com/office/drawing/2014/main" id="{56B5E3C2-6E09-41F2-9ECE-6688ECFAB217}"/>
+                <a16:creationId xmlns:a16="http://schemas.microsoft.com/office/drawing/2014/main" xmlns="" id="{56B5E3C2-6E09-41F2-9ECE-6688ECFAB217}"/>
               </a:ext>
             </a:extLst>
           </p:cNvPr>
@@ -8122,7 +7377,7 @@
           <p:cNvPr id="7" name="Rectangle 6">
             <a:extLst>
               <a:ext uri="{FF2B5EF4-FFF2-40B4-BE49-F238E27FC236}">
-                <a16:creationId xmlns:a16="http://schemas.microsoft.com/office/drawing/2014/main" id="{97DF6A46-E5FC-4E2D-8D87-56F5E9655496}"/>
+                <a16:creationId xmlns:a16="http://schemas.microsoft.com/office/drawing/2014/main" xmlns="" id="{97DF6A46-E5FC-4E2D-8D87-56F5E9655496}"/>
               </a:ext>
             </a:extLst>
           </p:cNvPr>
@@ -8173,7 +7428,7 @@
           <p:cNvPr id="8" name="Rectangle 7">
             <a:extLst>
               <a:ext uri="{FF2B5EF4-FFF2-40B4-BE49-F238E27FC236}">
-                <a16:creationId xmlns:a16="http://schemas.microsoft.com/office/drawing/2014/main" id="{6102DC7A-9346-40C5-BBB4-4717A7575799}"/>
+                <a16:creationId xmlns:a16="http://schemas.microsoft.com/office/drawing/2014/main" xmlns="" id="{6102DC7A-9346-40C5-BBB4-4717A7575799}"/>
               </a:ext>
             </a:extLst>
           </p:cNvPr>
@@ -8224,7 +7479,7 @@
           <p:cNvPr id="9" name="Rectangle 8">
             <a:extLst>
               <a:ext uri="{FF2B5EF4-FFF2-40B4-BE49-F238E27FC236}">
-                <a16:creationId xmlns:a16="http://schemas.microsoft.com/office/drawing/2014/main" id="{CDA37157-0743-4E89-BEF1-CE3326052956}"/>
+                <a16:creationId xmlns:a16="http://schemas.microsoft.com/office/drawing/2014/main" xmlns="" id="{CDA37157-0743-4E89-BEF1-CE3326052956}"/>
               </a:ext>
             </a:extLst>
           </p:cNvPr>
@@ -8275,7 +7530,7 @@
           <p:cNvPr id="10" name="Rectangle 9">
             <a:extLst>
               <a:ext uri="{FF2B5EF4-FFF2-40B4-BE49-F238E27FC236}">
-                <a16:creationId xmlns:a16="http://schemas.microsoft.com/office/drawing/2014/main" id="{89B750D9-2FF3-45F0-8A42-AF27F1E33F82}"/>
+                <a16:creationId xmlns:a16="http://schemas.microsoft.com/office/drawing/2014/main" xmlns="" id="{89B750D9-2FF3-45F0-8A42-AF27F1E33F82}"/>
               </a:ext>
             </a:extLst>
           </p:cNvPr>
@@ -8326,7 +7581,7 @@
           <p:cNvPr id="11" name="Rectangle 10">
             <a:extLst>
               <a:ext uri="{FF2B5EF4-FFF2-40B4-BE49-F238E27FC236}">
-                <a16:creationId xmlns:a16="http://schemas.microsoft.com/office/drawing/2014/main" id="{80F4ED28-4854-41E7-9414-B39BAF8130AE}"/>
+                <a16:creationId xmlns:a16="http://schemas.microsoft.com/office/drawing/2014/main" xmlns="" id="{80F4ED28-4854-41E7-9414-B39BAF8130AE}"/>
               </a:ext>
             </a:extLst>
           </p:cNvPr>
@@ -8377,7 +7632,7 @@
           <p:cNvPr id="12" name="Rectangle 11">
             <a:extLst>
               <a:ext uri="{FF2B5EF4-FFF2-40B4-BE49-F238E27FC236}">
-                <a16:creationId xmlns:a16="http://schemas.microsoft.com/office/drawing/2014/main" id="{B7A0346D-B4F0-430B-BC27-C2B50D1542F0}"/>
+                <a16:creationId xmlns:a16="http://schemas.microsoft.com/office/drawing/2014/main" xmlns="" id="{B7A0346D-B4F0-430B-BC27-C2B50D1542F0}"/>
               </a:ext>
             </a:extLst>
           </p:cNvPr>
@@ -8428,7 +7683,7 @@
           <p:cNvPr id="13" name="Rectangle 12">
             <a:extLst>
               <a:ext uri="{FF2B5EF4-FFF2-40B4-BE49-F238E27FC236}">
-                <a16:creationId xmlns:a16="http://schemas.microsoft.com/office/drawing/2014/main" id="{C72D4019-CF4C-4D88-98F8-11609B1DED47}"/>
+                <a16:creationId xmlns:a16="http://schemas.microsoft.com/office/drawing/2014/main" xmlns="" id="{C72D4019-CF4C-4D88-98F8-11609B1DED47}"/>
               </a:ext>
             </a:extLst>
           </p:cNvPr>
@@ -8479,7 +7734,7 @@
           <p:cNvPr id="14" name="Rectangle 13">
             <a:extLst>
               <a:ext uri="{FF2B5EF4-FFF2-40B4-BE49-F238E27FC236}">
-                <a16:creationId xmlns:a16="http://schemas.microsoft.com/office/drawing/2014/main" id="{55B1B408-0885-4065-AD87-5DD6F2342B60}"/>
+                <a16:creationId xmlns:a16="http://schemas.microsoft.com/office/drawing/2014/main" xmlns="" id="{55B1B408-0885-4065-AD87-5DD6F2342B60}"/>
               </a:ext>
             </a:extLst>
           </p:cNvPr>
@@ -8560,7 +7815,7 @@
           <p:cNvPr id="2" name="Title 1">
             <a:extLst>
               <a:ext uri="{FF2B5EF4-FFF2-40B4-BE49-F238E27FC236}">
-                <a16:creationId xmlns:a16="http://schemas.microsoft.com/office/drawing/2014/main" id="{59E1FA7D-02C7-4824-BC6E-035398A418C9}"/>
+                <a16:creationId xmlns:a16="http://schemas.microsoft.com/office/drawing/2014/main" xmlns="" id="{59E1FA7D-02C7-4824-BC6E-035398A418C9}"/>
               </a:ext>
             </a:extLst>
           </p:cNvPr>
@@ -8590,7 +7845,7 @@
           <p:cNvPr id="3" name="Content Placeholder 2">
             <a:extLst>
               <a:ext uri="{FF2B5EF4-FFF2-40B4-BE49-F238E27FC236}">
-                <a16:creationId xmlns:a16="http://schemas.microsoft.com/office/drawing/2014/main" id="{3F91CAD0-AA08-4D5C-87A1-F0C7CDE8ED49}"/>
+                <a16:creationId xmlns:a16="http://schemas.microsoft.com/office/drawing/2014/main" xmlns="" id="{3F91CAD0-AA08-4D5C-87A1-F0C7CDE8ED49}"/>
               </a:ext>
             </a:extLst>
           </p:cNvPr>
@@ -8620,7 +7875,7 @@
           <p:cNvPr id="5" name="Picture 4">
             <a:extLst>
               <a:ext uri="{FF2B5EF4-FFF2-40B4-BE49-F238E27FC236}">
-                <a16:creationId xmlns:a16="http://schemas.microsoft.com/office/drawing/2014/main" id="{EC4827D7-AF35-4CC3-BFD1-A2A00A8D4BF7}"/>
+                <a16:creationId xmlns:a16="http://schemas.microsoft.com/office/drawing/2014/main" xmlns="" id="{EC4827D7-AF35-4CC3-BFD1-A2A00A8D4BF7}"/>
               </a:ext>
             </a:extLst>
           </p:cNvPr>
@@ -8650,7 +7905,7 @@
           <p:cNvPr id="6" name="Picture 5">
             <a:extLst>
               <a:ext uri="{FF2B5EF4-FFF2-40B4-BE49-F238E27FC236}">
-                <a16:creationId xmlns:a16="http://schemas.microsoft.com/office/drawing/2014/main" id="{878FEB50-42B7-4985-8DCB-4B95402D4C32}"/>
+                <a16:creationId xmlns:a16="http://schemas.microsoft.com/office/drawing/2014/main" xmlns="" id="{878FEB50-42B7-4985-8DCB-4B95402D4C32}"/>
               </a:ext>
             </a:extLst>
           </p:cNvPr>
@@ -8680,7 +7935,7 @@
           <p:cNvPr id="7" name="Table 6">
             <a:extLst>
               <a:ext uri="{FF2B5EF4-FFF2-40B4-BE49-F238E27FC236}">
-                <a16:creationId xmlns:a16="http://schemas.microsoft.com/office/drawing/2014/main" id="{10ED6FC3-8D7B-4548-87E9-4F5B6211D4C9}"/>
+                <a16:creationId xmlns:a16="http://schemas.microsoft.com/office/drawing/2014/main" xmlns="" id="{10ED6FC3-8D7B-4548-87E9-4F5B6211D4C9}"/>
               </a:ext>
             </a:extLst>
           </p:cNvPr>
@@ -8709,21 +7964,21 @@
                 <a:gridCol w="2709333">
                   <a:extLst>
                     <a:ext uri="{9D8B030D-6E8A-4147-A177-3AD203B41FA5}">
-                      <a16:colId xmlns:a16="http://schemas.microsoft.com/office/drawing/2014/main" val="3960047982"/>
+                      <a16:colId xmlns:a16="http://schemas.microsoft.com/office/drawing/2014/main" xmlns="" val="3960047982"/>
                     </a:ext>
                   </a:extLst>
                 </a:gridCol>
                 <a:gridCol w="2709333">
                   <a:extLst>
                     <a:ext uri="{9D8B030D-6E8A-4147-A177-3AD203B41FA5}">
-                      <a16:colId xmlns:a16="http://schemas.microsoft.com/office/drawing/2014/main" val="1532445553"/>
+                      <a16:colId xmlns:a16="http://schemas.microsoft.com/office/drawing/2014/main" xmlns="" val="1532445553"/>
                     </a:ext>
                   </a:extLst>
                 </a:gridCol>
                 <a:gridCol w="2709333">
                   <a:extLst>
                     <a:ext uri="{9D8B030D-6E8A-4147-A177-3AD203B41FA5}">
-                      <a16:colId xmlns:a16="http://schemas.microsoft.com/office/drawing/2014/main" val="1773917631"/>
+                      <a16:colId xmlns:a16="http://schemas.microsoft.com/office/drawing/2014/main" xmlns="" val="1773917631"/>
                     </a:ext>
                   </a:extLst>
                 </a:gridCol>
@@ -8773,7 +8028,7 @@
                 </a:tc>
                 <a:extLst>
                   <a:ext uri="{0D108BD9-81ED-4DB2-BD59-A6C34878D82A}">
-                    <a16:rowId xmlns:a16="http://schemas.microsoft.com/office/drawing/2014/main" val="2137243418"/>
+                    <a16:rowId xmlns:a16="http://schemas.microsoft.com/office/drawing/2014/main" xmlns="" val="2137243418"/>
                   </a:ext>
                 </a:extLst>
               </a:tr>
@@ -8822,7 +8077,7 @@
                 </a:tc>
                 <a:extLst>
                   <a:ext uri="{0D108BD9-81ED-4DB2-BD59-A6C34878D82A}">
-                    <a16:rowId xmlns:a16="http://schemas.microsoft.com/office/drawing/2014/main" val="1889815779"/>
+                    <a16:rowId xmlns:a16="http://schemas.microsoft.com/office/drawing/2014/main" xmlns="" val="1889815779"/>
                   </a:ext>
                 </a:extLst>
               </a:tr>
@@ -8865,7 +8120,7 @@
           <p:cNvPr id="2" name="Title 1">
             <a:extLst>
               <a:ext uri="{FF2B5EF4-FFF2-40B4-BE49-F238E27FC236}">
-                <a16:creationId xmlns:a16="http://schemas.microsoft.com/office/drawing/2014/main" id="{59E1FA7D-02C7-4824-BC6E-035398A418C9}"/>
+                <a16:creationId xmlns:a16="http://schemas.microsoft.com/office/drawing/2014/main" xmlns="" id="{59E1FA7D-02C7-4824-BC6E-035398A418C9}"/>
               </a:ext>
             </a:extLst>
           </p:cNvPr>
@@ -8895,7 +8150,7 @@
           <p:cNvPr id="3" name="Content Placeholder 2">
             <a:extLst>
               <a:ext uri="{FF2B5EF4-FFF2-40B4-BE49-F238E27FC236}">
-                <a16:creationId xmlns:a16="http://schemas.microsoft.com/office/drawing/2014/main" id="{3F91CAD0-AA08-4D5C-87A1-F0C7CDE8ED49}"/>
+                <a16:creationId xmlns:a16="http://schemas.microsoft.com/office/drawing/2014/main" xmlns="" id="{3F91CAD0-AA08-4D5C-87A1-F0C7CDE8ED49}"/>
               </a:ext>
             </a:extLst>
           </p:cNvPr>
@@ -8989,7 +8244,7 @@
           <p:cNvPr id="2050" name="Picture 2" descr="Image result for experience">
             <a:extLst>
               <a:ext uri="{FF2B5EF4-FFF2-40B4-BE49-F238E27FC236}">
-                <a16:creationId xmlns:a16="http://schemas.microsoft.com/office/drawing/2014/main" id="{77C83B56-6062-4423-B689-13886F0B068D}"/>
+                <a16:creationId xmlns:a16="http://schemas.microsoft.com/office/drawing/2014/main" xmlns="" id="{77C83B56-6062-4423-B689-13886F0B068D}"/>
               </a:ext>
             </a:extLst>
           </p:cNvPr>
@@ -9036,7 +8291,7 @@
           <p:cNvPr id="5" name="Table 4">
             <a:extLst>
               <a:ext uri="{FF2B5EF4-FFF2-40B4-BE49-F238E27FC236}">
-                <a16:creationId xmlns:a16="http://schemas.microsoft.com/office/drawing/2014/main" id="{0BFE0078-0C91-4706-A507-7971F90CE2FC}"/>
+                <a16:creationId xmlns:a16="http://schemas.microsoft.com/office/drawing/2014/main" xmlns="" id="{0BFE0078-0C91-4706-A507-7971F90CE2FC}"/>
               </a:ext>
             </a:extLst>
           </p:cNvPr>
@@ -9065,28 +8320,28 @@
                 <a:gridCol w="2032000">
                   <a:extLst>
                     <a:ext uri="{9D8B030D-6E8A-4147-A177-3AD203B41FA5}">
-                      <a16:colId xmlns:a16="http://schemas.microsoft.com/office/drawing/2014/main" val="4034513722"/>
+                      <a16:colId xmlns:a16="http://schemas.microsoft.com/office/drawing/2014/main" xmlns="" val="4034513722"/>
                     </a:ext>
                   </a:extLst>
                 </a:gridCol>
                 <a:gridCol w="2032000">
                   <a:extLst>
                     <a:ext uri="{9D8B030D-6E8A-4147-A177-3AD203B41FA5}">
-                      <a16:colId xmlns:a16="http://schemas.microsoft.com/office/drawing/2014/main" val="2551429818"/>
+                      <a16:colId xmlns:a16="http://schemas.microsoft.com/office/drawing/2014/main" xmlns="" val="2551429818"/>
                     </a:ext>
                   </a:extLst>
                 </a:gridCol>
                 <a:gridCol w="2032000">
                   <a:extLst>
                     <a:ext uri="{9D8B030D-6E8A-4147-A177-3AD203B41FA5}">
-                      <a16:colId xmlns:a16="http://schemas.microsoft.com/office/drawing/2014/main" val="225707740"/>
+                      <a16:colId xmlns:a16="http://schemas.microsoft.com/office/drawing/2014/main" xmlns="" val="225707740"/>
                     </a:ext>
                   </a:extLst>
                 </a:gridCol>
                 <a:gridCol w="2032000">
                   <a:extLst>
                     <a:ext uri="{9D8B030D-6E8A-4147-A177-3AD203B41FA5}">
-                      <a16:colId xmlns:a16="http://schemas.microsoft.com/office/drawing/2014/main" val="708877508"/>
+                      <a16:colId xmlns:a16="http://schemas.microsoft.com/office/drawing/2014/main" xmlns="" val="708877508"/>
                     </a:ext>
                   </a:extLst>
                 </a:gridCol>
@@ -9174,7 +8429,7 @@
                 </a:tc>
                 <a:extLst>
                   <a:ext uri="{0D108BD9-81ED-4DB2-BD59-A6C34878D82A}">
-                    <a16:rowId xmlns:a16="http://schemas.microsoft.com/office/drawing/2014/main" val="4188257202"/>
+                    <a16:rowId xmlns:a16="http://schemas.microsoft.com/office/drawing/2014/main" xmlns="" val="4188257202"/>
                   </a:ext>
                 </a:extLst>
               </a:tr>
@@ -9237,7 +8492,7 @@
                 </a:tc>
                 <a:extLst>
                   <a:ext uri="{0D108BD9-81ED-4DB2-BD59-A6C34878D82A}">
-                    <a16:rowId xmlns:a16="http://schemas.microsoft.com/office/drawing/2014/main" val="2485015472"/>
+                    <a16:rowId xmlns:a16="http://schemas.microsoft.com/office/drawing/2014/main" xmlns="" val="2485015472"/>
                   </a:ext>
                 </a:extLst>
               </a:tr>
@@ -9280,7 +8535,7 @@
           <p:cNvPr id="2" name="Title 1">
             <a:extLst>
               <a:ext uri="{FF2B5EF4-FFF2-40B4-BE49-F238E27FC236}">
-                <a16:creationId xmlns:a16="http://schemas.microsoft.com/office/drawing/2014/main" id="{E58D15E7-F168-43F9-9394-544DA9250F53}"/>
+                <a16:creationId xmlns:a16="http://schemas.microsoft.com/office/drawing/2014/main" xmlns="" id="{E58D15E7-F168-43F9-9394-544DA9250F53}"/>
               </a:ext>
             </a:extLst>
           </p:cNvPr>
@@ -9314,7 +8569,7 @@
           <p:cNvPr id="3" name="Content Placeholder 2">
             <a:extLst>
               <a:ext uri="{FF2B5EF4-FFF2-40B4-BE49-F238E27FC236}">
-                <a16:creationId xmlns:a16="http://schemas.microsoft.com/office/drawing/2014/main" id="{6AEEC42B-9CAF-438E-9FE8-A6A4E374D842}"/>
+                <a16:creationId xmlns:a16="http://schemas.microsoft.com/office/drawing/2014/main" xmlns="" id="{6AEEC42B-9CAF-438E-9FE8-A6A4E374D842}"/>
               </a:ext>
             </a:extLst>
           </p:cNvPr>
@@ -9351,7 +8606,7 @@
           <p:cNvPr id="7" name="Picture 6">
             <a:extLst>
               <a:ext uri="{FF2B5EF4-FFF2-40B4-BE49-F238E27FC236}">
-                <a16:creationId xmlns:a16="http://schemas.microsoft.com/office/drawing/2014/main" id="{9ECD6BE8-34DB-4301-AB38-604E43FAA54D}"/>
+                <a16:creationId xmlns:a16="http://schemas.microsoft.com/office/drawing/2014/main" xmlns="" id="{9ECD6BE8-34DB-4301-AB38-604E43FAA54D}"/>
               </a:ext>
             </a:extLst>
           </p:cNvPr>
@@ -9381,7 +8636,7 @@
           <p:cNvPr id="9" name="Picture 8">
             <a:extLst>
               <a:ext uri="{FF2B5EF4-FFF2-40B4-BE49-F238E27FC236}">
-                <a16:creationId xmlns:a16="http://schemas.microsoft.com/office/drawing/2014/main" id="{701008B8-9658-4AAC-89DB-2958A3EC81D7}"/>
+                <a16:creationId xmlns:a16="http://schemas.microsoft.com/office/drawing/2014/main" xmlns="" id="{701008B8-9658-4AAC-89DB-2958A3EC81D7}"/>
               </a:ext>
             </a:extLst>
           </p:cNvPr>
@@ -9411,7 +8666,7 @@
           <p:cNvPr id="10" name="Picture 9">
             <a:extLst>
               <a:ext uri="{FF2B5EF4-FFF2-40B4-BE49-F238E27FC236}">
-                <a16:creationId xmlns:a16="http://schemas.microsoft.com/office/drawing/2014/main" id="{56914503-ECF4-4CA3-9207-08CEBAD08EFC}"/>
+                <a16:creationId xmlns:a16="http://schemas.microsoft.com/office/drawing/2014/main" xmlns="" id="{56914503-ECF4-4CA3-9207-08CEBAD08EFC}"/>
               </a:ext>
             </a:extLst>
           </p:cNvPr>
